--- a/clases/Cap04_Clasificacion/presentations/PAT04_Trees.pptx
+++ b/clases/Cap04_Clasificacion/presentations/PAT04_Trees.pptx
@@ -5,7 +5,7 @@
     <p:sldMasterId id="2147483648" r:id="rId1"/>
   </p:sldMasterIdLst>
   <p:notesMasterIdLst>
-    <p:notesMasterId r:id="rId36"/>
+    <p:notesMasterId r:id="rId37"/>
   </p:notesMasterIdLst>
   <p:sldIdLst>
     <p:sldId id="294" r:id="rId2"/>
@@ -25,23 +25,24 @@
     <p:sldId id="323" r:id="rId16"/>
     <p:sldId id="322" r:id="rId17"/>
     <p:sldId id="314" r:id="rId18"/>
-    <p:sldId id="331" r:id="rId19"/>
-    <p:sldId id="332" r:id="rId20"/>
-    <p:sldId id="315" r:id="rId21"/>
-    <p:sldId id="330" r:id="rId22"/>
-    <p:sldId id="333" r:id="rId23"/>
-    <p:sldId id="316" r:id="rId24"/>
-    <p:sldId id="319" r:id="rId25"/>
-    <p:sldId id="326" r:id="rId26"/>
-    <p:sldId id="328" r:id="rId27"/>
-    <p:sldId id="335" r:id="rId28"/>
-    <p:sldId id="317" r:id="rId29"/>
-    <p:sldId id="334" r:id="rId30"/>
-    <p:sldId id="336" r:id="rId31"/>
-    <p:sldId id="337" r:id="rId32"/>
-    <p:sldId id="338" r:id="rId33"/>
-    <p:sldId id="324" r:id="rId34"/>
-    <p:sldId id="320" r:id="rId35"/>
+    <p:sldId id="340" r:id="rId19"/>
+    <p:sldId id="331" r:id="rId20"/>
+    <p:sldId id="332" r:id="rId21"/>
+    <p:sldId id="315" r:id="rId22"/>
+    <p:sldId id="330" r:id="rId23"/>
+    <p:sldId id="333" r:id="rId24"/>
+    <p:sldId id="316" r:id="rId25"/>
+    <p:sldId id="319" r:id="rId26"/>
+    <p:sldId id="326" r:id="rId27"/>
+    <p:sldId id="328" r:id="rId28"/>
+    <p:sldId id="335" r:id="rId29"/>
+    <p:sldId id="317" r:id="rId30"/>
+    <p:sldId id="334" r:id="rId31"/>
+    <p:sldId id="336" r:id="rId32"/>
+    <p:sldId id="337" r:id="rId33"/>
+    <p:sldId id="338" r:id="rId34"/>
+    <p:sldId id="324" r:id="rId35"/>
+    <p:sldId id="320" r:id="rId36"/>
   </p:sldIdLst>
   <p:sldSz cx="9144000" cy="6858000" type="screen4x3"/>
   <p:notesSz cx="6858000" cy="9144000"/>
@@ -9096,10 +9097,10 @@
       </p:grpSpPr>
       <p:pic>
         <p:nvPicPr>
-          <p:cNvPr id="1026" name="Picture 2">
+          <p:cNvPr id="23" name="Picture 4">
             <a:extLst>
               <a:ext uri="{FF2B5EF4-FFF2-40B4-BE49-F238E27FC236}">
-                <a16:creationId xmlns:a16="http://schemas.microsoft.com/office/drawing/2014/main" id="{8A567186-4C66-2847-AE59-C80A16C11516}"/>
+                <a16:creationId xmlns:a16="http://schemas.microsoft.com/office/drawing/2014/main" id="{09F5F32B-0BCD-0F43-9832-646829A6C0C5}"/>
               </a:ext>
             </a:extLst>
           </p:cNvPr>
@@ -9123,8 +9124,8 @@
         </p:blipFill>
         <p:spPr bwMode="auto">
           <a:xfrm>
-            <a:off x="0" y="1746250"/>
-            <a:ext cx="9144000" cy="3365500"/>
+            <a:off x="4631796" y="1625600"/>
+            <a:ext cx="4512204" cy="3606800"/>
           </a:xfrm>
           <a:prstGeom prst="rect">
             <a:avLst/>
@@ -9141,6 +9142,505 @@
           </a:extLst>
         </p:spPr>
       </p:pic>
+      <p:grpSp>
+        <p:nvGrpSpPr>
+          <p:cNvPr id="11" name="Group 10">
+            <a:extLst>
+              <a:ext uri="{FF2B5EF4-FFF2-40B4-BE49-F238E27FC236}">
+                <a16:creationId xmlns:a16="http://schemas.microsoft.com/office/drawing/2014/main" id="{17757F8A-AB60-3944-83E1-7FD5DF4071D6}"/>
+              </a:ext>
+            </a:extLst>
+          </p:cNvPr>
+          <p:cNvGrpSpPr/>
+          <p:nvPr/>
+        </p:nvGrpSpPr>
+        <p:grpSpPr>
+          <a:xfrm>
+            <a:off x="2196996" y="4934366"/>
+            <a:ext cx="368196" cy="299057"/>
+            <a:chOff x="3730830" y="5722784"/>
+            <a:chExt cx="431800" cy="323850"/>
+          </a:xfrm>
+        </p:grpSpPr>
+        <p:sp>
+          <p:nvSpPr>
+            <p:cNvPr id="8" name="Rectangle 7">
+              <a:extLst>
+                <a:ext uri="{FF2B5EF4-FFF2-40B4-BE49-F238E27FC236}">
+                  <a16:creationId xmlns:a16="http://schemas.microsoft.com/office/drawing/2014/main" id="{E19B8DC0-A945-434D-9FDD-A7B0E3371E85}"/>
+                </a:ext>
+              </a:extLst>
+            </p:cNvPr>
+            <p:cNvSpPr/>
+            <p:nvPr/>
+          </p:nvSpPr>
+          <p:spPr>
+            <a:xfrm>
+              <a:off x="3730830" y="5722784"/>
+              <a:ext cx="431800" cy="323850"/>
+            </a:xfrm>
+            <a:prstGeom prst="rect">
+              <a:avLst/>
+            </a:prstGeom>
+            <a:solidFill>
+              <a:schemeClr val="bg1"/>
+            </a:solidFill>
+            <a:ln>
+              <a:noFill/>
+            </a:ln>
+            <a:effectLst/>
+          </p:spPr>
+          <p:style>
+            <a:lnRef idx="1">
+              <a:schemeClr val="accent1"/>
+            </a:lnRef>
+            <a:fillRef idx="3">
+              <a:schemeClr val="accent1"/>
+            </a:fillRef>
+            <a:effectRef idx="2">
+              <a:schemeClr val="accent1"/>
+            </a:effectRef>
+            <a:fontRef idx="minor">
+              <a:schemeClr val="lt1"/>
+            </a:fontRef>
+          </p:style>
+          <p:txBody>
+            <a:bodyPr rtlCol="0" anchor="ctr"/>
+            <a:lstStyle/>
+            <a:p>
+              <a:pPr algn="ctr"/>
+              <a:endParaRPr lang="en-US" dirty="0"/>
+            </a:p>
+          </p:txBody>
+        </p:sp>
+        <p:pic>
+          <p:nvPicPr>
+            <p:cNvPr id="6" name="Picture 5">
+              <a:extLst>
+                <a:ext uri="{FF2B5EF4-FFF2-40B4-BE49-F238E27FC236}">
+                  <a16:creationId xmlns:a16="http://schemas.microsoft.com/office/drawing/2014/main" id="{E56EC657-249C-684D-BE4F-2574A5C051EE}"/>
+                </a:ext>
+              </a:extLst>
+            </p:cNvPr>
+            <p:cNvPicPr>
+              <a:picLocks noChangeAspect="1"/>
+            </p:cNvPicPr>
+            <p:nvPr/>
+          </p:nvPicPr>
+          <p:blipFill>
+            <a:blip r:embed="rId3"/>
+            <a:stretch>
+              <a:fillRect/>
+            </a:stretch>
+          </p:blipFill>
+          <p:spPr>
+            <a:xfrm>
+              <a:off x="3730830" y="5754534"/>
+              <a:ext cx="431800" cy="292100"/>
+            </a:xfrm>
+            <a:prstGeom prst="rect">
+              <a:avLst/>
+            </a:prstGeom>
+          </p:spPr>
+        </p:pic>
+      </p:grpSp>
+      <p:grpSp>
+        <p:nvGrpSpPr>
+          <p:cNvPr id="9" name="Group 8">
+            <a:extLst>
+              <a:ext uri="{FF2B5EF4-FFF2-40B4-BE49-F238E27FC236}">
+                <a16:creationId xmlns:a16="http://schemas.microsoft.com/office/drawing/2014/main" id="{B6E5726E-994E-C34F-A3C9-D1F15D22FDC6}"/>
+              </a:ext>
+            </a:extLst>
+          </p:cNvPr>
+          <p:cNvGrpSpPr/>
+          <p:nvPr/>
+        </p:nvGrpSpPr>
+        <p:grpSpPr>
+          <a:xfrm>
+            <a:off x="4704733" y="3255707"/>
+            <a:ext cx="357368" cy="320051"/>
+            <a:chOff x="5601314" y="5700049"/>
+            <a:chExt cx="419101" cy="346585"/>
+          </a:xfrm>
+        </p:grpSpPr>
+        <p:sp>
+          <p:nvSpPr>
+            <p:cNvPr id="10" name="Rectangle 9">
+              <a:extLst>
+                <a:ext uri="{FF2B5EF4-FFF2-40B4-BE49-F238E27FC236}">
+                  <a16:creationId xmlns:a16="http://schemas.microsoft.com/office/drawing/2014/main" id="{1B7D069F-C78A-1543-8C44-E99D36507CC3}"/>
+                </a:ext>
+              </a:extLst>
+            </p:cNvPr>
+            <p:cNvSpPr/>
+            <p:nvPr/>
+          </p:nvSpPr>
+          <p:spPr>
+            <a:xfrm>
+              <a:off x="5601315" y="5700049"/>
+              <a:ext cx="419100" cy="346585"/>
+            </a:xfrm>
+            <a:prstGeom prst="rect">
+              <a:avLst/>
+            </a:prstGeom>
+            <a:solidFill>
+              <a:schemeClr val="bg1"/>
+            </a:solidFill>
+            <a:ln>
+              <a:noFill/>
+            </a:ln>
+            <a:effectLst/>
+          </p:spPr>
+          <p:style>
+            <a:lnRef idx="1">
+              <a:schemeClr val="accent1"/>
+            </a:lnRef>
+            <a:fillRef idx="3">
+              <a:schemeClr val="accent1"/>
+            </a:fillRef>
+            <a:effectRef idx="2">
+              <a:schemeClr val="accent1"/>
+            </a:effectRef>
+            <a:fontRef idx="minor">
+              <a:schemeClr val="lt1"/>
+            </a:fontRef>
+          </p:style>
+          <p:txBody>
+            <a:bodyPr rtlCol="0" anchor="ctr"/>
+            <a:lstStyle/>
+            <a:p>
+              <a:pPr algn="ctr"/>
+              <a:endParaRPr lang="en-US" dirty="0"/>
+            </a:p>
+          </p:txBody>
+        </p:sp>
+        <p:pic>
+          <p:nvPicPr>
+            <p:cNvPr id="7" name="Picture 6">
+              <a:extLst>
+                <a:ext uri="{FF2B5EF4-FFF2-40B4-BE49-F238E27FC236}">
+                  <a16:creationId xmlns:a16="http://schemas.microsoft.com/office/drawing/2014/main" id="{7BDDBDE5-799D-C34A-9F91-8B249E6685DA}"/>
+                </a:ext>
+              </a:extLst>
+            </p:cNvPr>
+            <p:cNvPicPr>
+              <a:picLocks noChangeAspect="1"/>
+            </p:cNvPicPr>
+            <p:nvPr/>
+          </p:nvPicPr>
+          <p:blipFill>
+            <a:blip r:embed="rId4"/>
+            <a:stretch>
+              <a:fillRect/>
+            </a:stretch>
+          </p:blipFill>
+          <p:spPr>
+            <a:xfrm>
+              <a:off x="5601314" y="5722784"/>
+              <a:ext cx="419100" cy="279400"/>
+            </a:xfrm>
+            <a:prstGeom prst="rect">
+              <a:avLst/>
+            </a:prstGeom>
+          </p:spPr>
+        </p:pic>
+      </p:grpSp>
+      <p:grpSp>
+        <p:nvGrpSpPr>
+          <p:cNvPr id="13" name="Group 12">
+            <a:extLst>
+              <a:ext uri="{FF2B5EF4-FFF2-40B4-BE49-F238E27FC236}">
+                <a16:creationId xmlns:a16="http://schemas.microsoft.com/office/drawing/2014/main" id="{B6A25914-9153-724D-998F-CB0DBA4767E8}"/>
+              </a:ext>
+            </a:extLst>
+          </p:cNvPr>
+          <p:cNvGrpSpPr/>
+          <p:nvPr/>
+        </p:nvGrpSpPr>
+        <p:grpSpPr>
+          <a:xfrm>
+            <a:off x="6947004" y="4936620"/>
+            <a:ext cx="368196" cy="299057"/>
+            <a:chOff x="3730830" y="5722784"/>
+            <a:chExt cx="431800" cy="323850"/>
+          </a:xfrm>
+        </p:grpSpPr>
+        <p:sp>
+          <p:nvSpPr>
+            <p:cNvPr id="14" name="Rectangle 13">
+              <a:extLst>
+                <a:ext uri="{FF2B5EF4-FFF2-40B4-BE49-F238E27FC236}">
+                  <a16:creationId xmlns:a16="http://schemas.microsoft.com/office/drawing/2014/main" id="{B7B6D9BC-919B-B84C-BA9C-65D1BD487199}"/>
+                </a:ext>
+              </a:extLst>
+            </p:cNvPr>
+            <p:cNvSpPr/>
+            <p:nvPr/>
+          </p:nvSpPr>
+          <p:spPr>
+            <a:xfrm>
+              <a:off x="3730830" y="5722784"/>
+              <a:ext cx="431800" cy="323850"/>
+            </a:xfrm>
+            <a:prstGeom prst="rect">
+              <a:avLst/>
+            </a:prstGeom>
+            <a:solidFill>
+              <a:schemeClr val="bg1"/>
+            </a:solidFill>
+            <a:ln>
+              <a:noFill/>
+            </a:ln>
+            <a:effectLst/>
+          </p:spPr>
+          <p:style>
+            <a:lnRef idx="1">
+              <a:schemeClr val="accent1"/>
+            </a:lnRef>
+            <a:fillRef idx="3">
+              <a:schemeClr val="accent1"/>
+            </a:fillRef>
+            <a:effectRef idx="2">
+              <a:schemeClr val="accent1"/>
+            </a:effectRef>
+            <a:fontRef idx="minor">
+              <a:schemeClr val="lt1"/>
+            </a:fontRef>
+          </p:style>
+          <p:txBody>
+            <a:bodyPr rtlCol="0" anchor="ctr"/>
+            <a:lstStyle/>
+            <a:p>
+              <a:pPr algn="ctr"/>
+              <a:endParaRPr lang="en-US" dirty="0"/>
+            </a:p>
+          </p:txBody>
+        </p:sp>
+        <p:pic>
+          <p:nvPicPr>
+            <p:cNvPr id="15" name="Picture 14">
+              <a:extLst>
+                <a:ext uri="{FF2B5EF4-FFF2-40B4-BE49-F238E27FC236}">
+                  <a16:creationId xmlns:a16="http://schemas.microsoft.com/office/drawing/2014/main" id="{B14CD38E-E42C-AD4E-BA1D-C0CDACD383A1}"/>
+                </a:ext>
+              </a:extLst>
+            </p:cNvPr>
+            <p:cNvPicPr>
+              <a:picLocks noChangeAspect="1"/>
+            </p:cNvPicPr>
+            <p:nvPr/>
+          </p:nvPicPr>
+          <p:blipFill>
+            <a:blip r:embed="rId3"/>
+            <a:stretch>
+              <a:fillRect/>
+            </a:stretch>
+          </p:blipFill>
+          <p:spPr>
+            <a:xfrm>
+              <a:off x="3730830" y="5754534"/>
+              <a:ext cx="431800" cy="292100"/>
+            </a:xfrm>
+            <a:prstGeom prst="rect">
+              <a:avLst/>
+            </a:prstGeom>
+          </p:spPr>
+        </p:pic>
+      </p:grpSp>
+      <p:grpSp>
+        <p:nvGrpSpPr>
+          <p:cNvPr id="16" name="Group 15">
+            <a:extLst>
+              <a:ext uri="{FF2B5EF4-FFF2-40B4-BE49-F238E27FC236}">
+                <a16:creationId xmlns:a16="http://schemas.microsoft.com/office/drawing/2014/main" id="{FD7F0ACC-A98E-E24A-8156-FB6BB3553CE0}"/>
+              </a:ext>
+            </a:extLst>
+          </p:cNvPr>
+          <p:cNvGrpSpPr/>
+          <p:nvPr/>
+        </p:nvGrpSpPr>
+        <p:grpSpPr>
+          <a:xfrm>
+            <a:off x="29497" y="3248946"/>
+            <a:ext cx="357368" cy="320051"/>
+            <a:chOff x="5601314" y="5700049"/>
+            <a:chExt cx="419101" cy="346585"/>
+          </a:xfrm>
+        </p:grpSpPr>
+        <p:sp>
+          <p:nvSpPr>
+            <p:cNvPr id="17" name="Rectangle 16">
+              <a:extLst>
+                <a:ext uri="{FF2B5EF4-FFF2-40B4-BE49-F238E27FC236}">
+                  <a16:creationId xmlns:a16="http://schemas.microsoft.com/office/drawing/2014/main" id="{6E4CA7E7-74B6-F84A-80F3-C0434CE8FDDF}"/>
+                </a:ext>
+              </a:extLst>
+            </p:cNvPr>
+            <p:cNvSpPr/>
+            <p:nvPr/>
+          </p:nvSpPr>
+          <p:spPr>
+            <a:xfrm>
+              <a:off x="5601315" y="5700049"/>
+              <a:ext cx="419100" cy="346585"/>
+            </a:xfrm>
+            <a:prstGeom prst="rect">
+              <a:avLst/>
+            </a:prstGeom>
+            <a:solidFill>
+              <a:schemeClr val="bg1"/>
+            </a:solidFill>
+            <a:ln>
+              <a:noFill/>
+            </a:ln>
+            <a:effectLst/>
+          </p:spPr>
+          <p:style>
+            <a:lnRef idx="1">
+              <a:schemeClr val="accent1"/>
+            </a:lnRef>
+            <a:fillRef idx="3">
+              <a:schemeClr val="accent1"/>
+            </a:fillRef>
+            <a:effectRef idx="2">
+              <a:schemeClr val="accent1"/>
+            </a:effectRef>
+            <a:fontRef idx="minor">
+              <a:schemeClr val="lt1"/>
+            </a:fontRef>
+          </p:style>
+          <p:txBody>
+            <a:bodyPr rtlCol="0" anchor="ctr"/>
+            <a:lstStyle/>
+            <a:p>
+              <a:pPr algn="ctr"/>
+              <a:endParaRPr lang="en-US" dirty="0"/>
+            </a:p>
+          </p:txBody>
+        </p:sp>
+        <p:pic>
+          <p:nvPicPr>
+            <p:cNvPr id="18" name="Picture 17">
+              <a:extLst>
+                <a:ext uri="{FF2B5EF4-FFF2-40B4-BE49-F238E27FC236}">
+                  <a16:creationId xmlns:a16="http://schemas.microsoft.com/office/drawing/2014/main" id="{06FACA18-B063-E349-9CAE-D8E9D5F07BD0}"/>
+                </a:ext>
+              </a:extLst>
+            </p:cNvPr>
+            <p:cNvPicPr>
+              <a:picLocks noChangeAspect="1"/>
+            </p:cNvPicPr>
+            <p:nvPr/>
+          </p:nvPicPr>
+          <p:blipFill>
+            <a:blip r:embed="rId4"/>
+            <a:stretch>
+              <a:fillRect/>
+            </a:stretch>
+          </p:blipFill>
+          <p:spPr>
+            <a:xfrm>
+              <a:off x="5601314" y="5722784"/>
+              <a:ext cx="419100" cy="279400"/>
+            </a:xfrm>
+            <a:prstGeom prst="rect">
+              <a:avLst/>
+            </a:prstGeom>
+          </p:spPr>
+        </p:pic>
+      </p:grpSp>
+      <p:pic>
+        <p:nvPicPr>
+          <p:cNvPr id="21" name="Picture 2">
+            <a:extLst>
+              <a:ext uri="{FF2B5EF4-FFF2-40B4-BE49-F238E27FC236}">
+                <a16:creationId xmlns:a16="http://schemas.microsoft.com/office/drawing/2014/main" id="{A15BE86D-0406-BB45-B5B4-0C9176FB2A21}"/>
+              </a:ext>
+            </a:extLst>
+          </p:cNvPr>
+          <p:cNvPicPr>
+            <a:picLocks noChangeAspect="1" noChangeArrowheads="1"/>
+          </p:cNvPicPr>
+          <p:nvPr/>
+        </p:nvPicPr>
+        <p:blipFill>
+          <a:blip r:embed="rId5">
+            <a:alphaModFix/>
+            <a:extLst>
+              <a:ext uri="{28A0092B-C50C-407E-A947-70E740481C1C}">
+                <a14:useLocalDpi xmlns:a14="http://schemas.microsoft.com/office/drawing/2010/main" val="0"/>
+              </a:ext>
+            </a:extLst>
+          </a:blip>
+          <a:srcRect/>
+          <a:stretch>
+            <a:fillRect/>
+          </a:stretch>
+        </p:blipFill>
+        <p:spPr bwMode="auto">
+          <a:xfrm>
+            <a:off x="-267860" y="1603299"/>
+            <a:ext cx="4790794" cy="3749285"/>
+          </a:xfrm>
+          <a:prstGeom prst="rect">
+            <a:avLst/>
+          </a:prstGeom>
+          <a:noFill/>
+          <a:extLst>
+            <a:ext uri="{909E8E84-426E-40DD-AFC4-6F175D3DCCD1}">
+              <a14:hiddenFill xmlns:a14="http://schemas.microsoft.com/office/drawing/2010/main">
+                <a:solidFill>
+                  <a:srgbClr val="FFFFFF"/>
+                </a:solidFill>
+              </a14:hiddenFill>
+            </a:ext>
+          </a:extLst>
+        </p:spPr>
+      </p:pic>
+      <p:sp>
+        <p:nvSpPr>
+          <p:cNvPr id="24" name="TextBox 23">
+            <a:extLst>
+              <a:ext uri="{FF2B5EF4-FFF2-40B4-BE49-F238E27FC236}">
+                <a16:creationId xmlns:a16="http://schemas.microsoft.com/office/drawing/2014/main" id="{F27F64A6-918C-254F-8AC7-641906C35AA4}"/>
+              </a:ext>
+            </a:extLst>
+          </p:cNvPr>
+          <p:cNvSpPr txBox="1"/>
+          <p:nvPr/>
+        </p:nvSpPr>
+        <p:spPr>
+          <a:xfrm>
+            <a:off x="2232530" y="559362"/>
+            <a:ext cx="5301772" cy="707886"/>
+          </a:xfrm>
+          <a:prstGeom prst="rect">
+            <a:avLst/>
+          </a:prstGeom>
+          <a:noFill/>
+        </p:spPr>
+        <p:txBody>
+          <a:bodyPr wrap="none" rtlCol="0">
+            <a:spAutoFit/>
+          </a:bodyPr>
+          <a:lstStyle/>
+          <a:p>
+            <a:r>
+              <a:rPr lang="en-US" sz="4000" dirty="0" err="1">
+                <a:latin typeface="Trebuchet MS" panose="020B0703020202090204" pitchFamily="34" charset="0"/>
+              </a:rPr>
+              <a:t>Datos</a:t>
+            </a:r>
+            <a:r>
+              <a:rPr lang="en-US" sz="4000" dirty="0">
+                <a:latin typeface="Trebuchet MS" panose="020B0703020202090204" pitchFamily="34" charset="0"/>
+              </a:rPr>
+              <a:t> Training/Testing</a:t>
+            </a:r>
+          </a:p>
+        </p:txBody>
+      </p:sp>
     </p:spTree>
     <p:extLst>
       <p:ext uri="{BB962C8B-B14F-4D97-AF65-F5344CB8AC3E}">
@@ -9173,10 +9673,10 @@
       </p:grpSpPr>
       <p:pic>
         <p:nvPicPr>
-          <p:cNvPr id="19458" name="Picture 2">
+          <p:cNvPr id="1026" name="Picture 2">
             <a:extLst>
               <a:ext uri="{FF2B5EF4-FFF2-40B4-BE49-F238E27FC236}">
-                <a16:creationId xmlns:a16="http://schemas.microsoft.com/office/drawing/2014/main" id="{C30496DD-7B8A-4D44-B513-2E2F50451904}"/>
+                <a16:creationId xmlns:a16="http://schemas.microsoft.com/office/drawing/2014/main" id="{8A567186-4C66-2847-AE59-C80A16C11516}"/>
               </a:ext>
             </a:extLst>
           </p:cNvPr>
@@ -9200,8 +9700,8 @@
         </p:blipFill>
         <p:spPr bwMode="auto">
           <a:xfrm>
-            <a:off x="182563" y="0"/>
-            <a:ext cx="8777287" cy="6858000"/>
+            <a:off x="0" y="1746250"/>
+            <a:ext cx="9144000" cy="3365500"/>
           </a:xfrm>
           <a:prstGeom prst="rect">
             <a:avLst/>
@@ -9218,10 +9718,418 @@
           </a:extLst>
         </p:spPr>
       </p:pic>
+      <p:grpSp>
+        <p:nvGrpSpPr>
+          <p:cNvPr id="11" name="Group 10">
+            <a:extLst>
+              <a:ext uri="{FF2B5EF4-FFF2-40B4-BE49-F238E27FC236}">
+                <a16:creationId xmlns:a16="http://schemas.microsoft.com/office/drawing/2014/main" id="{17757F8A-AB60-3944-83E1-7FD5DF4071D6}"/>
+              </a:ext>
+            </a:extLst>
+          </p:cNvPr>
+          <p:cNvGrpSpPr/>
+          <p:nvPr/>
+        </p:nvGrpSpPr>
+        <p:grpSpPr>
+          <a:xfrm>
+            <a:off x="2196996" y="4934366"/>
+            <a:ext cx="368196" cy="299057"/>
+            <a:chOff x="3730830" y="5722784"/>
+            <a:chExt cx="431800" cy="323850"/>
+          </a:xfrm>
+        </p:grpSpPr>
+        <p:sp>
+          <p:nvSpPr>
+            <p:cNvPr id="8" name="Rectangle 7">
+              <a:extLst>
+                <a:ext uri="{FF2B5EF4-FFF2-40B4-BE49-F238E27FC236}">
+                  <a16:creationId xmlns:a16="http://schemas.microsoft.com/office/drawing/2014/main" id="{E19B8DC0-A945-434D-9FDD-A7B0E3371E85}"/>
+                </a:ext>
+              </a:extLst>
+            </p:cNvPr>
+            <p:cNvSpPr/>
+            <p:nvPr/>
+          </p:nvSpPr>
+          <p:spPr>
+            <a:xfrm>
+              <a:off x="3730830" y="5722784"/>
+              <a:ext cx="431800" cy="323850"/>
+            </a:xfrm>
+            <a:prstGeom prst="rect">
+              <a:avLst/>
+            </a:prstGeom>
+            <a:solidFill>
+              <a:schemeClr val="bg1"/>
+            </a:solidFill>
+            <a:ln>
+              <a:noFill/>
+            </a:ln>
+            <a:effectLst/>
+          </p:spPr>
+          <p:style>
+            <a:lnRef idx="1">
+              <a:schemeClr val="accent1"/>
+            </a:lnRef>
+            <a:fillRef idx="3">
+              <a:schemeClr val="accent1"/>
+            </a:fillRef>
+            <a:effectRef idx="2">
+              <a:schemeClr val="accent1"/>
+            </a:effectRef>
+            <a:fontRef idx="minor">
+              <a:schemeClr val="lt1"/>
+            </a:fontRef>
+          </p:style>
+          <p:txBody>
+            <a:bodyPr rtlCol="0" anchor="ctr"/>
+            <a:lstStyle/>
+            <a:p>
+              <a:pPr algn="ctr"/>
+              <a:endParaRPr lang="en-US" dirty="0"/>
+            </a:p>
+          </p:txBody>
+        </p:sp>
+        <p:pic>
+          <p:nvPicPr>
+            <p:cNvPr id="6" name="Picture 5">
+              <a:extLst>
+                <a:ext uri="{FF2B5EF4-FFF2-40B4-BE49-F238E27FC236}">
+                  <a16:creationId xmlns:a16="http://schemas.microsoft.com/office/drawing/2014/main" id="{E56EC657-249C-684D-BE4F-2574A5C051EE}"/>
+                </a:ext>
+              </a:extLst>
+            </p:cNvPr>
+            <p:cNvPicPr>
+              <a:picLocks noChangeAspect="1"/>
+            </p:cNvPicPr>
+            <p:nvPr/>
+          </p:nvPicPr>
+          <p:blipFill>
+            <a:blip r:embed="rId3"/>
+            <a:stretch>
+              <a:fillRect/>
+            </a:stretch>
+          </p:blipFill>
+          <p:spPr>
+            <a:xfrm>
+              <a:off x="3730830" y="5754534"/>
+              <a:ext cx="431800" cy="292100"/>
+            </a:xfrm>
+            <a:prstGeom prst="rect">
+              <a:avLst/>
+            </a:prstGeom>
+          </p:spPr>
+        </p:pic>
+      </p:grpSp>
+      <p:grpSp>
+        <p:nvGrpSpPr>
+          <p:cNvPr id="9" name="Group 8">
+            <a:extLst>
+              <a:ext uri="{FF2B5EF4-FFF2-40B4-BE49-F238E27FC236}">
+                <a16:creationId xmlns:a16="http://schemas.microsoft.com/office/drawing/2014/main" id="{B6E5726E-994E-C34F-A3C9-D1F15D22FDC6}"/>
+              </a:ext>
+            </a:extLst>
+          </p:cNvPr>
+          <p:cNvGrpSpPr/>
+          <p:nvPr/>
+        </p:nvGrpSpPr>
+        <p:grpSpPr>
+          <a:xfrm>
+            <a:off x="4704733" y="3255707"/>
+            <a:ext cx="357368" cy="320051"/>
+            <a:chOff x="5601314" y="5700049"/>
+            <a:chExt cx="419101" cy="346585"/>
+          </a:xfrm>
+        </p:grpSpPr>
+        <p:sp>
+          <p:nvSpPr>
+            <p:cNvPr id="10" name="Rectangle 9">
+              <a:extLst>
+                <a:ext uri="{FF2B5EF4-FFF2-40B4-BE49-F238E27FC236}">
+                  <a16:creationId xmlns:a16="http://schemas.microsoft.com/office/drawing/2014/main" id="{1B7D069F-C78A-1543-8C44-E99D36507CC3}"/>
+                </a:ext>
+              </a:extLst>
+            </p:cNvPr>
+            <p:cNvSpPr/>
+            <p:nvPr/>
+          </p:nvSpPr>
+          <p:spPr>
+            <a:xfrm>
+              <a:off x="5601315" y="5700049"/>
+              <a:ext cx="419100" cy="346585"/>
+            </a:xfrm>
+            <a:prstGeom prst="rect">
+              <a:avLst/>
+            </a:prstGeom>
+            <a:solidFill>
+              <a:schemeClr val="bg1"/>
+            </a:solidFill>
+            <a:ln>
+              <a:noFill/>
+            </a:ln>
+            <a:effectLst/>
+          </p:spPr>
+          <p:style>
+            <a:lnRef idx="1">
+              <a:schemeClr val="accent1"/>
+            </a:lnRef>
+            <a:fillRef idx="3">
+              <a:schemeClr val="accent1"/>
+            </a:fillRef>
+            <a:effectRef idx="2">
+              <a:schemeClr val="accent1"/>
+            </a:effectRef>
+            <a:fontRef idx="minor">
+              <a:schemeClr val="lt1"/>
+            </a:fontRef>
+          </p:style>
+          <p:txBody>
+            <a:bodyPr rtlCol="0" anchor="ctr"/>
+            <a:lstStyle/>
+            <a:p>
+              <a:pPr algn="ctr"/>
+              <a:endParaRPr lang="en-US" dirty="0"/>
+            </a:p>
+          </p:txBody>
+        </p:sp>
+        <p:pic>
+          <p:nvPicPr>
+            <p:cNvPr id="7" name="Picture 6">
+              <a:extLst>
+                <a:ext uri="{FF2B5EF4-FFF2-40B4-BE49-F238E27FC236}">
+                  <a16:creationId xmlns:a16="http://schemas.microsoft.com/office/drawing/2014/main" id="{7BDDBDE5-799D-C34A-9F91-8B249E6685DA}"/>
+                </a:ext>
+              </a:extLst>
+            </p:cNvPr>
+            <p:cNvPicPr>
+              <a:picLocks noChangeAspect="1"/>
+            </p:cNvPicPr>
+            <p:nvPr/>
+          </p:nvPicPr>
+          <p:blipFill>
+            <a:blip r:embed="rId4"/>
+            <a:stretch>
+              <a:fillRect/>
+            </a:stretch>
+          </p:blipFill>
+          <p:spPr>
+            <a:xfrm>
+              <a:off x="5601314" y="5722784"/>
+              <a:ext cx="419100" cy="279400"/>
+            </a:xfrm>
+            <a:prstGeom prst="rect">
+              <a:avLst/>
+            </a:prstGeom>
+          </p:spPr>
+        </p:pic>
+      </p:grpSp>
+      <p:grpSp>
+        <p:nvGrpSpPr>
+          <p:cNvPr id="13" name="Group 12">
+            <a:extLst>
+              <a:ext uri="{FF2B5EF4-FFF2-40B4-BE49-F238E27FC236}">
+                <a16:creationId xmlns:a16="http://schemas.microsoft.com/office/drawing/2014/main" id="{B6A25914-9153-724D-998F-CB0DBA4767E8}"/>
+              </a:ext>
+            </a:extLst>
+          </p:cNvPr>
+          <p:cNvGrpSpPr/>
+          <p:nvPr/>
+        </p:nvGrpSpPr>
+        <p:grpSpPr>
+          <a:xfrm>
+            <a:off x="6947004" y="4936620"/>
+            <a:ext cx="368196" cy="299057"/>
+            <a:chOff x="3730830" y="5722784"/>
+            <a:chExt cx="431800" cy="323850"/>
+          </a:xfrm>
+        </p:grpSpPr>
+        <p:sp>
+          <p:nvSpPr>
+            <p:cNvPr id="14" name="Rectangle 13">
+              <a:extLst>
+                <a:ext uri="{FF2B5EF4-FFF2-40B4-BE49-F238E27FC236}">
+                  <a16:creationId xmlns:a16="http://schemas.microsoft.com/office/drawing/2014/main" id="{B7B6D9BC-919B-B84C-BA9C-65D1BD487199}"/>
+                </a:ext>
+              </a:extLst>
+            </p:cNvPr>
+            <p:cNvSpPr/>
+            <p:nvPr/>
+          </p:nvSpPr>
+          <p:spPr>
+            <a:xfrm>
+              <a:off x="3730830" y="5722784"/>
+              <a:ext cx="431800" cy="323850"/>
+            </a:xfrm>
+            <a:prstGeom prst="rect">
+              <a:avLst/>
+            </a:prstGeom>
+            <a:solidFill>
+              <a:schemeClr val="bg1"/>
+            </a:solidFill>
+            <a:ln>
+              <a:noFill/>
+            </a:ln>
+            <a:effectLst/>
+          </p:spPr>
+          <p:style>
+            <a:lnRef idx="1">
+              <a:schemeClr val="accent1"/>
+            </a:lnRef>
+            <a:fillRef idx="3">
+              <a:schemeClr val="accent1"/>
+            </a:fillRef>
+            <a:effectRef idx="2">
+              <a:schemeClr val="accent1"/>
+            </a:effectRef>
+            <a:fontRef idx="minor">
+              <a:schemeClr val="lt1"/>
+            </a:fontRef>
+          </p:style>
+          <p:txBody>
+            <a:bodyPr rtlCol="0" anchor="ctr"/>
+            <a:lstStyle/>
+            <a:p>
+              <a:pPr algn="ctr"/>
+              <a:endParaRPr lang="en-US" dirty="0"/>
+            </a:p>
+          </p:txBody>
+        </p:sp>
+        <p:pic>
+          <p:nvPicPr>
+            <p:cNvPr id="15" name="Picture 14">
+              <a:extLst>
+                <a:ext uri="{FF2B5EF4-FFF2-40B4-BE49-F238E27FC236}">
+                  <a16:creationId xmlns:a16="http://schemas.microsoft.com/office/drawing/2014/main" id="{B14CD38E-E42C-AD4E-BA1D-C0CDACD383A1}"/>
+                </a:ext>
+              </a:extLst>
+            </p:cNvPr>
+            <p:cNvPicPr>
+              <a:picLocks noChangeAspect="1"/>
+            </p:cNvPicPr>
+            <p:nvPr/>
+          </p:nvPicPr>
+          <p:blipFill>
+            <a:blip r:embed="rId3"/>
+            <a:stretch>
+              <a:fillRect/>
+            </a:stretch>
+          </p:blipFill>
+          <p:spPr>
+            <a:xfrm>
+              <a:off x="3730830" y="5754534"/>
+              <a:ext cx="431800" cy="292100"/>
+            </a:xfrm>
+            <a:prstGeom prst="rect">
+              <a:avLst/>
+            </a:prstGeom>
+          </p:spPr>
+        </p:pic>
+      </p:grpSp>
+      <p:grpSp>
+        <p:nvGrpSpPr>
+          <p:cNvPr id="16" name="Group 15">
+            <a:extLst>
+              <a:ext uri="{FF2B5EF4-FFF2-40B4-BE49-F238E27FC236}">
+                <a16:creationId xmlns:a16="http://schemas.microsoft.com/office/drawing/2014/main" id="{FD7F0ACC-A98E-E24A-8156-FB6BB3553CE0}"/>
+              </a:ext>
+            </a:extLst>
+          </p:cNvPr>
+          <p:cNvGrpSpPr/>
+          <p:nvPr/>
+        </p:nvGrpSpPr>
+        <p:grpSpPr>
+          <a:xfrm>
+            <a:off x="29497" y="3248946"/>
+            <a:ext cx="357368" cy="320051"/>
+            <a:chOff x="5601314" y="5700049"/>
+            <a:chExt cx="419101" cy="346585"/>
+          </a:xfrm>
+        </p:grpSpPr>
+        <p:sp>
+          <p:nvSpPr>
+            <p:cNvPr id="17" name="Rectangle 16">
+              <a:extLst>
+                <a:ext uri="{FF2B5EF4-FFF2-40B4-BE49-F238E27FC236}">
+                  <a16:creationId xmlns:a16="http://schemas.microsoft.com/office/drawing/2014/main" id="{6E4CA7E7-74B6-F84A-80F3-C0434CE8FDDF}"/>
+                </a:ext>
+              </a:extLst>
+            </p:cNvPr>
+            <p:cNvSpPr/>
+            <p:nvPr/>
+          </p:nvSpPr>
+          <p:spPr>
+            <a:xfrm>
+              <a:off x="5601315" y="5700049"/>
+              <a:ext cx="419100" cy="346585"/>
+            </a:xfrm>
+            <a:prstGeom prst="rect">
+              <a:avLst/>
+            </a:prstGeom>
+            <a:solidFill>
+              <a:schemeClr val="bg1"/>
+            </a:solidFill>
+            <a:ln>
+              <a:noFill/>
+            </a:ln>
+            <a:effectLst/>
+          </p:spPr>
+          <p:style>
+            <a:lnRef idx="1">
+              <a:schemeClr val="accent1"/>
+            </a:lnRef>
+            <a:fillRef idx="3">
+              <a:schemeClr val="accent1"/>
+            </a:fillRef>
+            <a:effectRef idx="2">
+              <a:schemeClr val="accent1"/>
+            </a:effectRef>
+            <a:fontRef idx="minor">
+              <a:schemeClr val="lt1"/>
+            </a:fontRef>
+          </p:style>
+          <p:txBody>
+            <a:bodyPr rtlCol="0" anchor="ctr"/>
+            <a:lstStyle/>
+            <a:p>
+              <a:pPr algn="ctr"/>
+              <a:endParaRPr lang="en-US" dirty="0"/>
+            </a:p>
+          </p:txBody>
+        </p:sp>
+        <p:pic>
+          <p:nvPicPr>
+            <p:cNvPr id="18" name="Picture 17">
+              <a:extLst>
+                <a:ext uri="{FF2B5EF4-FFF2-40B4-BE49-F238E27FC236}">
+                  <a16:creationId xmlns:a16="http://schemas.microsoft.com/office/drawing/2014/main" id="{06FACA18-B063-E349-9CAE-D8E9D5F07BD0}"/>
+                </a:ext>
+              </a:extLst>
+            </p:cNvPr>
+            <p:cNvPicPr>
+              <a:picLocks noChangeAspect="1"/>
+            </p:cNvPicPr>
+            <p:nvPr/>
+          </p:nvPicPr>
+          <p:blipFill>
+            <a:blip r:embed="rId4"/>
+            <a:stretch>
+              <a:fillRect/>
+            </a:stretch>
+          </p:blipFill>
+          <p:spPr>
+            <a:xfrm>
+              <a:off x="5601314" y="5722784"/>
+              <a:ext cx="419100" cy="279400"/>
+            </a:xfrm>
+            <a:prstGeom prst="rect">
+              <a:avLst/>
+            </a:prstGeom>
+          </p:spPr>
+        </p:pic>
+      </p:grpSp>
     </p:spTree>
     <p:extLst>
       <p:ext uri="{BB962C8B-B14F-4D97-AF65-F5344CB8AC3E}">
-        <p14:creationId xmlns:p14="http://schemas.microsoft.com/office/powerpoint/2010/main" val="1775431067"/>
+        <p14:creationId xmlns:p14="http://schemas.microsoft.com/office/powerpoint/2010/main" val="764199757"/>
       </p:ext>
     </p:extLst>
   </p:cSld>
@@ -9250,10 +10158,10 @@
       </p:grpSpPr>
       <p:pic>
         <p:nvPicPr>
-          <p:cNvPr id="1026" name="Picture 2">
+          <p:cNvPr id="19458" name="Picture 2">
             <a:extLst>
               <a:ext uri="{FF2B5EF4-FFF2-40B4-BE49-F238E27FC236}">
-                <a16:creationId xmlns:a16="http://schemas.microsoft.com/office/drawing/2014/main" id="{8A567186-4C66-2847-AE59-C80A16C11516}"/>
+                <a16:creationId xmlns:a16="http://schemas.microsoft.com/office/drawing/2014/main" id="{C30496DD-7B8A-4D44-B513-2E2F50451904}"/>
               </a:ext>
             </a:extLst>
           </p:cNvPr>
@@ -9277,8 +10185,8 @@
         </p:blipFill>
         <p:spPr bwMode="auto">
           <a:xfrm>
-            <a:off x="0" y="1746250"/>
-            <a:ext cx="9144000" cy="3365500"/>
+            <a:off x="182563" y="0"/>
+            <a:ext cx="8777287" cy="6858000"/>
           </a:xfrm>
           <a:prstGeom prst="rect">
             <a:avLst/>
@@ -9298,7 +10206,7 @@
     </p:spTree>
     <p:extLst>
       <p:ext uri="{BB962C8B-B14F-4D97-AF65-F5344CB8AC3E}">
-        <p14:creationId xmlns:p14="http://schemas.microsoft.com/office/powerpoint/2010/main" val="4228702769"/>
+        <p14:creationId xmlns:p14="http://schemas.microsoft.com/office/powerpoint/2010/main" val="1775431067"/>
       </p:ext>
     </p:extLst>
   </p:cSld>
@@ -9389,10 +10297,10 @@
       </p:grpSpPr>
       <p:pic>
         <p:nvPicPr>
-          <p:cNvPr id="3074" name="Picture 2">
+          <p:cNvPr id="1026" name="Picture 2">
             <a:extLst>
               <a:ext uri="{FF2B5EF4-FFF2-40B4-BE49-F238E27FC236}">
-                <a16:creationId xmlns:a16="http://schemas.microsoft.com/office/drawing/2014/main" id="{9BF0B5A2-EA98-E14F-B94A-91E184882487}"/>
+                <a16:creationId xmlns:a16="http://schemas.microsoft.com/office/drawing/2014/main" id="{8A567186-4C66-2847-AE59-C80A16C11516}"/>
               </a:ext>
             </a:extLst>
           </p:cNvPr>
@@ -9434,10 +10342,418 @@
           </a:extLst>
         </p:spPr>
       </p:pic>
+      <p:grpSp>
+        <p:nvGrpSpPr>
+          <p:cNvPr id="3" name="Group 2">
+            <a:extLst>
+              <a:ext uri="{FF2B5EF4-FFF2-40B4-BE49-F238E27FC236}">
+                <a16:creationId xmlns:a16="http://schemas.microsoft.com/office/drawing/2014/main" id="{04ECD777-3474-254F-8C06-09DCBE3838A4}"/>
+              </a:ext>
+            </a:extLst>
+          </p:cNvPr>
+          <p:cNvGrpSpPr/>
+          <p:nvPr/>
+        </p:nvGrpSpPr>
+        <p:grpSpPr>
+          <a:xfrm>
+            <a:off x="2196996" y="4934366"/>
+            <a:ext cx="368196" cy="299057"/>
+            <a:chOff x="3730830" y="5722784"/>
+            <a:chExt cx="431800" cy="323850"/>
+          </a:xfrm>
+        </p:grpSpPr>
+        <p:sp>
+          <p:nvSpPr>
+            <p:cNvPr id="4" name="Rectangle 3">
+              <a:extLst>
+                <a:ext uri="{FF2B5EF4-FFF2-40B4-BE49-F238E27FC236}">
+                  <a16:creationId xmlns:a16="http://schemas.microsoft.com/office/drawing/2014/main" id="{9B82E94C-10FC-204F-8FAE-D200947E4F75}"/>
+                </a:ext>
+              </a:extLst>
+            </p:cNvPr>
+            <p:cNvSpPr/>
+            <p:nvPr/>
+          </p:nvSpPr>
+          <p:spPr>
+            <a:xfrm>
+              <a:off x="3730830" y="5722784"/>
+              <a:ext cx="431800" cy="323850"/>
+            </a:xfrm>
+            <a:prstGeom prst="rect">
+              <a:avLst/>
+            </a:prstGeom>
+            <a:solidFill>
+              <a:schemeClr val="bg1"/>
+            </a:solidFill>
+            <a:ln>
+              <a:noFill/>
+            </a:ln>
+            <a:effectLst/>
+          </p:spPr>
+          <p:style>
+            <a:lnRef idx="1">
+              <a:schemeClr val="accent1"/>
+            </a:lnRef>
+            <a:fillRef idx="3">
+              <a:schemeClr val="accent1"/>
+            </a:fillRef>
+            <a:effectRef idx="2">
+              <a:schemeClr val="accent1"/>
+            </a:effectRef>
+            <a:fontRef idx="minor">
+              <a:schemeClr val="lt1"/>
+            </a:fontRef>
+          </p:style>
+          <p:txBody>
+            <a:bodyPr rtlCol="0" anchor="ctr"/>
+            <a:lstStyle/>
+            <a:p>
+              <a:pPr algn="ctr"/>
+              <a:endParaRPr lang="en-US" dirty="0"/>
+            </a:p>
+          </p:txBody>
+        </p:sp>
+        <p:pic>
+          <p:nvPicPr>
+            <p:cNvPr id="5" name="Picture 4">
+              <a:extLst>
+                <a:ext uri="{FF2B5EF4-FFF2-40B4-BE49-F238E27FC236}">
+                  <a16:creationId xmlns:a16="http://schemas.microsoft.com/office/drawing/2014/main" id="{E56B03C5-0BE1-584C-A48E-347780CF5602}"/>
+                </a:ext>
+              </a:extLst>
+            </p:cNvPr>
+            <p:cNvPicPr>
+              <a:picLocks noChangeAspect="1"/>
+            </p:cNvPicPr>
+            <p:nvPr/>
+          </p:nvPicPr>
+          <p:blipFill>
+            <a:blip r:embed="rId3"/>
+            <a:stretch>
+              <a:fillRect/>
+            </a:stretch>
+          </p:blipFill>
+          <p:spPr>
+            <a:xfrm>
+              <a:off x="3730830" y="5754534"/>
+              <a:ext cx="431800" cy="292100"/>
+            </a:xfrm>
+            <a:prstGeom prst="rect">
+              <a:avLst/>
+            </a:prstGeom>
+          </p:spPr>
+        </p:pic>
+      </p:grpSp>
+      <p:grpSp>
+        <p:nvGrpSpPr>
+          <p:cNvPr id="6" name="Group 5">
+            <a:extLst>
+              <a:ext uri="{FF2B5EF4-FFF2-40B4-BE49-F238E27FC236}">
+                <a16:creationId xmlns:a16="http://schemas.microsoft.com/office/drawing/2014/main" id="{6A706AE9-8E86-EA48-B24D-C7F56419322D}"/>
+              </a:ext>
+            </a:extLst>
+          </p:cNvPr>
+          <p:cNvGrpSpPr/>
+          <p:nvPr/>
+        </p:nvGrpSpPr>
+        <p:grpSpPr>
+          <a:xfrm>
+            <a:off x="4704733" y="3255707"/>
+            <a:ext cx="357368" cy="320051"/>
+            <a:chOff x="5601314" y="5700049"/>
+            <a:chExt cx="419101" cy="346585"/>
+          </a:xfrm>
+        </p:grpSpPr>
+        <p:sp>
+          <p:nvSpPr>
+            <p:cNvPr id="7" name="Rectangle 6">
+              <a:extLst>
+                <a:ext uri="{FF2B5EF4-FFF2-40B4-BE49-F238E27FC236}">
+                  <a16:creationId xmlns:a16="http://schemas.microsoft.com/office/drawing/2014/main" id="{684C8641-2552-3648-A821-F13D94750B79}"/>
+                </a:ext>
+              </a:extLst>
+            </p:cNvPr>
+            <p:cNvSpPr/>
+            <p:nvPr/>
+          </p:nvSpPr>
+          <p:spPr>
+            <a:xfrm>
+              <a:off x="5601315" y="5700049"/>
+              <a:ext cx="419100" cy="346585"/>
+            </a:xfrm>
+            <a:prstGeom prst="rect">
+              <a:avLst/>
+            </a:prstGeom>
+            <a:solidFill>
+              <a:schemeClr val="bg1"/>
+            </a:solidFill>
+            <a:ln>
+              <a:noFill/>
+            </a:ln>
+            <a:effectLst/>
+          </p:spPr>
+          <p:style>
+            <a:lnRef idx="1">
+              <a:schemeClr val="accent1"/>
+            </a:lnRef>
+            <a:fillRef idx="3">
+              <a:schemeClr val="accent1"/>
+            </a:fillRef>
+            <a:effectRef idx="2">
+              <a:schemeClr val="accent1"/>
+            </a:effectRef>
+            <a:fontRef idx="minor">
+              <a:schemeClr val="lt1"/>
+            </a:fontRef>
+          </p:style>
+          <p:txBody>
+            <a:bodyPr rtlCol="0" anchor="ctr"/>
+            <a:lstStyle/>
+            <a:p>
+              <a:pPr algn="ctr"/>
+              <a:endParaRPr lang="en-US" dirty="0"/>
+            </a:p>
+          </p:txBody>
+        </p:sp>
+        <p:pic>
+          <p:nvPicPr>
+            <p:cNvPr id="8" name="Picture 7">
+              <a:extLst>
+                <a:ext uri="{FF2B5EF4-FFF2-40B4-BE49-F238E27FC236}">
+                  <a16:creationId xmlns:a16="http://schemas.microsoft.com/office/drawing/2014/main" id="{D0A3ED8E-2DF8-1246-A7DB-775BAEB3E1C7}"/>
+                </a:ext>
+              </a:extLst>
+            </p:cNvPr>
+            <p:cNvPicPr>
+              <a:picLocks noChangeAspect="1"/>
+            </p:cNvPicPr>
+            <p:nvPr/>
+          </p:nvPicPr>
+          <p:blipFill>
+            <a:blip r:embed="rId4"/>
+            <a:stretch>
+              <a:fillRect/>
+            </a:stretch>
+          </p:blipFill>
+          <p:spPr>
+            <a:xfrm>
+              <a:off x="5601314" y="5722784"/>
+              <a:ext cx="419100" cy="279400"/>
+            </a:xfrm>
+            <a:prstGeom prst="rect">
+              <a:avLst/>
+            </a:prstGeom>
+          </p:spPr>
+        </p:pic>
+      </p:grpSp>
+      <p:grpSp>
+        <p:nvGrpSpPr>
+          <p:cNvPr id="9" name="Group 8">
+            <a:extLst>
+              <a:ext uri="{FF2B5EF4-FFF2-40B4-BE49-F238E27FC236}">
+                <a16:creationId xmlns:a16="http://schemas.microsoft.com/office/drawing/2014/main" id="{7E31539B-F539-6C4F-97E9-4A12A3F40545}"/>
+              </a:ext>
+            </a:extLst>
+          </p:cNvPr>
+          <p:cNvGrpSpPr/>
+          <p:nvPr/>
+        </p:nvGrpSpPr>
+        <p:grpSpPr>
+          <a:xfrm>
+            <a:off x="6947004" y="4936620"/>
+            <a:ext cx="368196" cy="299057"/>
+            <a:chOff x="3730830" y="5722784"/>
+            <a:chExt cx="431800" cy="323850"/>
+          </a:xfrm>
+        </p:grpSpPr>
+        <p:sp>
+          <p:nvSpPr>
+            <p:cNvPr id="10" name="Rectangle 9">
+              <a:extLst>
+                <a:ext uri="{FF2B5EF4-FFF2-40B4-BE49-F238E27FC236}">
+                  <a16:creationId xmlns:a16="http://schemas.microsoft.com/office/drawing/2014/main" id="{0FB9CA1E-2753-9745-AF06-1C15A4C3CD7E}"/>
+                </a:ext>
+              </a:extLst>
+            </p:cNvPr>
+            <p:cNvSpPr/>
+            <p:nvPr/>
+          </p:nvSpPr>
+          <p:spPr>
+            <a:xfrm>
+              <a:off x="3730830" y="5722784"/>
+              <a:ext cx="431800" cy="323850"/>
+            </a:xfrm>
+            <a:prstGeom prst="rect">
+              <a:avLst/>
+            </a:prstGeom>
+            <a:solidFill>
+              <a:schemeClr val="bg1"/>
+            </a:solidFill>
+            <a:ln>
+              <a:noFill/>
+            </a:ln>
+            <a:effectLst/>
+          </p:spPr>
+          <p:style>
+            <a:lnRef idx="1">
+              <a:schemeClr val="accent1"/>
+            </a:lnRef>
+            <a:fillRef idx="3">
+              <a:schemeClr val="accent1"/>
+            </a:fillRef>
+            <a:effectRef idx="2">
+              <a:schemeClr val="accent1"/>
+            </a:effectRef>
+            <a:fontRef idx="minor">
+              <a:schemeClr val="lt1"/>
+            </a:fontRef>
+          </p:style>
+          <p:txBody>
+            <a:bodyPr rtlCol="0" anchor="ctr"/>
+            <a:lstStyle/>
+            <a:p>
+              <a:pPr algn="ctr"/>
+              <a:endParaRPr lang="en-US" dirty="0"/>
+            </a:p>
+          </p:txBody>
+        </p:sp>
+        <p:pic>
+          <p:nvPicPr>
+            <p:cNvPr id="11" name="Picture 10">
+              <a:extLst>
+                <a:ext uri="{FF2B5EF4-FFF2-40B4-BE49-F238E27FC236}">
+                  <a16:creationId xmlns:a16="http://schemas.microsoft.com/office/drawing/2014/main" id="{5C87E0B5-A337-E542-B117-74E3735140CE}"/>
+                </a:ext>
+              </a:extLst>
+            </p:cNvPr>
+            <p:cNvPicPr>
+              <a:picLocks noChangeAspect="1"/>
+            </p:cNvPicPr>
+            <p:nvPr/>
+          </p:nvPicPr>
+          <p:blipFill>
+            <a:blip r:embed="rId3"/>
+            <a:stretch>
+              <a:fillRect/>
+            </a:stretch>
+          </p:blipFill>
+          <p:spPr>
+            <a:xfrm>
+              <a:off x="3730830" y="5754534"/>
+              <a:ext cx="431800" cy="292100"/>
+            </a:xfrm>
+            <a:prstGeom prst="rect">
+              <a:avLst/>
+            </a:prstGeom>
+          </p:spPr>
+        </p:pic>
+      </p:grpSp>
+      <p:grpSp>
+        <p:nvGrpSpPr>
+          <p:cNvPr id="12" name="Group 11">
+            <a:extLst>
+              <a:ext uri="{FF2B5EF4-FFF2-40B4-BE49-F238E27FC236}">
+                <a16:creationId xmlns:a16="http://schemas.microsoft.com/office/drawing/2014/main" id="{C1E440F1-AD4C-314E-A947-2E47CE1137F0}"/>
+              </a:ext>
+            </a:extLst>
+          </p:cNvPr>
+          <p:cNvGrpSpPr/>
+          <p:nvPr/>
+        </p:nvGrpSpPr>
+        <p:grpSpPr>
+          <a:xfrm>
+            <a:off x="29497" y="3248946"/>
+            <a:ext cx="357368" cy="320051"/>
+            <a:chOff x="5601314" y="5700049"/>
+            <a:chExt cx="419101" cy="346585"/>
+          </a:xfrm>
+        </p:grpSpPr>
+        <p:sp>
+          <p:nvSpPr>
+            <p:cNvPr id="13" name="Rectangle 12">
+              <a:extLst>
+                <a:ext uri="{FF2B5EF4-FFF2-40B4-BE49-F238E27FC236}">
+                  <a16:creationId xmlns:a16="http://schemas.microsoft.com/office/drawing/2014/main" id="{4489EBFC-DFA4-1447-A898-F42DE5BCF8CB}"/>
+                </a:ext>
+              </a:extLst>
+            </p:cNvPr>
+            <p:cNvSpPr/>
+            <p:nvPr/>
+          </p:nvSpPr>
+          <p:spPr>
+            <a:xfrm>
+              <a:off x="5601315" y="5700049"/>
+              <a:ext cx="419100" cy="346585"/>
+            </a:xfrm>
+            <a:prstGeom prst="rect">
+              <a:avLst/>
+            </a:prstGeom>
+            <a:solidFill>
+              <a:schemeClr val="bg1"/>
+            </a:solidFill>
+            <a:ln>
+              <a:noFill/>
+            </a:ln>
+            <a:effectLst/>
+          </p:spPr>
+          <p:style>
+            <a:lnRef idx="1">
+              <a:schemeClr val="accent1"/>
+            </a:lnRef>
+            <a:fillRef idx="3">
+              <a:schemeClr val="accent1"/>
+            </a:fillRef>
+            <a:effectRef idx="2">
+              <a:schemeClr val="accent1"/>
+            </a:effectRef>
+            <a:fontRef idx="minor">
+              <a:schemeClr val="lt1"/>
+            </a:fontRef>
+          </p:style>
+          <p:txBody>
+            <a:bodyPr rtlCol="0" anchor="ctr"/>
+            <a:lstStyle/>
+            <a:p>
+              <a:pPr algn="ctr"/>
+              <a:endParaRPr lang="en-US" dirty="0"/>
+            </a:p>
+          </p:txBody>
+        </p:sp>
+        <p:pic>
+          <p:nvPicPr>
+            <p:cNvPr id="14" name="Picture 13">
+              <a:extLst>
+                <a:ext uri="{FF2B5EF4-FFF2-40B4-BE49-F238E27FC236}">
+                  <a16:creationId xmlns:a16="http://schemas.microsoft.com/office/drawing/2014/main" id="{63221ED3-7145-6B40-8DB6-2FA8A5735943}"/>
+                </a:ext>
+              </a:extLst>
+            </p:cNvPr>
+            <p:cNvPicPr>
+              <a:picLocks noChangeAspect="1"/>
+            </p:cNvPicPr>
+            <p:nvPr/>
+          </p:nvPicPr>
+          <p:blipFill>
+            <a:blip r:embed="rId4"/>
+            <a:stretch>
+              <a:fillRect/>
+            </a:stretch>
+          </p:blipFill>
+          <p:spPr>
+            <a:xfrm>
+              <a:off x="5601314" y="5722784"/>
+              <a:ext cx="419100" cy="279400"/>
+            </a:xfrm>
+            <a:prstGeom prst="rect">
+              <a:avLst/>
+            </a:prstGeom>
+          </p:spPr>
+        </p:pic>
+      </p:grpSp>
     </p:spTree>
     <p:extLst>
       <p:ext uri="{BB962C8B-B14F-4D97-AF65-F5344CB8AC3E}">
-        <p14:creationId xmlns:p14="http://schemas.microsoft.com/office/powerpoint/2010/main" val="639156901"/>
+        <p14:creationId xmlns:p14="http://schemas.microsoft.com/office/powerpoint/2010/main" val="4228702769"/>
       </p:ext>
     </p:extLst>
   </p:cSld>
@@ -9466,10 +10782,10 @@
       </p:grpSpPr>
       <p:pic>
         <p:nvPicPr>
-          <p:cNvPr id="17410" name="Picture 2">
+          <p:cNvPr id="3074" name="Picture 2">
             <a:extLst>
               <a:ext uri="{FF2B5EF4-FFF2-40B4-BE49-F238E27FC236}">
-                <a16:creationId xmlns:a16="http://schemas.microsoft.com/office/drawing/2014/main" id="{F634E969-303B-294B-A559-2FB0E89501D8}"/>
+                <a16:creationId xmlns:a16="http://schemas.microsoft.com/office/drawing/2014/main" id="{9BF0B5A2-EA98-E14F-B94A-91E184882487}"/>
               </a:ext>
             </a:extLst>
           </p:cNvPr>
@@ -9493,8 +10809,8 @@
         </p:blipFill>
         <p:spPr bwMode="auto">
           <a:xfrm>
-            <a:off x="182563" y="0"/>
-            <a:ext cx="8777287" cy="6858000"/>
+            <a:off x="0" y="1746250"/>
+            <a:ext cx="9144000" cy="3365500"/>
           </a:xfrm>
           <a:prstGeom prst="rect">
             <a:avLst/>
@@ -9511,10 +10827,418 @@
           </a:extLst>
         </p:spPr>
       </p:pic>
+      <p:grpSp>
+        <p:nvGrpSpPr>
+          <p:cNvPr id="4" name="Group 3">
+            <a:extLst>
+              <a:ext uri="{FF2B5EF4-FFF2-40B4-BE49-F238E27FC236}">
+                <a16:creationId xmlns:a16="http://schemas.microsoft.com/office/drawing/2014/main" id="{B48CE7B4-7A10-F84F-8910-1525930A5F25}"/>
+              </a:ext>
+            </a:extLst>
+          </p:cNvPr>
+          <p:cNvGrpSpPr/>
+          <p:nvPr/>
+        </p:nvGrpSpPr>
+        <p:grpSpPr>
+          <a:xfrm>
+            <a:off x="2196996" y="4934366"/>
+            <a:ext cx="368196" cy="299057"/>
+            <a:chOff x="3730830" y="5722784"/>
+            <a:chExt cx="431800" cy="323850"/>
+          </a:xfrm>
+        </p:grpSpPr>
+        <p:sp>
+          <p:nvSpPr>
+            <p:cNvPr id="5" name="Rectangle 4">
+              <a:extLst>
+                <a:ext uri="{FF2B5EF4-FFF2-40B4-BE49-F238E27FC236}">
+                  <a16:creationId xmlns:a16="http://schemas.microsoft.com/office/drawing/2014/main" id="{61CFD215-46CE-FE40-90CF-55D2F7ABCBAC}"/>
+                </a:ext>
+              </a:extLst>
+            </p:cNvPr>
+            <p:cNvSpPr/>
+            <p:nvPr/>
+          </p:nvSpPr>
+          <p:spPr>
+            <a:xfrm>
+              <a:off x="3730830" y="5722784"/>
+              <a:ext cx="431800" cy="323850"/>
+            </a:xfrm>
+            <a:prstGeom prst="rect">
+              <a:avLst/>
+            </a:prstGeom>
+            <a:solidFill>
+              <a:schemeClr val="bg1"/>
+            </a:solidFill>
+            <a:ln>
+              <a:noFill/>
+            </a:ln>
+            <a:effectLst/>
+          </p:spPr>
+          <p:style>
+            <a:lnRef idx="1">
+              <a:schemeClr val="accent1"/>
+            </a:lnRef>
+            <a:fillRef idx="3">
+              <a:schemeClr val="accent1"/>
+            </a:fillRef>
+            <a:effectRef idx="2">
+              <a:schemeClr val="accent1"/>
+            </a:effectRef>
+            <a:fontRef idx="minor">
+              <a:schemeClr val="lt1"/>
+            </a:fontRef>
+          </p:style>
+          <p:txBody>
+            <a:bodyPr rtlCol="0" anchor="ctr"/>
+            <a:lstStyle/>
+            <a:p>
+              <a:pPr algn="ctr"/>
+              <a:endParaRPr lang="en-US" dirty="0"/>
+            </a:p>
+          </p:txBody>
+        </p:sp>
+        <p:pic>
+          <p:nvPicPr>
+            <p:cNvPr id="6" name="Picture 5">
+              <a:extLst>
+                <a:ext uri="{FF2B5EF4-FFF2-40B4-BE49-F238E27FC236}">
+                  <a16:creationId xmlns:a16="http://schemas.microsoft.com/office/drawing/2014/main" id="{AF228427-ECF4-0F41-855D-93ACD66F88C3}"/>
+                </a:ext>
+              </a:extLst>
+            </p:cNvPr>
+            <p:cNvPicPr>
+              <a:picLocks noChangeAspect="1"/>
+            </p:cNvPicPr>
+            <p:nvPr/>
+          </p:nvPicPr>
+          <p:blipFill>
+            <a:blip r:embed="rId3"/>
+            <a:stretch>
+              <a:fillRect/>
+            </a:stretch>
+          </p:blipFill>
+          <p:spPr>
+            <a:xfrm>
+              <a:off x="3730830" y="5754534"/>
+              <a:ext cx="431800" cy="292100"/>
+            </a:xfrm>
+            <a:prstGeom prst="rect">
+              <a:avLst/>
+            </a:prstGeom>
+          </p:spPr>
+        </p:pic>
+      </p:grpSp>
+      <p:grpSp>
+        <p:nvGrpSpPr>
+          <p:cNvPr id="7" name="Group 6">
+            <a:extLst>
+              <a:ext uri="{FF2B5EF4-FFF2-40B4-BE49-F238E27FC236}">
+                <a16:creationId xmlns:a16="http://schemas.microsoft.com/office/drawing/2014/main" id="{A0BC3F7F-4192-1B4A-AC76-3FD1B1491D36}"/>
+              </a:ext>
+            </a:extLst>
+          </p:cNvPr>
+          <p:cNvGrpSpPr/>
+          <p:nvPr/>
+        </p:nvGrpSpPr>
+        <p:grpSpPr>
+          <a:xfrm>
+            <a:off x="4704733" y="3255707"/>
+            <a:ext cx="357368" cy="320051"/>
+            <a:chOff x="5601314" y="5700049"/>
+            <a:chExt cx="419101" cy="346585"/>
+          </a:xfrm>
+        </p:grpSpPr>
+        <p:sp>
+          <p:nvSpPr>
+            <p:cNvPr id="8" name="Rectangle 7">
+              <a:extLst>
+                <a:ext uri="{FF2B5EF4-FFF2-40B4-BE49-F238E27FC236}">
+                  <a16:creationId xmlns:a16="http://schemas.microsoft.com/office/drawing/2014/main" id="{92603158-588F-D744-A6AB-DF489A9234E7}"/>
+                </a:ext>
+              </a:extLst>
+            </p:cNvPr>
+            <p:cNvSpPr/>
+            <p:nvPr/>
+          </p:nvSpPr>
+          <p:spPr>
+            <a:xfrm>
+              <a:off x="5601315" y="5700049"/>
+              <a:ext cx="419100" cy="346585"/>
+            </a:xfrm>
+            <a:prstGeom prst="rect">
+              <a:avLst/>
+            </a:prstGeom>
+            <a:solidFill>
+              <a:schemeClr val="bg1"/>
+            </a:solidFill>
+            <a:ln>
+              <a:noFill/>
+            </a:ln>
+            <a:effectLst/>
+          </p:spPr>
+          <p:style>
+            <a:lnRef idx="1">
+              <a:schemeClr val="accent1"/>
+            </a:lnRef>
+            <a:fillRef idx="3">
+              <a:schemeClr val="accent1"/>
+            </a:fillRef>
+            <a:effectRef idx="2">
+              <a:schemeClr val="accent1"/>
+            </a:effectRef>
+            <a:fontRef idx="minor">
+              <a:schemeClr val="lt1"/>
+            </a:fontRef>
+          </p:style>
+          <p:txBody>
+            <a:bodyPr rtlCol="0" anchor="ctr"/>
+            <a:lstStyle/>
+            <a:p>
+              <a:pPr algn="ctr"/>
+              <a:endParaRPr lang="en-US" dirty="0"/>
+            </a:p>
+          </p:txBody>
+        </p:sp>
+        <p:pic>
+          <p:nvPicPr>
+            <p:cNvPr id="9" name="Picture 8">
+              <a:extLst>
+                <a:ext uri="{FF2B5EF4-FFF2-40B4-BE49-F238E27FC236}">
+                  <a16:creationId xmlns:a16="http://schemas.microsoft.com/office/drawing/2014/main" id="{635551F2-0F87-074D-88A7-98F205654EA4}"/>
+                </a:ext>
+              </a:extLst>
+            </p:cNvPr>
+            <p:cNvPicPr>
+              <a:picLocks noChangeAspect="1"/>
+            </p:cNvPicPr>
+            <p:nvPr/>
+          </p:nvPicPr>
+          <p:blipFill>
+            <a:blip r:embed="rId4"/>
+            <a:stretch>
+              <a:fillRect/>
+            </a:stretch>
+          </p:blipFill>
+          <p:spPr>
+            <a:xfrm>
+              <a:off x="5601314" y="5722784"/>
+              <a:ext cx="419100" cy="279400"/>
+            </a:xfrm>
+            <a:prstGeom prst="rect">
+              <a:avLst/>
+            </a:prstGeom>
+          </p:spPr>
+        </p:pic>
+      </p:grpSp>
+      <p:grpSp>
+        <p:nvGrpSpPr>
+          <p:cNvPr id="10" name="Group 9">
+            <a:extLst>
+              <a:ext uri="{FF2B5EF4-FFF2-40B4-BE49-F238E27FC236}">
+                <a16:creationId xmlns:a16="http://schemas.microsoft.com/office/drawing/2014/main" id="{5C68C1B7-38DE-AC44-AD25-BC8A012FDF8C}"/>
+              </a:ext>
+            </a:extLst>
+          </p:cNvPr>
+          <p:cNvGrpSpPr/>
+          <p:nvPr/>
+        </p:nvGrpSpPr>
+        <p:grpSpPr>
+          <a:xfrm>
+            <a:off x="6947004" y="4936620"/>
+            <a:ext cx="368196" cy="299057"/>
+            <a:chOff x="3730830" y="5722784"/>
+            <a:chExt cx="431800" cy="323850"/>
+          </a:xfrm>
+        </p:grpSpPr>
+        <p:sp>
+          <p:nvSpPr>
+            <p:cNvPr id="11" name="Rectangle 10">
+              <a:extLst>
+                <a:ext uri="{FF2B5EF4-FFF2-40B4-BE49-F238E27FC236}">
+                  <a16:creationId xmlns:a16="http://schemas.microsoft.com/office/drawing/2014/main" id="{97EDA551-8227-C14C-B163-3029F9596370}"/>
+                </a:ext>
+              </a:extLst>
+            </p:cNvPr>
+            <p:cNvSpPr/>
+            <p:nvPr/>
+          </p:nvSpPr>
+          <p:spPr>
+            <a:xfrm>
+              <a:off x="3730830" y="5722784"/>
+              <a:ext cx="431800" cy="323850"/>
+            </a:xfrm>
+            <a:prstGeom prst="rect">
+              <a:avLst/>
+            </a:prstGeom>
+            <a:solidFill>
+              <a:schemeClr val="bg1"/>
+            </a:solidFill>
+            <a:ln>
+              <a:noFill/>
+            </a:ln>
+            <a:effectLst/>
+          </p:spPr>
+          <p:style>
+            <a:lnRef idx="1">
+              <a:schemeClr val="accent1"/>
+            </a:lnRef>
+            <a:fillRef idx="3">
+              <a:schemeClr val="accent1"/>
+            </a:fillRef>
+            <a:effectRef idx="2">
+              <a:schemeClr val="accent1"/>
+            </a:effectRef>
+            <a:fontRef idx="minor">
+              <a:schemeClr val="lt1"/>
+            </a:fontRef>
+          </p:style>
+          <p:txBody>
+            <a:bodyPr rtlCol="0" anchor="ctr"/>
+            <a:lstStyle/>
+            <a:p>
+              <a:pPr algn="ctr"/>
+              <a:endParaRPr lang="en-US" dirty="0"/>
+            </a:p>
+          </p:txBody>
+        </p:sp>
+        <p:pic>
+          <p:nvPicPr>
+            <p:cNvPr id="12" name="Picture 11">
+              <a:extLst>
+                <a:ext uri="{FF2B5EF4-FFF2-40B4-BE49-F238E27FC236}">
+                  <a16:creationId xmlns:a16="http://schemas.microsoft.com/office/drawing/2014/main" id="{3FEF2FC6-C3A6-2441-8BCF-861FE17AEDEB}"/>
+                </a:ext>
+              </a:extLst>
+            </p:cNvPr>
+            <p:cNvPicPr>
+              <a:picLocks noChangeAspect="1"/>
+            </p:cNvPicPr>
+            <p:nvPr/>
+          </p:nvPicPr>
+          <p:blipFill>
+            <a:blip r:embed="rId3"/>
+            <a:stretch>
+              <a:fillRect/>
+            </a:stretch>
+          </p:blipFill>
+          <p:spPr>
+            <a:xfrm>
+              <a:off x="3730830" y="5754534"/>
+              <a:ext cx="431800" cy="292100"/>
+            </a:xfrm>
+            <a:prstGeom prst="rect">
+              <a:avLst/>
+            </a:prstGeom>
+          </p:spPr>
+        </p:pic>
+      </p:grpSp>
+      <p:grpSp>
+        <p:nvGrpSpPr>
+          <p:cNvPr id="13" name="Group 12">
+            <a:extLst>
+              <a:ext uri="{FF2B5EF4-FFF2-40B4-BE49-F238E27FC236}">
+                <a16:creationId xmlns:a16="http://schemas.microsoft.com/office/drawing/2014/main" id="{DE30F60D-E297-4D4D-B873-BE7D1CAC8115}"/>
+              </a:ext>
+            </a:extLst>
+          </p:cNvPr>
+          <p:cNvGrpSpPr/>
+          <p:nvPr/>
+        </p:nvGrpSpPr>
+        <p:grpSpPr>
+          <a:xfrm>
+            <a:off x="29497" y="3248946"/>
+            <a:ext cx="357368" cy="320051"/>
+            <a:chOff x="5601314" y="5700049"/>
+            <a:chExt cx="419101" cy="346585"/>
+          </a:xfrm>
+        </p:grpSpPr>
+        <p:sp>
+          <p:nvSpPr>
+            <p:cNvPr id="14" name="Rectangle 13">
+              <a:extLst>
+                <a:ext uri="{FF2B5EF4-FFF2-40B4-BE49-F238E27FC236}">
+                  <a16:creationId xmlns:a16="http://schemas.microsoft.com/office/drawing/2014/main" id="{5BEE3432-3E3E-5148-BDA2-D3940987ED4C}"/>
+                </a:ext>
+              </a:extLst>
+            </p:cNvPr>
+            <p:cNvSpPr/>
+            <p:nvPr/>
+          </p:nvSpPr>
+          <p:spPr>
+            <a:xfrm>
+              <a:off x="5601315" y="5700049"/>
+              <a:ext cx="419100" cy="346585"/>
+            </a:xfrm>
+            <a:prstGeom prst="rect">
+              <a:avLst/>
+            </a:prstGeom>
+            <a:solidFill>
+              <a:schemeClr val="bg1"/>
+            </a:solidFill>
+            <a:ln>
+              <a:noFill/>
+            </a:ln>
+            <a:effectLst/>
+          </p:spPr>
+          <p:style>
+            <a:lnRef idx="1">
+              <a:schemeClr val="accent1"/>
+            </a:lnRef>
+            <a:fillRef idx="3">
+              <a:schemeClr val="accent1"/>
+            </a:fillRef>
+            <a:effectRef idx="2">
+              <a:schemeClr val="accent1"/>
+            </a:effectRef>
+            <a:fontRef idx="minor">
+              <a:schemeClr val="lt1"/>
+            </a:fontRef>
+          </p:style>
+          <p:txBody>
+            <a:bodyPr rtlCol="0" anchor="ctr"/>
+            <a:lstStyle/>
+            <a:p>
+              <a:pPr algn="ctr"/>
+              <a:endParaRPr lang="en-US" dirty="0"/>
+            </a:p>
+          </p:txBody>
+        </p:sp>
+        <p:pic>
+          <p:nvPicPr>
+            <p:cNvPr id="15" name="Picture 14">
+              <a:extLst>
+                <a:ext uri="{FF2B5EF4-FFF2-40B4-BE49-F238E27FC236}">
+                  <a16:creationId xmlns:a16="http://schemas.microsoft.com/office/drawing/2014/main" id="{BBD96AB4-41B8-A947-AFF1-7BBB6EE99413}"/>
+                </a:ext>
+              </a:extLst>
+            </p:cNvPr>
+            <p:cNvPicPr>
+              <a:picLocks noChangeAspect="1"/>
+            </p:cNvPicPr>
+            <p:nvPr/>
+          </p:nvPicPr>
+          <p:blipFill>
+            <a:blip r:embed="rId4"/>
+            <a:stretch>
+              <a:fillRect/>
+            </a:stretch>
+          </p:blipFill>
+          <p:spPr>
+            <a:xfrm>
+              <a:off x="5601314" y="5722784"/>
+              <a:ext cx="419100" cy="279400"/>
+            </a:xfrm>
+            <a:prstGeom prst="rect">
+              <a:avLst/>
+            </a:prstGeom>
+          </p:spPr>
+        </p:pic>
+      </p:grpSp>
     </p:spTree>
     <p:extLst>
       <p:ext uri="{BB962C8B-B14F-4D97-AF65-F5344CB8AC3E}">
-        <p14:creationId xmlns:p14="http://schemas.microsoft.com/office/powerpoint/2010/main" val="1840519917"/>
+        <p14:creationId xmlns:p14="http://schemas.microsoft.com/office/powerpoint/2010/main" val="639156901"/>
       </p:ext>
     </p:extLst>
   </p:cSld>
@@ -9543,10 +11267,10 @@
       </p:grpSpPr>
       <p:pic>
         <p:nvPicPr>
-          <p:cNvPr id="3074" name="Picture 2">
+          <p:cNvPr id="17410" name="Picture 2">
             <a:extLst>
               <a:ext uri="{FF2B5EF4-FFF2-40B4-BE49-F238E27FC236}">
-                <a16:creationId xmlns:a16="http://schemas.microsoft.com/office/drawing/2014/main" id="{9BF0B5A2-EA98-E14F-B94A-91E184882487}"/>
+                <a16:creationId xmlns:a16="http://schemas.microsoft.com/office/drawing/2014/main" id="{F634E969-303B-294B-A559-2FB0E89501D8}"/>
               </a:ext>
             </a:extLst>
           </p:cNvPr>
@@ -9570,8 +11294,8 @@
         </p:blipFill>
         <p:spPr bwMode="auto">
           <a:xfrm>
-            <a:off x="0" y="1746250"/>
-            <a:ext cx="9144000" cy="3365500"/>
+            <a:off x="182563" y="0"/>
+            <a:ext cx="8777287" cy="6858000"/>
           </a:xfrm>
           <a:prstGeom prst="rect">
             <a:avLst/>
@@ -9591,7 +11315,7 @@
     </p:spTree>
     <p:extLst>
       <p:ext uri="{BB962C8B-B14F-4D97-AF65-F5344CB8AC3E}">
-        <p14:creationId xmlns:p14="http://schemas.microsoft.com/office/powerpoint/2010/main" val="485886672"/>
+        <p14:creationId xmlns:p14="http://schemas.microsoft.com/office/powerpoint/2010/main" val="1840519917"/>
       </p:ext>
     </p:extLst>
   </p:cSld>
@@ -9620,10 +11344,10 @@
       </p:grpSpPr>
       <p:pic>
         <p:nvPicPr>
-          <p:cNvPr id="5122" name="Picture 2">
+          <p:cNvPr id="3074" name="Picture 2">
             <a:extLst>
               <a:ext uri="{FF2B5EF4-FFF2-40B4-BE49-F238E27FC236}">
-                <a16:creationId xmlns:a16="http://schemas.microsoft.com/office/drawing/2014/main" id="{34C2A961-6791-A34C-827F-F04332E80156}"/>
+                <a16:creationId xmlns:a16="http://schemas.microsoft.com/office/drawing/2014/main" id="{9BF0B5A2-EA98-E14F-B94A-91E184882487}"/>
               </a:ext>
             </a:extLst>
           </p:cNvPr>
@@ -9665,10 +11389,418 @@
           </a:extLst>
         </p:spPr>
       </p:pic>
+      <p:grpSp>
+        <p:nvGrpSpPr>
+          <p:cNvPr id="3" name="Group 2">
+            <a:extLst>
+              <a:ext uri="{FF2B5EF4-FFF2-40B4-BE49-F238E27FC236}">
+                <a16:creationId xmlns:a16="http://schemas.microsoft.com/office/drawing/2014/main" id="{34F6A249-487F-D840-A0F1-7880C893E6F9}"/>
+              </a:ext>
+            </a:extLst>
+          </p:cNvPr>
+          <p:cNvGrpSpPr/>
+          <p:nvPr/>
+        </p:nvGrpSpPr>
+        <p:grpSpPr>
+          <a:xfrm>
+            <a:off x="2196996" y="4934366"/>
+            <a:ext cx="368196" cy="299057"/>
+            <a:chOff x="3730830" y="5722784"/>
+            <a:chExt cx="431800" cy="323850"/>
+          </a:xfrm>
+        </p:grpSpPr>
+        <p:sp>
+          <p:nvSpPr>
+            <p:cNvPr id="4" name="Rectangle 3">
+              <a:extLst>
+                <a:ext uri="{FF2B5EF4-FFF2-40B4-BE49-F238E27FC236}">
+                  <a16:creationId xmlns:a16="http://schemas.microsoft.com/office/drawing/2014/main" id="{C8223737-F0F1-8F4A-B096-1D1B65F0EBC2}"/>
+                </a:ext>
+              </a:extLst>
+            </p:cNvPr>
+            <p:cNvSpPr/>
+            <p:nvPr/>
+          </p:nvSpPr>
+          <p:spPr>
+            <a:xfrm>
+              <a:off x="3730830" y="5722784"/>
+              <a:ext cx="431800" cy="323850"/>
+            </a:xfrm>
+            <a:prstGeom prst="rect">
+              <a:avLst/>
+            </a:prstGeom>
+            <a:solidFill>
+              <a:schemeClr val="bg1"/>
+            </a:solidFill>
+            <a:ln>
+              <a:noFill/>
+            </a:ln>
+            <a:effectLst/>
+          </p:spPr>
+          <p:style>
+            <a:lnRef idx="1">
+              <a:schemeClr val="accent1"/>
+            </a:lnRef>
+            <a:fillRef idx="3">
+              <a:schemeClr val="accent1"/>
+            </a:fillRef>
+            <a:effectRef idx="2">
+              <a:schemeClr val="accent1"/>
+            </a:effectRef>
+            <a:fontRef idx="minor">
+              <a:schemeClr val="lt1"/>
+            </a:fontRef>
+          </p:style>
+          <p:txBody>
+            <a:bodyPr rtlCol="0" anchor="ctr"/>
+            <a:lstStyle/>
+            <a:p>
+              <a:pPr algn="ctr"/>
+              <a:endParaRPr lang="en-US" dirty="0"/>
+            </a:p>
+          </p:txBody>
+        </p:sp>
+        <p:pic>
+          <p:nvPicPr>
+            <p:cNvPr id="5" name="Picture 4">
+              <a:extLst>
+                <a:ext uri="{FF2B5EF4-FFF2-40B4-BE49-F238E27FC236}">
+                  <a16:creationId xmlns:a16="http://schemas.microsoft.com/office/drawing/2014/main" id="{01E1E100-3FF9-584B-AFB1-461D5D55FD48}"/>
+                </a:ext>
+              </a:extLst>
+            </p:cNvPr>
+            <p:cNvPicPr>
+              <a:picLocks noChangeAspect="1"/>
+            </p:cNvPicPr>
+            <p:nvPr/>
+          </p:nvPicPr>
+          <p:blipFill>
+            <a:blip r:embed="rId3"/>
+            <a:stretch>
+              <a:fillRect/>
+            </a:stretch>
+          </p:blipFill>
+          <p:spPr>
+            <a:xfrm>
+              <a:off x="3730830" y="5754534"/>
+              <a:ext cx="431800" cy="292100"/>
+            </a:xfrm>
+            <a:prstGeom prst="rect">
+              <a:avLst/>
+            </a:prstGeom>
+          </p:spPr>
+        </p:pic>
+      </p:grpSp>
+      <p:grpSp>
+        <p:nvGrpSpPr>
+          <p:cNvPr id="6" name="Group 5">
+            <a:extLst>
+              <a:ext uri="{FF2B5EF4-FFF2-40B4-BE49-F238E27FC236}">
+                <a16:creationId xmlns:a16="http://schemas.microsoft.com/office/drawing/2014/main" id="{91F0136A-E7DE-4946-AA50-7B5A3BC02D71}"/>
+              </a:ext>
+            </a:extLst>
+          </p:cNvPr>
+          <p:cNvGrpSpPr/>
+          <p:nvPr/>
+        </p:nvGrpSpPr>
+        <p:grpSpPr>
+          <a:xfrm>
+            <a:off x="4704733" y="3255707"/>
+            <a:ext cx="357368" cy="320051"/>
+            <a:chOff x="5601314" y="5700049"/>
+            <a:chExt cx="419101" cy="346585"/>
+          </a:xfrm>
+        </p:grpSpPr>
+        <p:sp>
+          <p:nvSpPr>
+            <p:cNvPr id="7" name="Rectangle 6">
+              <a:extLst>
+                <a:ext uri="{FF2B5EF4-FFF2-40B4-BE49-F238E27FC236}">
+                  <a16:creationId xmlns:a16="http://schemas.microsoft.com/office/drawing/2014/main" id="{85C18703-6132-EC45-933A-E80F8EE3DEAA}"/>
+                </a:ext>
+              </a:extLst>
+            </p:cNvPr>
+            <p:cNvSpPr/>
+            <p:nvPr/>
+          </p:nvSpPr>
+          <p:spPr>
+            <a:xfrm>
+              <a:off x="5601315" y="5700049"/>
+              <a:ext cx="419100" cy="346585"/>
+            </a:xfrm>
+            <a:prstGeom prst="rect">
+              <a:avLst/>
+            </a:prstGeom>
+            <a:solidFill>
+              <a:schemeClr val="bg1"/>
+            </a:solidFill>
+            <a:ln>
+              <a:noFill/>
+            </a:ln>
+            <a:effectLst/>
+          </p:spPr>
+          <p:style>
+            <a:lnRef idx="1">
+              <a:schemeClr val="accent1"/>
+            </a:lnRef>
+            <a:fillRef idx="3">
+              <a:schemeClr val="accent1"/>
+            </a:fillRef>
+            <a:effectRef idx="2">
+              <a:schemeClr val="accent1"/>
+            </a:effectRef>
+            <a:fontRef idx="minor">
+              <a:schemeClr val="lt1"/>
+            </a:fontRef>
+          </p:style>
+          <p:txBody>
+            <a:bodyPr rtlCol="0" anchor="ctr"/>
+            <a:lstStyle/>
+            <a:p>
+              <a:pPr algn="ctr"/>
+              <a:endParaRPr lang="en-US" dirty="0"/>
+            </a:p>
+          </p:txBody>
+        </p:sp>
+        <p:pic>
+          <p:nvPicPr>
+            <p:cNvPr id="8" name="Picture 7">
+              <a:extLst>
+                <a:ext uri="{FF2B5EF4-FFF2-40B4-BE49-F238E27FC236}">
+                  <a16:creationId xmlns:a16="http://schemas.microsoft.com/office/drawing/2014/main" id="{9414C8B3-1E5F-CC4E-844E-B91BE4D58A35}"/>
+                </a:ext>
+              </a:extLst>
+            </p:cNvPr>
+            <p:cNvPicPr>
+              <a:picLocks noChangeAspect="1"/>
+            </p:cNvPicPr>
+            <p:nvPr/>
+          </p:nvPicPr>
+          <p:blipFill>
+            <a:blip r:embed="rId4"/>
+            <a:stretch>
+              <a:fillRect/>
+            </a:stretch>
+          </p:blipFill>
+          <p:spPr>
+            <a:xfrm>
+              <a:off x="5601314" y="5722784"/>
+              <a:ext cx="419100" cy="279400"/>
+            </a:xfrm>
+            <a:prstGeom prst="rect">
+              <a:avLst/>
+            </a:prstGeom>
+          </p:spPr>
+        </p:pic>
+      </p:grpSp>
+      <p:grpSp>
+        <p:nvGrpSpPr>
+          <p:cNvPr id="9" name="Group 8">
+            <a:extLst>
+              <a:ext uri="{FF2B5EF4-FFF2-40B4-BE49-F238E27FC236}">
+                <a16:creationId xmlns:a16="http://schemas.microsoft.com/office/drawing/2014/main" id="{724A7B65-1CED-5F46-A73E-2DDBA4067EA0}"/>
+              </a:ext>
+            </a:extLst>
+          </p:cNvPr>
+          <p:cNvGrpSpPr/>
+          <p:nvPr/>
+        </p:nvGrpSpPr>
+        <p:grpSpPr>
+          <a:xfrm>
+            <a:off x="6947004" y="4936620"/>
+            <a:ext cx="368196" cy="299057"/>
+            <a:chOff x="3730830" y="5722784"/>
+            <a:chExt cx="431800" cy="323850"/>
+          </a:xfrm>
+        </p:grpSpPr>
+        <p:sp>
+          <p:nvSpPr>
+            <p:cNvPr id="10" name="Rectangle 9">
+              <a:extLst>
+                <a:ext uri="{FF2B5EF4-FFF2-40B4-BE49-F238E27FC236}">
+                  <a16:creationId xmlns:a16="http://schemas.microsoft.com/office/drawing/2014/main" id="{CD36F5E0-BF32-C647-A322-689C22930F43}"/>
+                </a:ext>
+              </a:extLst>
+            </p:cNvPr>
+            <p:cNvSpPr/>
+            <p:nvPr/>
+          </p:nvSpPr>
+          <p:spPr>
+            <a:xfrm>
+              <a:off x="3730830" y="5722784"/>
+              <a:ext cx="431800" cy="323850"/>
+            </a:xfrm>
+            <a:prstGeom prst="rect">
+              <a:avLst/>
+            </a:prstGeom>
+            <a:solidFill>
+              <a:schemeClr val="bg1"/>
+            </a:solidFill>
+            <a:ln>
+              <a:noFill/>
+            </a:ln>
+            <a:effectLst/>
+          </p:spPr>
+          <p:style>
+            <a:lnRef idx="1">
+              <a:schemeClr val="accent1"/>
+            </a:lnRef>
+            <a:fillRef idx="3">
+              <a:schemeClr val="accent1"/>
+            </a:fillRef>
+            <a:effectRef idx="2">
+              <a:schemeClr val="accent1"/>
+            </a:effectRef>
+            <a:fontRef idx="minor">
+              <a:schemeClr val="lt1"/>
+            </a:fontRef>
+          </p:style>
+          <p:txBody>
+            <a:bodyPr rtlCol="0" anchor="ctr"/>
+            <a:lstStyle/>
+            <a:p>
+              <a:pPr algn="ctr"/>
+              <a:endParaRPr lang="en-US" dirty="0"/>
+            </a:p>
+          </p:txBody>
+        </p:sp>
+        <p:pic>
+          <p:nvPicPr>
+            <p:cNvPr id="11" name="Picture 10">
+              <a:extLst>
+                <a:ext uri="{FF2B5EF4-FFF2-40B4-BE49-F238E27FC236}">
+                  <a16:creationId xmlns:a16="http://schemas.microsoft.com/office/drawing/2014/main" id="{0CF602F8-6490-9D41-879A-CBBB7EEBA018}"/>
+                </a:ext>
+              </a:extLst>
+            </p:cNvPr>
+            <p:cNvPicPr>
+              <a:picLocks noChangeAspect="1"/>
+            </p:cNvPicPr>
+            <p:nvPr/>
+          </p:nvPicPr>
+          <p:blipFill>
+            <a:blip r:embed="rId3"/>
+            <a:stretch>
+              <a:fillRect/>
+            </a:stretch>
+          </p:blipFill>
+          <p:spPr>
+            <a:xfrm>
+              <a:off x="3730830" y="5754534"/>
+              <a:ext cx="431800" cy="292100"/>
+            </a:xfrm>
+            <a:prstGeom prst="rect">
+              <a:avLst/>
+            </a:prstGeom>
+          </p:spPr>
+        </p:pic>
+      </p:grpSp>
+      <p:grpSp>
+        <p:nvGrpSpPr>
+          <p:cNvPr id="12" name="Group 11">
+            <a:extLst>
+              <a:ext uri="{FF2B5EF4-FFF2-40B4-BE49-F238E27FC236}">
+                <a16:creationId xmlns:a16="http://schemas.microsoft.com/office/drawing/2014/main" id="{AB2798C4-BADC-AA47-9313-C007983ED97E}"/>
+              </a:ext>
+            </a:extLst>
+          </p:cNvPr>
+          <p:cNvGrpSpPr/>
+          <p:nvPr/>
+        </p:nvGrpSpPr>
+        <p:grpSpPr>
+          <a:xfrm>
+            <a:off x="29497" y="3248946"/>
+            <a:ext cx="357368" cy="320051"/>
+            <a:chOff x="5601314" y="5700049"/>
+            <a:chExt cx="419101" cy="346585"/>
+          </a:xfrm>
+        </p:grpSpPr>
+        <p:sp>
+          <p:nvSpPr>
+            <p:cNvPr id="13" name="Rectangle 12">
+              <a:extLst>
+                <a:ext uri="{FF2B5EF4-FFF2-40B4-BE49-F238E27FC236}">
+                  <a16:creationId xmlns:a16="http://schemas.microsoft.com/office/drawing/2014/main" id="{4F05A454-7559-B143-97DA-DC0B9A3721C3}"/>
+                </a:ext>
+              </a:extLst>
+            </p:cNvPr>
+            <p:cNvSpPr/>
+            <p:nvPr/>
+          </p:nvSpPr>
+          <p:spPr>
+            <a:xfrm>
+              <a:off x="5601315" y="5700049"/>
+              <a:ext cx="419100" cy="346585"/>
+            </a:xfrm>
+            <a:prstGeom prst="rect">
+              <a:avLst/>
+            </a:prstGeom>
+            <a:solidFill>
+              <a:schemeClr val="bg1"/>
+            </a:solidFill>
+            <a:ln>
+              <a:noFill/>
+            </a:ln>
+            <a:effectLst/>
+          </p:spPr>
+          <p:style>
+            <a:lnRef idx="1">
+              <a:schemeClr val="accent1"/>
+            </a:lnRef>
+            <a:fillRef idx="3">
+              <a:schemeClr val="accent1"/>
+            </a:fillRef>
+            <a:effectRef idx="2">
+              <a:schemeClr val="accent1"/>
+            </a:effectRef>
+            <a:fontRef idx="minor">
+              <a:schemeClr val="lt1"/>
+            </a:fontRef>
+          </p:style>
+          <p:txBody>
+            <a:bodyPr rtlCol="0" anchor="ctr"/>
+            <a:lstStyle/>
+            <a:p>
+              <a:pPr algn="ctr"/>
+              <a:endParaRPr lang="en-US" dirty="0"/>
+            </a:p>
+          </p:txBody>
+        </p:sp>
+        <p:pic>
+          <p:nvPicPr>
+            <p:cNvPr id="14" name="Picture 13">
+              <a:extLst>
+                <a:ext uri="{FF2B5EF4-FFF2-40B4-BE49-F238E27FC236}">
+                  <a16:creationId xmlns:a16="http://schemas.microsoft.com/office/drawing/2014/main" id="{0962E4B6-4D8F-B343-9B76-E48E9E9798BE}"/>
+                </a:ext>
+              </a:extLst>
+            </p:cNvPr>
+            <p:cNvPicPr>
+              <a:picLocks noChangeAspect="1"/>
+            </p:cNvPicPr>
+            <p:nvPr/>
+          </p:nvPicPr>
+          <p:blipFill>
+            <a:blip r:embed="rId4"/>
+            <a:stretch>
+              <a:fillRect/>
+            </a:stretch>
+          </p:blipFill>
+          <p:spPr>
+            <a:xfrm>
+              <a:off x="5601314" y="5722784"/>
+              <a:ext cx="419100" cy="279400"/>
+            </a:xfrm>
+            <a:prstGeom prst="rect">
+              <a:avLst/>
+            </a:prstGeom>
+          </p:spPr>
+        </p:pic>
+      </p:grpSp>
     </p:spTree>
     <p:extLst>
       <p:ext uri="{BB962C8B-B14F-4D97-AF65-F5344CB8AC3E}">
-        <p14:creationId xmlns:p14="http://schemas.microsoft.com/office/powerpoint/2010/main" val="2214145315"/>
+        <p14:creationId xmlns:p14="http://schemas.microsoft.com/office/powerpoint/2010/main" val="485886672"/>
       </p:ext>
     </p:extLst>
   </p:cSld>
@@ -9697,10 +11829,10 @@
       </p:grpSpPr>
       <p:pic>
         <p:nvPicPr>
-          <p:cNvPr id="9218" name="Picture 2">
+          <p:cNvPr id="5122" name="Picture 2">
             <a:extLst>
               <a:ext uri="{FF2B5EF4-FFF2-40B4-BE49-F238E27FC236}">
-                <a16:creationId xmlns:a16="http://schemas.microsoft.com/office/drawing/2014/main" id="{773FE02B-55D8-E542-89DF-58DCD730D5BD}"/>
+                <a16:creationId xmlns:a16="http://schemas.microsoft.com/office/drawing/2014/main" id="{34C2A961-6791-A34C-827F-F04332E80156}"/>
               </a:ext>
             </a:extLst>
           </p:cNvPr>
@@ -9724,8 +11856,8 @@
         </p:blipFill>
         <p:spPr bwMode="auto">
           <a:xfrm>
-            <a:off x="182563" y="0"/>
-            <a:ext cx="8777287" cy="6858000"/>
+            <a:off x="0" y="1746250"/>
+            <a:ext cx="9144000" cy="3365500"/>
           </a:xfrm>
           <a:prstGeom prst="rect">
             <a:avLst/>
@@ -9742,10 +11874,418 @@
           </a:extLst>
         </p:spPr>
       </p:pic>
+      <p:grpSp>
+        <p:nvGrpSpPr>
+          <p:cNvPr id="4" name="Group 3">
+            <a:extLst>
+              <a:ext uri="{FF2B5EF4-FFF2-40B4-BE49-F238E27FC236}">
+                <a16:creationId xmlns:a16="http://schemas.microsoft.com/office/drawing/2014/main" id="{D3E77886-9582-3F4A-BA17-D85E9C38DD5D}"/>
+              </a:ext>
+            </a:extLst>
+          </p:cNvPr>
+          <p:cNvGrpSpPr/>
+          <p:nvPr/>
+        </p:nvGrpSpPr>
+        <p:grpSpPr>
+          <a:xfrm>
+            <a:off x="2196996" y="4934366"/>
+            <a:ext cx="368196" cy="299057"/>
+            <a:chOff x="3730830" y="5722784"/>
+            <a:chExt cx="431800" cy="323850"/>
+          </a:xfrm>
+        </p:grpSpPr>
+        <p:sp>
+          <p:nvSpPr>
+            <p:cNvPr id="5" name="Rectangle 4">
+              <a:extLst>
+                <a:ext uri="{FF2B5EF4-FFF2-40B4-BE49-F238E27FC236}">
+                  <a16:creationId xmlns:a16="http://schemas.microsoft.com/office/drawing/2014/main" id="{4DEDDCEF-CD1E-D940-AC09-4988B4017E82}"/>
+                </a:ext>
+              </a:extLst>
+            </p:cNvPr>
+            <p:cNvSpPr/>
+            <p:nvPr/>
+          </p:nvSpPr>
+          <p:spPr>
+            <a:xfrm>
+              <a:off x="3730830" y="5722784"/>
+              <a:ext cx="431800" cy="323850"/>
+            </a:xfrm>
+            <a:prstGeom prst="rect">
+              <a:avLst/>
+            </a:prstGeom>
+            <a:solidFill>
+              <a:schemeClr val="bg1"/>
+            </a:solidFill>
+            <a:ln>
+              <a:noFill/>
+            </a:ln>
+            <a:effectLst/>
+          </p:spPr>
+          <p:style>
+            <a:lnRef idx="1">
+              <a:schemeClr val="accent1"/>
+            </a:lnRef>
+            <a:fillRef idx="3">
+              <a:schemeClr val="accent1"/>
+            </a:fillRef>
+            <a:effectRef idx="2">
+              <a:schemeClr val="accent1"/>
+            </a:effectRef>
+            <a:fontRef idx="minor">
+              <a:schemeClr val="lt1"/>
+            </a:fontRef>
+          </p:style>
+          <p:txBody>
+            <a:bodyPr rtlCol="0" anchor="ctr"/>
+            <a:lstStyle/>
+            <a:p>
+              <a:pPr algn="ctr"/>
+              <a:endParaRPr lang="en-US" dirty="0"/>
+            </a:p>
+          </p:txBody>
+        </p:sp>
+        <p:pic>
+          <p:nvPicPr>
+            <p:cNvPr id="6" name="Picture 5">
+              <a:extLst>
+                <a:ext uri="{FF2B5EF4-FFF2-40B4-BE49-F238E27FC236}">
+                  <a16:creationId xmlns:a16="http://schemas.microsoft.com/office/drawing/2014/main" id="{AE1BC0B5-0AC6-8F45-BB3E-2D61034CB8B7}"/>
+                </a:ext>
+              </a:extLst>
+            </p:cNvPr>
+            <p:cNvPicPr>
+              <a:picLocks noChangeAspect="1"/>
+            </p:cNvPicPr>
+            <p:nvPr/>
+          </p:nvPicPr>
+          <p:blipFill>
+            <a:blip r:embed="rId3"/>
+            <a:stretch>
+              <a:fillRect/>
+            </a:stretch>
+          </p:blipFill>
+          <p:spPr>
+            <a:xfrm>
+              <a:off x="3730830" y="5754534"/>
+              <a:ext cx="431800" cy="292100"/>
+            </a:xfrm>
+            <a:prstGeom prst="rect">
+              <a:avLst/>
+            </a:prstGeom>
+          </p:spPr>
+        </p:pic>
+      </p:grpSp>
+      <p:grpSp>
+        <p:nvGrpSpPr>
+          <p:cNvPr id="7" name="Group 6">
+            <a:extLst>
+              <a:ext uri="{FF2B5EF4-FFF2-40B4-BE49-F238E27FC236}">
+                <a16:creationId xmlns:a16="http://schemas.microsoft.com/office/drawing/2014/main" id="{EF1B7EF4-E8A7-D144-9E50-A11DCBD4BF77}"/>
+              </a:ext>
+            </a:extLst>
+          </p:cNvPr>
+          <p:cNvGrpSpPr/>
+          <p:nvPr/>
+        </p:nvGrpSpPr>
+        <p:grpSpPr>
+          <a:xfrm>
+            <a:off x="4704733" y="3255707"/>
+            <a:ext cx="357368" cy="320051"/>
+            <a:chOff x="5601314" y="5700049"/>
+            <a:chExt cx="419101" cy="346585"/>
+          </a:xfrm>
+        </p:grpSpPr>
+        <p:sp>
+          <p:nvSpPr>
+            <p:cNvPr id="8" name="Rectangle 7">
+              <a:extLst>
+                <a:ext uri="{FF2B5EF4-FFF2-40B4-BE49-F238E27FC236}">
+                  <a16:creationId xmlns:a16="http://schemas.microsoft.com/office/drawing/2014/main" id="{CD69547A-A4DF-114E-B8B8-001BA8CEC0F3}"/>
+                </a:ext>
+              </a:extLst>
+            </p:cNvPr>
+            <p:cNvSpPr/>
+            <p:nvPr/>
+          </p:nvSpPr>
+          <p:spPr>
+            <a:xfrm>
+              <a:off x="5601315" y="5700049"/>
+              <a:ext cx="419100" cy="346585"/>
+            </a:xfrm>
+            <a:prstGeom prst="rect">
+              <a:avLst/>
+            </a:prstGeom>
+            <a:solidFill>
+              <a:schemeClr val="bg1"/>
+            </a:solidFill>
+            <a:ln>
+              <a:noFill/>
+            </a:ln>
+            <a:effectLst/>
+          </p:spPr>
+          <p:style>
+            <a:lnRef idx="1">
+              <a:schemeClr val="accent1"/>
+            </a:lnRef>
+            <a:fillRef idx="3">
+              <a:schemeClr val="accent1"/>
+            </a:fillRef>
+            <a:effectRef idx="2">
+              <a:schemeClr val="accent1"/>
+            </a:effectRef>
+            <a:fontRef idx="minor">
+              <a:schemeClr val="lt1"/>
+            </a:fontRef>
+          </p:style>
+          <p:txBody>
+            <a:bodyPr rtlCol="0" anchor="ctr"/>
+            <a:lstStyle/>
+            <a:p>
+              <a:pPr algn="ctr"/>
+              <a:endParaRPr lang="en-US" dirty="0"/>
+            </a:p>
+          </p:txBody>
+        </p:sp>
+        <p:pic>
+          <p:nvPicPr>
+            <p:cNvPr id="9" name="Picture 8">
+              <a:extLst>
+                <a:ext uri="{FF2B5EF4-FFF2-40B4-BE49-F238E27FC236}">
+                  <a16:creationId xmlns:a16="http://schemas.microsoft.com/office/drawing/2014/main" id="{2B3BBA69-BCD6-9047-B030-ABFC6AF89DAC}"/>
+                </a:ext>
+              </a:extLst>
+            </p:cNvPr>
+            <p:cNvPicPr>
+              <a:picLocks noChangeAspect="1"/>
+            </p:cNvPicPr>
+            <p:nvPr/>
+          </p:nvPicPr>
+          <p:blipFill>
+            <a:blip r:embed="rId4"/>
+            <a:stretch>
+              <a:fillRect/>
+            </a:stretch>
+          </p:blipFill>
+          <p:spPr>
+            <a:xfrm>
+              <a:off x="5601314" y="5722784"/>
+              <a:ext cx="419100" cy="279400"/>
+            </a:xfrm>
+            <a:prstGeom prst="rect">
+              <a:avLst/>
+            </a:prstGeom>
+          </p:spPr>
+        </p:pic>
+      </p:grpSp>
+      <p:grpSp>
+        <p:nvGrpSpPr>
+          <p:cNvPr id="10" name="Group 9">
+            <a:extLst>
+              <a:ext uri="{FF2B5EF4-FFF2-40B4-BE49-F238E27FC236}">
+                <a16:creationId xmlns:a16="http://schemas.microsoft.com/office/drawing/2014/main" id="{939DB648-BD8A-FA4D-BC5E-EAE4ED40C6E9}"/>
+              </a:ext>
+            </a:extLst>
+          </p:cNvPr>
+          <p:cNvGrpSpPr/>
+          <p:nvPr/>
+        </p:nvGrpSpPr>
+        <p:grpSpPr>
+          <a:xfrm>
+            <a:off x="6947004" y="4936620"/>
+            <a:ext cx="368196" cy="299057"/>
+            <a:chOff x="3730830" y="5722784"/>
+            <a:chExt cx="431800" cy="323850"/>
+          </a:xfrm>
+        </p:grpSpPr>
+        <p:sp>
+          <p:nvSpPr>
+            <p:cNvPr id="11" name="Rectangle 10">
+              <a:extLst>
+                <a:ext uri="{FF2B5EF4-FFF2-40B4-BE49-F238E27FC236}">
+                  <a16:creationId xmlns:a16="http://schemas.microsoft.com/office/drawing/2014/main" id="{E827F59C-996D-9542-BC65-69543AFBFA49}"/>
+                </a:ext>
+              </a:extLst>
+            </p:cNvPr>
+            <p:cNvSpPr/>
+            <p:nvPr/>
+          </p:nvSpPr>
+          <p:spPr>
+            <a:xfrm>
+              <a:off x="3730830" y="5722784"/>
+              <a:ext cx="431800" cy="323850"/>
+            </a:xfrm>
+            <a:prstGeom prst="rect">
+              <a:avLst/>
+            </a:prstGeom>
+            <a:solidFill>
+              <a:schemeClr val="bg1"/>
+            </a:solidFill>
+            <a:ln>
+              <a:noFill/>
+            </a:ln>
+            <a:effectLst/>
+          </p:spPr>
+          <p:style>
+            <a:lnRef idx="1">
+              <a:schemeClr val="accent1"/>
+            </a:lnRef>
+            <a:fillRef idx="3">
+              <a:schemeClr val="accent1"/>
+            </a:fillRef>
+            <a:effectRef idx="2">
+              <a:schemeClr val="accent1"/>
+            </a:effectRef>
+            <a:fontRef idx="minor">
+              <a:schemeClr val="lt1"/>
+            </a:fontRef>
+          </p:style>
+          <p:txBody>
+            <a:bodyPr rtlCol="0" anchor="ctr"/>
+            <a:lstStyle/>
+            <a:p>
+              <a:pPr algn="ctr"/>
+              <a:endParaRPr lang="en-US" dirty="0"/>
+            </a:p>
+          </p:txBody>
+        </p:sp>
+        <p:pic>
+          <p:nvPicPr>
+            <p:cNvPr id="12" name="Picture 11">
+              <a:extLst>
+                <a:ext uri="{FF2B5EF4-FFF2-40B4-BE49-F238E27FC236}">
+                  <a16:creationId xmlns:a16="http://schemas.microsoft.com/office/drawing/2014/main" id="{C2460916-B7E1-9B47-8F98-A66D07C59083}"/>
+                </a:ext>
+              </a:extLst>
+            </p:cNvPr>
+            <p:cNvPicPr>
+              <a:picLocks noChangeAspect="1"/>
+            </p:cNvPicPr>
+            <p:nvPr/>
+          </p:nvPicPr>
+          <p:blipFill>
+            <a:blip r:embed="rId3"/>
+            <a:stretch>
+              <a:fillRect/>
+            </a:stretch>
+          </p:blipFill>
+          <p:spPr>
+            <a:xfrm>
+              <a:off x="3730830" y="5754534"/>
+              <a:ext cx="431800" cy="292100"/>
+            </a:xfrm>
+            <a:prstGeom prst="rect">
+              <a:avLst/>
+            </a:prstGeom>
+          </p:spPr>
+        </p:pic>
+      </p:grpSp>
+      <p:grpSp>
+        <p:nvGrpSpPr>
+          <p:cNvPr id="13" name="Group 12">
+            <a:extLst>
+              <a:ext uri="{FF2B5EF4-FFF2-40B4-BE49-F238E27FC236}">
+                <a16:creationId xmlns:a16="http://schemas.microsoft.com/office/drawing/2014/main" id="{3016041D-F59E-DA4D-8260-E76EEBDAD338}"/>
+              </a:ext>
+            </a:extLst>
+          </p:cNvPr>
+          <p:cNvGrpSpPr/>
+          <p:nvPr/>
+        </p:nvGrpSpPr>
+        <p:grpSpPr>
+          <a:xfrm>
+            <a:off x="29497" y="3248946"/>
+            <a:ext cx="357368" cy="320051"/>
+            <a:chOff x="5601314" y="5700049"/>
+            <a:chExt cx="419101" cy="346585"/>
+          </a:xfrm>
+        </p:grpSpPr>
+        <p:sp>
+          <p:nvSpPr>
+            <p:cNvPr id="14" name="Rectangle 13">
+              <a:extLst>
+                <a:ext uri="{FF2B5EF4-FFF2-40B4-BE49-F238E27FC236}">
+                  <a16:creationId xmlns:a16="http://schemas.microsoft.com/office/drawing/2014/main" id="{A71A18DA-4EF7-3C42-A119-940636156936}"/>
+                </a:ext>
+              </a:extLst>
+            </p:cNvPr>
+            <p:cNvSpPr/>
+            <p:nvPr/>
+          </p:nvSpPr>
+          <p:spPr>
+            <a:xfrm>
+              <a:off x="5601315" y="5700049"/>
+              <a:ext cx="419100" cy="346585"/>
+            </a:xfrm>
+            <a:prstGeom prst="rect">
+              <a:avLst/>
+            </a:prstGeom>
+            <a:solidFill>
+              <a:schemeClr val="bg1"/>
+            </a:solidFill>
+            <a:ln>
+              <a:noFill/>
+            </a:ln>
+            <a:effectLst/>
+          </p:spPr>
+          <p:style>
+            <a:lnRef idx="1">
+              <a:schemeClr val="accent1"/>
+            </a:lnRef>
+            <a:fillRef idx="3">
+              <a:schemeClr val="accent1"/>
+            </a:fillRef>
+            <a:effectRef idx="2">
+              <a:schemeClr val="accent1"/>
+            </a:effectRef>
+            <a:fontRef idx="minor">
+              <a:schemeClr val="lt1"/>
+            </a:fontRef>
+          </p:style>
+          <p:txBody>
+            <a:bodyPr rtlCol="0" anchor="ctr"/>
+            <a:lstStyle/>
+            <a:p>
+              <a:pPr algn="ctr"/>
+              <a:endParaRPr lang="en-US" dirty="0"/>
+            </a:p>
+          </p:txBody>
+        </p:sp>
+        <p:pic>
+          <p:nvPicPr>
+            <p:cNvPr id="15" name="Picture 14">
+              <a:extLst>
+                <a:ext uri="{FF2B5EF4-FFF2-40B4-BE49-F238E27FC236}">
+                  <a16:creationId xmlns:a16="http://schemas.microsoft.com/office/drawing/2014/main" id="{E9187E82-6E69-BC40-A74C-8322B5471715}"/>
+                </a:ext>
+              </a:extLst>
+            </p:cNvPr>
+            <p:cNvPicPr>
+              <a:picLocks noChangeAspect="1"/>
+            </p:cNvPicPr>
+            <p:nvPr/>
+          </p:nvPicPr>
+          <p:blipFill>
+            <a:blip r:embed="rId4"/>
+            <a:stretch>
+              <a:fillRect/>
+            </a:stretch>
+          </p:blipFill>
+          <p:spPr>
+            <a:xfrm>
+              <a:off x="5601314" y="5722784"/>
+              <a:ext cx="419100" cy="279400"/>
+            </a:xfrm>
+            <a:prstGeom prst="rect">
+              <a:avLst/>
+            </a:prstGeom>
+          </p:spPr>
+        </p:pic>
+      </p:grpSp>
     </p:spTree>
     <p:extLst>
       <p:ext uri="{BB962C8B-B14F-4D97-AF65-F5344CB8AC3E}">
-        <p14:creationId xmlns:p14="http://schemas.microsoft.com/office/powerpoint/2010/main" val="2437400606"/>
+        <p14:creationId xmlns:p14="http://schemas.microsoft.com/office/powerpoint/2010/main" val="2214145315"/>
       </p:ext>
     </p:extLst>
   </p:cSld>
@@ -9774,10 +12314,10 @@
       </p:grpSpPr>
       <p:pic>
         <p:nvPicPr>
-          <p:cNvPr id="12290" name="Picture 2">
+          <p:cNvPr id="9218" name="Picture 2">
             <a:extLst>
               <a:ext uri="{FF2B5EF4-FFF2-40B4-BE49-F238E27FC236}">
-                <a16:creationId xmlns:a16="http://schemas.microsoft.com/office/drawing/2014/main" id="{467A726D-9331-E944-B4EA-31EF977D37A3}"/>
+                <a16:creationId xmlns:a16="http://schemas.microsoft.com/office/drawing/2014/main" id="{773FE02B-55D8-E542-89DF-58DCD730D5BD}"/>
               </a:ext>
             </a:extLst>
           </p:cNvPr>
@@ -9801,8 +12341,8 @@
         </p:blipFill>
         <p:spPr bwMode="auto">
           <a:xfrm>
-            <a:off x="0" y="1746250"/>
-            <a:ext cx="9144000" cy="3365500"/>
+            <a:off x="182563" y="0"/>
+            <a:ext cx="8777287" cy="6858000"/>
           </a:xfrm>
           <a:prstGeom prst="rect">
             <a:avLst/>
@@ -9822,7 +12362,7 @@
     </p:spTree>
     <p:extLst>
       <p:ext uri="{BB962C8B-B14F-4D97-AF65-F5344CB8AC3E}">
-        <p14:creationId xmlns:p14="http://schemas.microsoft.com/office/powerpoint/2010/main" val="351414740"/>
+        <p14:creationId xmlns:p14="http://schemas.microsoft.com/office/powerpoint/2010/main" val="2437400606"/>
       </p:ext>
     </p:extLst>
   </p:cSld>
@@ -9851,10 +12391,10 @@
       </p:grpSpPr>
       <p:pic>
         <p:nvPicPr>
-          <p:cNvPr id="14338" name="Picture 2">
+          <p:cNvPr id="12290" name="Picture 2">
             <a:extLst>
               <a:ext uri="{FF2B5EF4-FFF2-40B4-BE49-F238E27FC236}">
-                <a16:creationId xmlns:a16="http://schemas.microsoft.com/office/drawing/2014/main" id="{246B8461-2898-8447-BBAC-B9B489D4A78B}"/>
+                <a16:creationId xmlns:a16="http://schemas.microsoft.com/office/drawing/2014/main" id="{467A726D-9331-E944-B4EA-31EF977D37A3}"/>
               </a:ext>
             </a:extLst>
           </p:cNvPr>
@@ -9878,8 +12418,8 @@
         </p:blipFill>
         <p:spPr bwMode="auto">
           <a:xfrm>
-            <a:off x="182563" y="0"/>
-            <a:ext cx="8777287" cy="6858000"/>
+            <a:off x="0" y="1746250"/>
+            <a:ext cx="9144000" cy="3365500"/>
           </a:xfrm>
           <a:prstGeom prst="rect">
             <a:avLst/>
@@ -9896,10 +12436,418 @@
           </a:extLst>
         </p:spPr>
       </p:pic>
+      <p:grpSp>
+        <p:nvGrpSpPr>
+          <p:cNvPr id="4" name="Group 3">
+            <a:extLst>
+              <a:ext uri="{FF2B5EF4-FFF2-40B4-BE49-F238E27FC236}">
+                <a16:creationId xmlns:a16="http://schemas.microsoft.com/office/drawing/2014/main" id="{B97F2EAA-F61A-B044-B071-BCC783434F03}"/>
+              </a:ext>
+            </a:extLst>
+          </p:cNvPr>
+          <p:cNvGrpSpPr/>
+          <p:nvPr/>
+        </p:nvGrpSpPr>
+        <p:grpSpPr>
+          <a:xfrm>
+            <a:off x="2196996" y="4934366"/>
+            <a:ext cx="368196" cy="299057"/>
+            <a:chOff x="3730830" y="5722784"/>
+            <a:chExt cx="431800" cy="323850"/>
+          </a:xfrm>
+        </p:grpSpPr>
+        <p:sp>
+          <p:nvSpPr>
+            <p:cNvPr id="5" name="Rectangle 4">
+              <a:extLst>
+                <a:ext uri="{FF2B5EF4-FFF2-40B4-BE49-F238E27FC236}">
+                  <a16:creationId xmlns:a16="http://schemas.microsoft.com/office/drawing/2014/main" id="{79C895CF-5CA9-5F4C-B287-FC806DEE7F36}"/>
+                </a:ext>
+              </a:extLst>
+            </p:cNvPr>
+            <p:cNvSpPr/>
+            <p:nvPr/>
+          </p:nvSpPr>
+          <p:spPr>
+            <a:xfrm>
+              <a:off x="3730830" y="5722784"/>
+              <a:ext cx="431800" cy="323850"/>
+            </a:xfrm>
+            <a:prstGeom prst="rect">
+              <a:avLst/>
+            </a:prstGeom>
+            <a:solidFill>
+              <a:schemeClr val="bg1"/>
+            </a:solidFill>
+            <a:ln>
+              <a:noFill/>
+            </a:ln>
+            <a:effectLst/>
+          </p:spPr>
+          <p:style>
+            <a:lnRef idx="1">
+              <a:schemeClr val="accent1"/>
+            </a:lnRef>
+            <a:fillRef idx="3">
+              <a:schemeClr val="accent1"/>
+            </a:fillRef>
+            <a:effectRef idx="2">
+              <a:schemeClr val="accent1"/>
+            </a:effectRef>
+            <a:fontRef idx="minor">
+              <a:schemeClr val="lt1"/>
+            </a:fontRef>
+          </p:style>
+          <p:txBody>
+            <a:bodyPr rtlCol="0" anchor="ctr"/>
+            <a:lstStyle/>
+            <a:p>
+              <a:pPr algn="ctr"/>
+              <a:endParaRPr lang="en-US" dirty="0"/>
+            </a:p>
+          </p:txBody>
+        </p:sp>
+        <p:pic>
+          <p:nvPicPr>
+            <p:cNvPr id="6" name="Picture 5">
+              <a:extLst>
+                <a:ext uri="{FF2B5EF4-FFF2-40B4-BE49-F238E27FC236}">
+                  <a16:creationId xmlns:a16="http://schemas.microsoft.com/office/drawing/2014/main" id="{84364032-82EB-5147-831A-C455FE527A27}"/>
+                </a:ext>
+              </a:extLst>
+            </p:cNvPr>
+            <p:cNvPicPr>
+              <a:picLocks noChangeAspect="1"/>
+            </p:cNvPicPr>
+            <p:nvPr/>
+          </p:nvPicPr>
+          <p:blipFill>
+            <a:blip r:embed="rId3"/>
+            <a:stretch>
+              <a:fillRect/>
+            </a:stretch>
+          </p:blipFill>
+          <p:spPr>
+            <a:xfrm>
+              <a:off x="3730830" y="5754534"/>
+              <a:ext cx="431800" cy="292100"/>
+            </a:xfrm>
+            <a:prstGeom prst="rect">
+              <a:avLst/>
+            </a:prstGeom>
+          </p:spPr>
+        </p:pic>
+      </p:grpSp>
+      <p:grpSp>
+        <p:nvGrpSpPr>
+          <p:cNvPr id="7" name="Group 6">
+            <a:extLst>
+              <a:ext uri="{FF2B5EF4-FFF2-40B4-BE49-F238E27FC236}">
+                <a16:creationId xmlns:a16="http://schemas.microsoft.com/office/drawing/2014/main" id="{5EAB9C02-3399-0741-B05B-FEACEDF82655}"/>
+              </a:ext>
+            </a:extLst>
+          </p:cNvPr>
+          <p:cNvGrpSpPr/>
+          <p:nvPr/>
+        </p:nvGrpSpPr>
+        <p:grpSpPr>
+          <a:xfrm>
+            <a:off x="4704733" y="3255707"/>
+            <a:ext cx="357368" cy="320051"/>
+            <a:chOff x="5601314" y="5700049"/>
+            <a:chExt cx="419101" cy="346585"/>
+          </a:xfrm>
+        </p:grpSpPr>
+        <p:sp>
+          <p:nvSpPr>
+            <p:cNvPr id="8" name="Rectangle 7">
+              <a:extLst>
+                <a:ext uri="{FF2B5EF4-FFF2-40B4-BE49-F238E27FC236}">
+                  <a16:creationId xmlns:a16="http://schemas.microsoft.com/office/drawing/2014/main" id="{97E6C880-119C-664F-8EFD-2C1B0D49805C}"/>
+                </a:ext>
+              </a:extLst>
+            </p:cNvPr>
+            <p:cNvSpPr/>
+            <p:nvPr/>
+          </p:nvSpPr>
+          <p:spPr>
+            <a:xfrm>
+              <a:off x="5601315" y="5700049"/>
+              <a:ext cx="419100" cy="346585"/>
+            </a:xfrm>
+            <a:prstGeom prst="rect">
+              <a:avLst/>
+            </a:prstGeom>
+            <a:solidFill>
+              <a:schemeClr val="bg1"/>
+            </a:solidFill>
+            <a:ln>
+              <a:noFill/>
+            </a:ln>
+            <a:effectLst/>
+          </p:spPr>
+          <p:style>
+            <a:lnRef idx="1">
+              <a:schemeClr val="accent1"/>
+            </a:lnRef>
+            <a:fillRef idx="3">
+              <a:schemeClr val="accent1"/>
+            </a:fillRef>
+            <a:effectRef idx="2">
+              <a:schemeClr val="accent1"/>
+            </a:effectRef>
+            <a:fontRef idx="minor">
+              <a:schemeClr val="lt1"/>
+            </a:fontRef>
+          </p:style>
+          <p:txBody>
+            <a:bodyPr rtlCol="0" anchor="ctr"/>
+            <a:lstStyle/>
+            <a:p>
+              <a:pPr algn="ctr"/>
+              <a:endParaRPr lang="en-US" dirty="0"/>
+            </a:p>
+          </p:txBody>
+        </p:sp>
+        <p:pic>
+          <p:nvPicPr>
+            <p:cNvPr id="9" name="Picture 8">
+              <a:extLst>
+                <a:ext uri="{FF2B5EF4-FFF2-40B4-BE49-F238E27FC236}">
+                  <a16:creationId xmlns:a16="http://schemas.microsoft.com/office/drawing/2014/main" id="{28FE7942-85B3-F74D-AC5F-24061EFC7453}"/>
+                </a:ext>
+              </a:extLst>
+            </p:cNvPr>
+            <p:cNvPicPr>
+              <a:picLocks noChangeAspect="1"/>
+            </p:cNvPicPr>
+            <p:nvPr/>
+          </p:nvPicPr>
+          <p:blipFill>
+            <a:blip r:embed="rId4"/>
+            <a:stretch>
+              <a:fillRect/>
+            </a:stretch>
+          </p:blipFill>
+          <p:spPr>
+            <a:xfrm>
+              <a:off x="5601314" y="5722784"/>
+              <a:ext cx="419100" cy="279400"/>
+            </a:xfrm>
+            <a:prstGeom prst="rect">
+              <a:avLst/>
+            </a:prstGeom>
+          </p:spPr>
+        </p:pic>
+      </p:grpSp>
+      <p:grpSp>
+        <p:nvGrpSpPr>
+          <p:cNvPr id="10" name="Group 9">
+            <a:extLst>
+              <a:ext uri="{FF2B5EF4-FFF2-40B4-BE49-F238E27FC236}">
+                <a16:creationId xmlns:a16="http://schemas.microsoft.com/office/drawing/2014/main" id="{4D4F53AF-EFCD-1341-B1E1-9939295DFE10}"/>
+              </a:ext>
+            </a:extLst>
+          </p:cNvPr>
+          <p:cNvGrpSpPr/>
+          <p:nvPr/>
+        </p:nvGrpSpPr>
+        <p:grpSpPr>
+          <a:xfrm>
+            <a:off x="6947004" y="4936620"/>
+            <a:ext cx="368196" cy="299057"/>
+            <a:chOff x="3730830" y="5722784"/>
+            <a:chExt cx="431800" cy="323850"/>
+          </a:xfrm>
+        </p:grpSpPr>
+        <p:sp>
+          <p:nvSpPr>
+            <p:cNvPr id="11" name="Rectangle 10">
+              <a:extLst>
+                <a:ext uri="{FF2B5EF4-FFF2-40B4-BE49-F238E27FC236}">
+                  <a16:creationId xmlns:a16="http://schemas.microsoft.com/office/drawing/2014/main" id="{6BB71215-FC82-284F-94D5-B6C62AF34ADF}"/>
+                </a:ext>
+              </a:extLst>
+            </p:cNvPr>
+            <p:cNvSpPr/>
+            <p:nvPr/>
+          </p:nvSpPr>
+          <p:spPr>
+            <a:xfrm>
+              <a:off x="3730830" y="5722784"/>
+              <a:ext cx="431800" cy="323850"/>
+            </a:xfrm>
+            <a:prstGeom prst="rect">
+              <a:avLst/>
+            </a:prstGeom>
+            <a:solidFill>
+              <a:schemeClr val="bg1"/>
+            </a:solidFill>
+            <a:ln>
+              <a:noFill/>
+            </a:ln>
+            <a:effectLst/>
+          </p:spPr>
+          <p:style>
+            <a:lnRef idx="1">
+              <a:schemeClr val="accent1"/>
+            </a:lnRef>
+            <a:fillRef idx="3">
+              <a:schemeClr val="accent1"/>
+            </a:fillRef>
+            <a:effectRef idx="2">
+              <a:schemeClr val="accent1"/>
+            </a:effectRef>
+            <a:fontRef idx="minor">
+              <a:schemeClr val="lt1"/>
+            </a:fontRef>
+          </p:style>
+          <p:txBody>
+            <a:bodyPr rtlCol="0" anchor="ctr"/>
+            <a:lstStyle/>
+            <a:p>
+              <a:pPr algn="ctr"/>
+              <a:endParaRPr lang="en-US" dirty="0"/>
+            </a:p>
+          </p:txBody>
+        </p:sp>
+        <p:pic>
+          <p:nvPicPr>
+            <p:cNvPr id="12" name="Picture 11">
+              <a:extLst>
+                <a:ext uri="{FF2B5EF4-FFF2-40B4-BE49-F238E27FC236}">
+                  <a16:creationId xmlns:a16="http://schemas.microsoft.com/office/drawing/2014/main" id="{9D024311-1330-9A40-B333-54B7BD8C8B86}"/>
+                </a:ext>
+              </a:extLst>
+            </p:cNvPr>
+            <p:cNvPicPr>
+              <a:picLocks noChangeAspect="1"/>
+            </p:cNvPicPr>
+            <p:nvPr/>
+          </p:nvPicPr>
+          <p:blipFill>
+            <a:blip r:embed="rId3"/>
+            <a:stretch>
+              <a:fillRect/>
+            </a:stretch>
+          </p:blipFill>
+          <p:spPr>
+            <a:xfrm>
+              <a:off x="3730830" y="5754534"/>
+              <a:ext cx="431800" cy="292100"/>
+            </a:xfrm>
+            <a:prstGeom prst="rect">
+              <a:avLst/>
+            </a:prstGeom>
+          </p:spPr>
+        </p:pic>
+      </p:grpSp>
+      <p:grpSp>
+        <p:nvGrpSpPr>
+          <p:cNvPr id="13" name="Group 12">
+            <a:extLst>
+              <a:ext uri="{FF2B5EF4-FFF2-40B4-BE49-F238E27FC236}">
+                <a16:creationId xmlns:a16="http://schemas.microsoft.com/office/drawing/2014/main" id="{5A4CDB05-7E87-E948-A1D9-E98FB66F58A9}"/>
+              </a:ext>
+            </a:extLst>
+          </p:cNvPr>
+          <p:cNvGrpSpPr/>
+          <p:nvPr/>
+        </p:nvGrpSpPr>
+        <p:grpSpPr>
+          <a:xfrm>
+            <a:off x="29497" y="3248946"/>
+            <a:ext cx="357368" cy="320051"/>
+            <a:chOff x="5601314" y="5700049"/>
+            <a:chExt cx="419101" cy="346585"/>
+          </a:xfrm>
+        </p:grpSpPr>
+        <p:sp>
+          <p:nvSpPr>
+            <p:cNvPr id="14" name="Rectangle 13">
+              <a:extLst>
+                <a:ext uri="{FF2B5EF4-FFF2-40B4-BE49-F238E27FC236}">
+                  <a16:creationId xmlns:a16="http://schemas.microsoft.com/office/drawing/2014/main" id="{6ED23F65-ABD4-454C-A715-E85C51852A8B}"/>
+                </a:ext>
+              </a:extLst>
+            </p:cNvPr>
+            <p:cNvSpPr/>
+            <p:nvPr/>
+          </p:nvSpPr>
+          <p:spPr>
+            <a:xfrm>
+              <a:off x="5601315" y="5700049"/>
+              <a:ext cx="419100" cy="346585"/>
+            </a:xfrm>
+            <a:prstGeom prst="rect">
+              <a:avLst/>
+            </a:prstGeom>
+            <a:solidFill>
+              <a:schemeClr val="bg1"/>
+            </a:solidFill>
+            <a:ln>
+              <a:noFill/>
+            </a:ln>
+            <a:effectLst/>
+          </p:spPr>
+          <p:style>
+            <a:lnRef idx="1">
+              <a:schemeClr val="accent1"/>
+            </a:lnRef>
+            <a:fillRef idx="3">
+              <a:schemeClr val="accent1"/>
+            </a:fillRef>
+            <a:effectRef idx="2">
+              <a:schemeClr val="accent1"/>
+            </a:effectRef>
+            <a:fontRef idx="minor">
+              <a:schemeClr val="lt1"/>
+            </a:fontRef>
+          </p:style>
+          <p:txBody>
+            <a:bodyPr rtlCol="0" anchor="ctr"/>
+            <a:lstStyle/>
+            <a:p>
+              <a:pPr algn="ctr"/>
+              <a:endParaRPr lang="en-US" dirty="0"/>
+            </a:p>
+          </p:txBody>
+        </p:sp>
+        <p:pic>
+          <p:nvPicPr>
+            <p:cNvPr id="15" name="Picture 14">
+              <a:extLst>
+                <a:ext uri="{FF2B5EF4-FFF2-40B4-BE49-F238E27FC236}">
+                  <a16:creationId xmlns:a16="http://schemas.microsoft.com/office/drawing/2014/main" id="{D86EE5A6-F574-3546-958F-E46F64C97572}"/>
+                </a:ext>
+              </a:extLst>
+            </p:cNvPr>
+            <p:cNvPicPr>
+              <a:picLocks noChangeAspect="1"/>
+            </p:cNvPicPr>
+            <p:nvPr/>
+          </p:nvPicPr>
+          <p:blipFill>
+            <a:blip r:embed="rId4"/>
+            <a:stretch>
+              <a:fillRect/>
+            </a:stretch>
+          </p:blipFill>
+          <p:spPr>
+            <a:xfrm>
+              <a:off x="5601314" y="5722784"/>
+              <a:ext cx="419100" cy="279400"/>
+            </a:xfrm>
+            <a:prstGeom prst="rect">
+              <a:avLst/>
+            </a:prstGeom>
+          </p:spPr>
+        </p:pic>
+      </p:grpSp>
     </p:spTree>
     <p:extLst>
       <p:ext uri="{BB962C8B-B14F-4D97-AF65-F5344CB8AC3E}">
-        <p14:creationId xmlns:p14="http://schemas.microsoft.com/office/powerpoint/2010/main" val="54225728"/>
+        <p14:creationId xmlns:p14="http://schemas.microsoft.com/office/powerpoint/2010/main" val="351414740"/>
       </p:ext>
     </p:extLst>
   </p:cSld>
@@ -9928,10 +12876,10 @@
       </p:grpSpPr>
       <p:pic>
         <p:nvPicPr>
-          <p:cNvPr id="12290" name="Picture 2">
+          <p:cNvPr id="14338" name="Picture 2">
             <a:extLst>
               <a:ext uri="{FF2B5EF4-FFF2-40B4-BE49-F238E27FC236}">
-                <a16:creationId xmlns:a16="http://schemas.microsoft.com/office/drawing/2014/main" id="{467A726D-9331-E944-B4EA-31EF977D37A3}"/>
+                <a16:creationId xmlns:a16="http://schemas.microsoft.com/office/drawing/2014/main" id="{246B8461-2898-8447-BBAC-B9B489D4A78B}"/>
               </a:ext>
             </a:extLst>
           </p:cNvPr>
@@ -9955,8 +12903,8 @@
         </p:blipFill>
         <p:spPr bwMode="auto">
           <a:xfrm>
-            <a:off x="0" y="1746250"/>
-            <a:ext cx="9144000" cy="3365500"/>
+            <a:off x="182563" y="0"/>
+            <a:ext cx="8777287" cy="6858000"/>
           </a:xfrm>
           <a:prstGeom prst="rect">
             <a:avLst/>
@@ -9976,7 +12924,7 @@
     </p:spTree>
     <p:extLst>
       <p:ext uri="{BB962C8B-B14F-4D97-AF65-F5344CB8AC3E}">
-        <p14:creationId xmlns:p14="http://schemas.microsoft.com/office/powerpoint/2010/main" val="605730682"/>
+        <p14:creationId xmlns:p14="http://schemas.microsoft.com/office/powerpoint/2010/main" val="54225728"/>
       </p:ext>
     </p:extLst>
   </p:cSld>
@@ -10005,10 +12953,10 @@
       </p:grpSpPr>
       <p:pic>
         <p:nvPicPr>
-          <p:cNvPr id="7174" name="Picture 6">
+          <p:cNvPr id="12290" name="Picture 2">
             <a:extLst>
               <a:ext uri="{FF2B5EF4-FFF2-40B4-BE49-F238E27FC236}">
-                <a16:creationId xmlns:a16="http://schemas.microsoft.com/office/drawing/2014/main" id="{9608DB65-69E7-2746-9DC9-7FB4F5EC03B3}"/>
+                <a16:creationId xmlns:a16="http://schemas.microsoft.com/office/drawing/2014/main" id="{467A726D-9331-E944-B4EA-31EF977D37A3}"/>
               </a:ext>
             </a:extLst>
           </p:cNvPr>
@@ -10050,10 +12998,418 @@
           </a:extLst>
         </p:spPr>
       </p:pic>
+      <p:grpSp>
+        <p:nvGrpSpPr>
+          <p:cNvPr id="3" name="Group 2">
+            <a:extLst>
+              <a:ext uri="{FF2B5EF4-FFF2-40B4-BE49-F238E27FC236}">
+                <a16:creationId xmlns:a16="http://schemas.microsoft.com/office/drawing/2014/main" id="{CACEA7EC-20DE-BE4D-9F35-35F095E2A60B}"/>
+              </a:ext>
+            </a:extLst>
+          </p:cNvPr>
+          <p:cNvGrpSpPr/>
+          <p:nvPr/>
+        </p:nvGrpSpPr>
+        <p:grpSpPr>
+          <a:xfrm>
+            <a:off x="2196996" y="4934366"/>
+            <a:ext cx="368196" cy="299057"/>
+            <a:chOff x="3730830" y="5722784"/>
+            <a:chExt cx="431800" cy="323850"/>
+          </a:xfrm>
+        </p:grpSpPr>
+        <p:sp>
+          <p:nvSpPr>
+            <p:cNvPr id="4" name="Rectangle 3">
+              <a:extLst>
+                <a:ext uri="{FF2B5EF4-FFF2-40B4-BE49-F238E27FC236}">
+                  <a16:creationId xmlns:a16="http://schemas.microsoft.com/office/drawing/2014/main" id="{524CA469-9236-3A45-9006-B6BCFE73A154}"/>
+                </a:ext>
+              </a:extLst>
+            </p:cNvPr>
+            <p:cNvSpPr/>
+            <p:nvPr/>
+          </p:nvSpPr>
+          <p:spPr>
+            <a:xfrm>
+              <a:off x="3730830" y="5722784"/>
+              <a:ext cx="431800" cy="323850"/>
+            </a:xfrm>
+            <a:prstGeom prst="rect">
+              <a:avLst/>
+            </a:prstGeom>
+            <a:solidFill>
+              <a:schemeClr val="bg1"/>
+            </a:solidFill>
+            <a:ln>
+              <a:noFill/>
+            </a:ln>
+            <a:effectLst/>
+          </p:spPr>
+          <p:style>
+            <a:lnRef idx="1">
+              <a:schemeClr val="accent1"/>
+            </a:lnRef>
+            <a:fillRef idx="3">
+              <a:schemeClr val="accent1"/>
+            </a:fillRef>
+            <a:effectRef idx="2">
+              <a:schemeClr val="accent1"/>
+            </a:effectRef>
+            <a:fontRef idx="minor">
+              <a:schemeClr val="lt1"/>
+            </a:fontRef>
+          </p:style>
+          <p:txBody>
+            <a:bodyPr rtlCol="0" anchor="ctr"/>
+            <a:lstStyle/>
+            <a:p>
+              <a:pPr algn="ctr"/>
+              <a:endParaRPr lang="en-US" dirty="0"/>
+            </a:p>
+          </p:txBody>
+        </p:sp>
+        <p:pic>
+          <p:nvPicPr>
+            <p:cNvPr id="5" name="Picture 4">
+              <a:extLst>
+                <a:ext uri="{FF2B5EF4-FFF2-40B4-BE49-F238E27FC236}">
+                  <a16:creationId xmlns:a16="http://schemas.microsoft.com/office/drawing/2014/main" id="{43D987B2-2CD4-0645-A09C-83A032F544F9}"/>
+                </a:ext>
+              </a:extLst>
+            </p:cNvPr>
+            <p:cNvPicPr>
+              <a:picLocks noChangeAspect="1"/>
+            </p:cNvPicPr>
+            <p:nvPr/>
+          </p:nvPicPr>
+          <p:blipFill>
+            <a:blip r:embed="rId3"/>
+            <a:stretch>
+              <a:fillRect/>
+            </a:stretch>
+          </p:blipFill>
+          <p:spPr>
+            <a:xfrm>
+              <a:off x="3730830" y="5754534"/>
+              <a:ext cx="431800" cy="292100"/>
+            </a:xfrm>
+            <a:prstGeom prst="rect">
+              <a:avLst/>
+            </a:prstGeom>
+          </p:spPr>
+        </p:pic>
+      </p:grpSp>
+      <p:grpSp>
+        <p:nvGrpSpPr>
+          <p:cNvPr id="6" name="Group 5">
+            <a:extLst>
+              <a:ext uri="{FF2B5EF4-FFF2-40B4-BE49-F238E27FC236}">
+                <a16:creationId xmlns:a16="http://schemas.microsoft.com/office/drawing/2014/main" id="{92F2953F-6DBE-2B4E-B386-44C57B2F188A}"/>
+              </a:ext>
+            </a:extLst>
+          </p:cNvPr>
+          <p:cNvGrpSpPr/>
+          <p:nvPr/>
+        </p:nvGrpSpPr>
+        <p:grpSpPr>
+          <a:xfrm>
+            <a:off x="4704733" y="3255707"/>
+            <a:ext cx="357368" cy="320051"/>
+            <a:chOff x="5601314" y="5700049"/>
+            <a:chExt cx="419101" cy="346585"/>
+          </a:xfrm>
+        </p:grpSpPr>
+        <p:sp>
+          <p:nvSpPr>
+            <p:cNvPr id="7" name="Rectangle 6">
+              <a:extLst>
+                <a:ext uri="{FF2B5EF4-FFF2-40B4-BE49-F238E27FC236}">
+                  <a16:creationId xmlns:a16="http://schemas.microsoft.com/office/drawing/2014/main" id="{CCCC9B58-5C94-AE47-A93C-5F79554010CE}"/>
+                </a:ext>
+              </a:extLst>
+            </p:cNvPr>
+            <p:cNvSpPr/>
+            <p:nvPr/>
+          </p:nvSpPr>
+          <p:spPr>
+            <a:xfrm>
+              <a:off x="5601315" y="5700049"/>
+              <a:ext cx="419100" cy="346585"/>
+            </a:xfrm>
+            <a:prstGeom prst="rect">
+              <a:avLst/>
+            </a:prstGeom>
+            <a:solidFill>
+              <a:schemeClr val="bg1"/>
+            </a:solidFill>
+            <a:ln>
+              <a:noFill/>
+            </a:ln>
+            <a:effectLst/>
+          </p:spPr>
+          <p:style>
+            <a:lnRef idx="1">
+              <a:schemeClr val="accent1"/>
+            </a:lnRef>
+            <a:fillRef idx="3">
+              <a:schemeClr val="accent1"/>
+            </a:fillRef>
+            <a:effectRef idx="2">
+              <a:schemeClr val="accent1"/>
+            </a:effectRef>
+            <a:fontRef idx="minor">
+              <a:schemeClr val="lt1"/>
+            </a:fontRef>
+          </p:style>
+          <p:txBody>
+            <a:bodyPr rtlCol="0" anchor="ctr"/>
+            <a:lstStyle/>
+            <a:p>
+              <a:pPr algn="ctr"/>
+              <a:endParaRPr lang="en-US" dirty="0"/>
+            </a:p>
+          </p:txBody>
+        </p:sp>
+        <p:pic>
+          <p:nvPicPr>
+            <p:cNvPr id="8" name="Picture 7">
+              <a:extLst>
+                <a:ext uri="{FF2B5EF4-FFF2-40B4-BE49-F238E27FC236}">
+                  <a16:creationId xmlns:a16="http://schemas.microsoft.com/office/drawing/2014/main" id="{A4AE13EF-CA0B-EF4C-BE25-DFC7B7A88C44}"/>
+                </a:ext>
+              </a:extLst>
+            </p:cNvPr>
+            <p:cNvPicPr>
+              <a:picLocks noChangeAspect="1"/>
+            </p:cNvPicPr>
+            <p:nvPr/>
+          </p:nvPicPr>
+          <p:blipFill>
+            <a:blip r:embed="rId4"/>
+            <a:stretch>
+              <a:fillRect/>
+            </a:stretch>
+          </p:blipFill>
+          <p:spPr>
+            <a:xfrm>
+              <a:off x="5601314" y="5722784"/>
+              <a:ext cx="419100" cy="279400"/>
+            </a:xfrm>
+            <a:prstGeom prst="rect">
+              <a:avLst/>
+            </a:prstGeom>
+          </p:spPr>
+        </p:pic>
+      </p:grpSp>
+      <p:grpSp>
+        <p:nvGrpSpPr>
+          <p:cNvPr id="9" name="Group 8">
+            <a:extLst>
+              <a:ext uri="{FF2B5EF4-FFF2-40B4-BE49-F238E27FC236}">
+                <a16:creationId xmlns:a16="http://schemas.microsoft.com/office/drawing/2014/main" id="{F0159F56-BF57-E947-B052-9F38359B3773}"/>
+              </a:ext>
+            </a:extLst>
+          </p:cNvPr>
+          <p:cNvGrpSpPr/>
+          <p:nvPr/>
+        </p:nvGrpSpPr>
+        <p:grpSpPr>
+          <a:xfrm>
+            <a:off x="6947004" y="4936620"/>
+            <a:ext cx="368196" cy="299057"/>
+            <a:chOff x="3730830" y="5722784"/>
+            <a:chExt cx="431800" cy="323850"/>
+          </a:xfrm>
+        </p:grpSpPr>
+        <p:sp>
+          <p:nvSpPr>
+            <p:cNvPr id="10" name="Rectangle 9">
+              <a:extLst>
+                <a:ext uri="{FF2B5EF4-FFF2-40B4-BE49-F238E27FC236}">
+                  <a16:creationId xmlns:a16="http://schemas.microsoft.com/office/drawing/2014/main" id="{109F433D-252A-884E-B613-7C7643EA7ACE}"/>
+                </a:ext>
+              </a:extLst>
+            </p:cNvPr>
+            <p:cNvSpPr/>
+            <p:nvPr/>
+          </p:nvSpPr>
+          <p:spPr>
+            <a:xfrm>
+              <a:off x="3730830" y="5722784"/>
+              <a:ext cx="431800" cy="323850"/>
+            </a:xfrm>
+            <a:prstGeom prst="rect">
+              <a:avLst/>
+            </a:prstGeom>
+            <a:solidFill>
+              <a:schemeClr val="bg1"/>
+            </a:solidFill>
+            <a:ln>
+              <a:noFill/>
+            </a:ln>
+            <a:effectLst/>
+          </p:spPr>
+          <p:style>
+            <a:lnRef idx="1">
+              <a:schemeClr val="accent1"/>
+            </a:lnRef>
+            <a:fillRef idx="3">
+              <a:schemeClr val="accent1"/>
+            </a:fillRef>
+            <a:effectRef idx="2">
+              <a:schemeClr val="accent1"/>
+            </a:effectRef>
+            <a:fontRef idx="minor">
+              <a:schemeClr val="lt1"/>
+            </a:fontRef>
+          </p:style>
+          <p:txBody>
+            <a:bodyPr rtlCol="0" anchor="ctr"/>
+            <a:lstStyle/>
+            <a:p>
+              <a:pPr algn="ctr"/>
+              <a:endParaRPr lang="en-US" dirty="0"/>
+            </a:p>
+          </p:txBody>
+        </p:sp>
+        <p:pic>
+          <p:nvPicPr>
+            <p:cNvPr id="11" name="Picture 10">
+              <a:extLst>
+                <a:ext uri="{FF2B5EF4-FFF2-40B4-BE49-F238E27FC236}">
+                  <a16:creationId xmlns:a16="http://schemas.microsoft.com/office/drawing/2014/main" id="{5C289915-3324-9548-8727-D2EA4351F415}"/>
+                </a:ext>
+              </a:extLst>
+            </p:cNvPr>
+            <p:cNvPicPr>
+              <a:picLocks noChangeAspect="1"/>
+            </p:cNvPicPr>
+            <p:nvPr/>
+          </p:nvPicPr>
+          <p:blipFill>
+            <a:blip r:embed="rId3"/>
+            <a:stretch>
+              <a:fillRect/>
+            </a:stretch>
+          </p:blipFill>
+          <p:spPr>
+            <a:xfrm>
+              <a:off x="3730830" y="5754534"/>
+              <a:ext cx="431800" cy="292100"/>
+            </a:xfrm>
+            <a:prstGeom prst="rect">
+              <a:avLst/>
+            </a:prstGeom>
+          </p:spPr>
+        </p:pic>
+      </p:grpSp>
+      <p:grpSp>
+        <p:nvGrpSpPr>
+          <p:cNvPr id="12" name="Group 11">
+            <a:extLst>
+              <a:ext uri="{FF2B5EF4-FFF2-40B4-BE49-F238E27FC236}">
+                <a16:creationId xmlns:a16="http://schemas.microsoft.com/office/drawing/2014/main" id="{0E101A39-3FAA-7B40-B210-0B43E6ABA347}"/>
+              </a:ext>
+            </a:extLst>
+          </p:cNvPr>
+          <p:cNvGrpSpPr/>
+          <p:nvPr/>
+        </p:nvGrpSpPr>
+        <p:grpSpPr>
+          <a:xfrm>
+            <a:off x="29497" y="3248946"/>
+            <a:ext cx="357368" cy="320051"/>
+            <a:chOff x="5601314" y="5700049"/>
+            <a:chExt cx="419101" cy="346585"/>
+          </a:xfrm>
+        </p:grpSpPr>
+        <p:sp>
+          <p:nvSpPr>
+            <p:cNvPr id="13" name="Rectangle 12">
+              <a:extLst>
+                <a:ext uri="{FF2B5EF4-FFF2-40B4-BE49-F238E27FC236}">
+                  <a16:creationId xmlns:a16="http://schemas.microsoft.com/office/drawing/2014/main" id="{7748C532-8DE4-A841-9908-5CB4C3495D32}"/>
+                </a:ext>
+              </a:extLst>
+            </p:cNvPr>
+            <p:cNvSpPr/>
+            <p:nvPr/>
+          </p:nvSpPr>
+          <p:spPr>
+            <a:xfrm>
+              <a:off x="5601315" y="5700049"/>
+              <a:ext cx="419100" cy="346585"/>
+            </a:xfrm>
+            <a:prstGeom prst="rect">
+              <a:avLst/>
+            </a:prstGeom>
+            <a:solidFill>
+              <a:schemeClr val="bg1"/>
+            </a:solidFill>
+            <a:ln>
+              <a:noFill/>
+            </a:ln>
+            <a:effectLst/>
+          </p:spPr>
+          <p:style>
+            <a:lnRef idx="1">
+              <a:schemeClr val="accent1"/>
+            </a:lnRef>
+            <a:fillRef idx="3">
+              <a:schemeClr val="accent1"/>
+            </a:fillRef>
+            <a:effectRef idx="2">
+              <a:schemeClr val="accent1"/>
+            </a:effectRef>
+            <a:fontRef idx="minor">
+              <a:schemeClr val="lt1"/>
+            </a:fontRef>
+          </p:style>
+          <p:txBody>
+            <a:bodyPr rtlCol="0" anchor="ctr"/>
+            <a:lstStyle/>
+            <a:p>
+              <a:pPr algn="ctr"/>
+              <a:endParaRPr lang="en-US" dirty="0"/>
+            </a:p>
+          </p:txBody>
+        </p:sp>
+        <p:pic>
+          <p:nvPicPr>
+            <p:cNvPr id="14" name="Picture 13">
+              <a:extLst>
+                <a:ext uri="{FF2B5EF4-FFF2-40B4-BE49-F238E27FC236}">
+                  <a16:creationId xmlns:a16="http://schemas.microsoft.com/office/drawing/2014/main" id="{F5DAD01A-153A-8A48-86E5-7C5445B696A8}"/>
+                </a:ext>
+              </a:extLst>
+            </p:cNvPr>
+            <p:cNvPicPr>
+              <a:picLocks noChangeAspect="1"/>
+            </p:cNvPicPr>
+            <p:nvPr/>
+          </p:nvPicPr>
+          <p:blipFill>
+            <a:blip r:embed="rId4"/>
+            <a:stretch>
+              <a:fillRect/>
+            </a:stretch>
+          </p:blipFill>
+          <p:spPr>
+            <a:xfrm>
+              <a:off x="5601314" y="5722784"/>
+              <a:ext cx="419100" cy="279400"/>
+            </a:xfrm>
+            <a:prstGeom prst="rect">
+              <a:avLst/>
+            </a:prstGeom>
+          </p:spPr>
+        </p:pic>
+      </p:grpSp>
     </p:spTree>
     <p:extLst>
       <p:ext uri="{BB962C8B-B14F-4D97-AF65-F5344CB8AC3E}">
-        <p14:creationId xmlns:p14="http://schemas.microsoft.com/office/powerpoint/2010/main" val="2361409727"/>
+        <p14:creationId xmlns:p14="http://schemas.microsoft.com/office/powerpoint/2010/main" val="605730682"/>
       </p:ext>
     </p:extLst>
   </p:cSld>
@@ -10082,10 +13438,10 @@
       </p:grpSpPr>
       <p:pic>
         <p:nvPicPr>
-          <p:cNvPr id="25602" name="Picture 2">
+          <p:cNvPr id="7174" name="Picture 6">
             <a:extLst>
               <a:ext uri="{FF2B5EF4-FFF2-40B4-BE49-F238E27FC236}">
-                <a16:creationId xmlns:a16="http://schemas.microsoft.com/office/drawing/2014/main" id="{13EBE3AE-09C6-2C4C-8F41-7979F3EF66A9}"/>
+                <a16:creationId xmlns:a16="http://schemas.microsoft.com/office/drawing/2014/main" id="{9608DB65-69E7-2746-9DC9-7FB4F5EC03B3}"/>
               </a:ext>
             </a:extLst>
           </p:cNvPr>
@@ -10109,8 +13465,8 @@
         </p:blipFill>
         <p:spPr bwMode="auto">
           <a:xfrm>
-            <a:off x="182563" y="0"/>
-            <a:ext cx="8777287" cy="6858000"/>
+            <a:off x="0" y="1746250"/>
+            <a:ext cx="9144000" cy="3365500"/>
           </a:xfrm>
           <a:prstGeom prst="rect">
             <a:avLst/>
@@ -10127,10 +13483,418 @@
           </a:extLst>
         </p:spPr>
       </p:pic>
+      <p:grpSp>
+        <p:nvGrpSpPr>
+          <p:cNvPr id="6" name="Group 5">
+            <a:extLst>
+              <a:ext uri="{FF2B5EF4-FFF2-40B4-BE49-F238E27FC236}">
+                <a16:creationId xmlns:a16="http://schemas.microsoft.com/office/drawing/2014/main" id="{FD528497-EA31-C740-AE9C-3866E661D848}"/>
+              </a:ext>
+            </a:extLst>
+          </p:cNvPr>
+          <p:cNvGrpSpPr/>
+          <p:nvPr/>
+        </p:nvGrpSpPr>
+        <p:grpSpPr>
+          <a:xfrm>
+            <a:off x="2196996" y="4934366"/>
+            <a:ext cx="368196" cy="299057"/>
+            <a:chOff x="3730830" y="5722784"/>
+            <a:chExt cx="431800" cy="323850"/>
+          </a:xfrm>
+        </p:grpSpPr>
+        <p:sp>
+          <p:nvSpPr>
+            <p:cNvPr id="7" name="Rectangle 6">
+              <a:extLst>
+                <a:ext uri="{FF2B5EF4-FFF2-40B4-BE49-F238E27FC236}">
+                  <a16:creationId xmlns:a16="http://schemas.microsoft.com/office/drawing/2014/main" id="{75D71733-65DA-F246-BC43-0FDE699812A2}"/>
+                </a:ext>
+              </a:extLst>
+            </p:cNvPr>
+            <p:cNvSpPr/>
+            <p:nvPr/>
+          </p:nvSpPr>
+          <p:spPr>
+            <a:xfrm>
+              <a:off x="3730830" y="5722784"/>
+              <a:ext cx="431800" cy="323850"/>
+            </a:xfrm>
+            <a:prstGeom prst="rect">
+              <a:avLst/>
+            </a:prstGeom>
+            <a:solidFill>
+              <a:schemeClr val="bg1"/>
+            </a:solidFill>
+            <a:ln>
+              <a:noFill/>
+            </a:ln>
+            <a:effectLst/>
+          </p:spPr>
+          <p:style>
+            <a:lnRef idx="1">
+              <a:schemeClr val="accent1"/>
+            </a:lnRef>
+            <a:fillRef idx="3">
+              <a:schemeClr val="accent1"/>
+            </a:fillRef>
+            <a:effectRef idx="2">
+              <a:schemeClr val="accent1"/>
+            </a:effectRef>
+            <a:fontRef idx="minor">
+              <a:schemeClr val="lt1"/>
+            </a:fontRef>
+          </p:style>
+          <p:txBody>
+            <a:bodyPr rtlCol="0" anchor="ctr"/>
+            <a:lstStyle/>
+            <a:p>
+              <a:pPr algn="ctr"/>
+              <a:endParaRPr lang="en-US" dirty="0"/>
+            </a:p>
+          </p:txBody>
+        </p:sp>
+        <p:pic>
+          <p:nvPicPr>
+            <p:cNvPr id="8" name="Picture 7">
+              <a:extLst>
+                <a:ext uri="{FF2B5EF4-FFF2-40B4-BE49-F238E27FC236}">
+                  <a16:creationId xmlns:a16="http://schemas.microsoft.com/office/drawing/2014/main" id="{315C5FA9-E17B-5E46-A4F2-DD3D4EABFEFF}"/>
+                </a:ext>
+              </a:extLst>
+            </p:cNvPr>
+            <p:cNvPicPr>
+              <a:picLocks noChangeAspect="1"/>
+            </p:cNvPicPr>
+            <p:nvPr/>
+          </p:nvPicPr>
+          <p:blipFill>
+            <a:blip r:embed="rId3"/>
+            <a:stretch>
+              <a:fillRect/>
+            </a:stretch>
+          </p:blipFill>
+          <p:spPr>
+            <a:xfrm>
+              <a:off x="3730830" y="5754534"/>
+              <a:ext cx="431800" cy="292100"/>
+            </a:xfrm>
+            <a:prstGeom prst="rect">
+              <a:avLst/>
+            </a:prstGeom>
+          </p:spPr>
+        </p:pic>
+      </p:grpSp>
+      <p:grpSp>
+        <p:nvGrpSpPr>
+          <p:cNvPr id="9" name="Group 8">
+            <a:extLst>
+              <a:ext uri="{FF2B5EF4-FFF2-40B4-BE49-F238E27FC236}">
+                <a16:creationId xmlns:a16="http://schemas.microsoft.com/office/drawing/2014/main" id="{4A04CCFE-FD86-3B4B-9084-64B14B6C26E4}"/>
+              </a:ext>
+            </a:extLst>
+          </p:cNvPr>
+          <p:cNvGrpSpPr/>
+          <p:nvPr/>
+        </p:nvGrpSpPr>
+        <p:grpSpPr>
+          <a:xfrm>
+            <a:off x="4704733" y="3255707"/>
+            <a:ext cx="357368" cy="320051"/>
+            <a:chOff x="5601314" y="5700049"/>
+            <a:chExt cx="419101" cy="346585"/>
+          </a:xfrm>
+        </p:grpSpPr>
+        <p:sp>
+          <p:nvSpPr>
+            <p:cNvPr id="10" name="Rectangle 9">
+              <a:extLst>
+                <a:ext uri="{FF2B5EF4-FFF2-40B4-BE49-F238E27FC236}">
+                  <a16:creationId xmlns:a16="http://schemas.microsoft.com/office/drawing/2014/main" id="{BDA7B928-6197-2F4D-8CE7-623C6277032E}"/>
+                </a:ext>
+              </a:extLst>
+            </p:cNvPr>
+            <p:cNvSpPr/>
+            <p:nvPr/>
+          </p:nvSpPr>
+          <p:spPr>
+            <a:xfrm>
+              <a:off x="5601315" y="5700049"/>
+              <a:ext cx="419100" cy="346585"/>
+            </a:xfrm>
+            <a:prstGeom prst="rect">
+              <a:avLst/>
+            </a:prstGeom>
+            <a:solidFill>
+              <a:schemeClr val="bg1"/>
+            </a:solidFill>
+            <a:ln>
+              <a:noFill/>
+            </a:ln>
+            <a:effectLst/>
+          </p:spPr>
+          <p:style>
+            <a:lnRef idx="1">
+              <a:schemeClr val="accent1"/>
+            </a:lnRef>
+            <a:fillRef idx="3">
+              <a:schemeClr val="accent1"/>
+            </a:fillRef>
+            <a:effectRef idx="2">
+              <a:schemeClr val="accent1"/>
+            </a:effectRef>
+            <a:fontRef idx="minor">
+              <a:schemeClr val="lt1"/>
+            </a:fontRef>
+          </p:style>
+          <p:txBody>
+            <a:bodyPr rtlCol="0" anchor="ctr"/>
+            <a:lstStyle/>
+            <a:p>
+              <a:pPr algn="ctr"/>
+              <a:endParaRPr lang="en-US" dirty="0"/>
+            </a:p>
+          </p:txBody>
+        </p:sp>
+        <p:pic>
+          <p:nvPicPr>
+            <p:cNvPr id="11" name="Picture 10">
+              <a:extLst>
+                <a:ext uri="{FF2B5EF4-FFF2-40B4-BE49-F238E27FC236}">
+                  <a16:creationId xmlns:a16="http://schemas.microsoft.com/office/drawing/2014/main" id="{A48BE89B-735D-0445-860D-5A82C1C7124B}"/>
+                </a:ext>
+              </a:extLst>
+            </p:cNvPr>
+            <p:cNvPicPr>
+              <a:picLocks noChangeAspect="1"/>
+            </p:cNvPicPr>
+            <p:nvPr/>
+          </p:nvPicPr>
+          <p:blipFill>
+            <a:blip r:embed="rId4"/>
+            <a:stretch>
+              <a:fillRect/>
+            </a:stretch>
+          </p:blipFill>
+          <p:spPr>
+            <a:xfrm>
+              <a:off x="5601314" y="5722784"/>
+              <a:ext cx="419100" cy="279400"/>
+            </a:xfrm>
+            <a:prstGeom prst="rect">
+              <a:avLst/>
+            </a:prstGeom>
+          </p:spPr>
+        </p:pic>
+      </p:grpSp>
+      <p:grpSp>
+        <p:nvGrpSpPr>
+          <p:cNvPr id="12" name="Group 11">
+            <a:extLst>
+              <a:ext uri="{FF2B5EF4-FFF2-40B4-BE49-F238E27FC236}">
+                <a16:creationId xmlns:a16="http://schemas.microsoft.com/office/drawing/2014/main" id="{A661E104-8F5B-9A4C-98D5-3ADBFAFA3E1C}"/>
+              </a:ext>
+            </a:extLst>
+          </p:cNvPr>
+          <p:cNvGrpSpPr/>
+          <p:nvPr/>
+        </p:nvGrpSpPr>
+        <p:grpSpPr>
+          <a:xfrm>
+            <a:off x="6947004" y="4936620"/>
+            <a:ext cx="368196" cy="299057"/>
+            <a:chOff x="3730830" y="5722784"/>
+            <a:chExt cx="431800" cy="323850"/>
+          </a:xfrm>
+        </p:grpSpPr>
+        <p:sp>
+          <p:nvSpPr>
+            <p:cNvPr id="13" name="Rectangle 12">
+              <a:extLst>
+                <a:ext uri="{FF2B5EF4-FFF2-40B4-BE49-F238E27FC236}">
+                  <a16:creationId xmlns:a16="http://schemas.microsoft.com/office/drawing/2014/main" id="{95DB03F4-B97A-1744-9924-2DF1B7957E8A}"/>
+                </a:ext>
+              </a:extLst>
+            </p:cNvPr>
+            <p:cNvSpPr/>
+            <p:nvPr/>
+          </p:nvSpPr>
+          <p:spPr>
+            <a:xfrm>
+              <a:off x="3730830" y="5722784"/>
+              <a:ext cx="431800" cy="323850"/>
+            </a:xfrm>
+            <a:prstGeom prst="rect">
+              <a:avLst/>
+            </a:prstGeom>
+            <a:solidFill>
+              <a:schemeClr val="bg1"/>
+            </a:solidFill>
+            <a:ln>
+              <a:noFill/>
+            </a:ln>
+            <a:effectLst/>
+          </p:spPr>
+          <p:style>
+            <a:lnRef idx="1">
+              <a:schemeClr val="accent1"/>
+            </a:lnRef>
+            <a:fillRef idx="3">
+              <a:schemeClr val="accent1"/>
+            </a:fillRef>
+            <a:effectRef idx="2">
+              <a:schemeClr val="accent1"/>
+            </a:effectRef>
+            <a:fontRef idx="minor">
+              <a:schemeClr val="lt1"/>
+            </a:fontRef>
+          </p:style>
+          <p:txBody>
+            <a:bodyPr rtlCol="0" anchor="ctr"/>
+            <a:lstStyle/>
+            <a:p>
+              <a:pPr algn="ctr"/>
+              <a:endParaRPr lang="en-US" dirty="0"/>
+            </a:p>
+          </p:txBody>
+        </p:sp>
+        <p:pic>
+          <p:nvPicPr>
+            <p:cNvPr id="14" name="Picture 13">
+              <a:extLst>
+                <a:ext uri="{FF2B5EF4-FFF2-40B4-BE49-F238E27FC236}">
+                  <a16:creationId xmlns:a16="http://schemas.microsoft.com/office/drawing/2014/main" id="{9751773F-BFA7-8646-A571-C3EAF75760D1}"/>
+                </a:ext>
+              </a:extLst>
+            </p:cNvPr>
+            <p:cNvPicPr>
+              <a:picLocks noChangeAspect="1"/>
+            </p:cNvPicPr>
+            <p:nvPr/>
+          </p:nvPicPr>
+          <p:blipFill>
+            <a:blip r:embed="rId3"/>
+            <a:stretch>
+              <a:fillRect/>
+            </a:stretch>
+          </p:blipFill>
+          <p:spPr>
+            <a:xfrm>
+              <a:off x="3730830" y="5754534"/>
+              <a:ext cx="431800" cy="292100"/>
+            </a:xfrm>
+            <a:prstGeom prst="rect">
+              <a:avLst/>
+            </a:prstGeom>
+          </p:spPr>
+        </p:pic>
+      </p:grpSp>
+      <p:grpSp>
+        <p:nvGrpSpPr>
+          <p:cNvPr id="15" name="Group 14">
+            <a:extLst>
+              <a:ext uri="{FF2B5EF4-FFF2-40B4-BE49-F238E27FC236}">
+                <a16:creationId xmlns:a16="http://schemas.microsoft.com/office/drawing/2014/main" id="{0DF33D77-FE43-CB4D-AA56-2D69C9C8520C}"/>
+              </a:ext>
+            </a:extLst>
+          </p:cNvPr>
+          <p:cNvGrpSpPr/>
+          <p:nvPr/>
+        </p:nvGrpSpPr>
+        <p:grpSpPr>
+          <a:xfrm>
+            <a:off x="29497" y="3248946"/>
+            <a:ext cx="357368" cy="320051"/>
+            <a:chOff x="5601314" y="5700049"/>
+            <a:chExt cx="419101" cy="346585"/>
+          </a:xfrm>
+        </p:grpSpPr>
+        <p:sp>
+          <p:nvSpPr>
+            <p:cNvPr id="16" name="Rectangle 15">
+              <a:extLst>
+                <a:ext uri="{FF2B5EF4-FFF2-40B4-BE49-F238E27FC236}">
+                  <a16:creationId xmlns:a16="http://schemas.microsoft.com/office/drawing/2014/main" id="{DEDB2C80-CB4C-F642-B6DA-A04D65D8D20F}"/>
+                </a:ext>
+              </a:extLst>
+            </p:cNvPr>
+            <p:cNvSpPr/>
+            <p:nvPr/>
+          </p:nvSpPr>
+          <p:spPr>
+            <a:xfrm>
+              <a:off x="5601315" y="5700049"/>
+              <a:ext cx="419100" cy="346585"/>
+            </a:xfrm>
+            <a:prstGeom prst="rect">
+              <a:avLst/>
+            </a:prstGeom>
+            <a:solidFill>
+              <a:schemeClr val="bg1"/>
+            </a:solidFill>
+            <a:ln>
+              <a:noFill/>
+            </a:ln>
+            <a:effectLst/>
+          </p:spPr>
+          <p:style>
+            <a:lnRef idx="1">
+              <a:schemeClr val="accent1"/>
+            </a:lnRef>
+            <a:fillRef idx="3">
+              <a:schemeClr val="accent1"/>
+            </a:fillRef>
+            <a:effectRef idx="2">
+              <a:schemeClr val="accent1"/>
+            </a:effectRef>
+            <a:fontRef idx="minor">
+              <a:schemeClr val="lt1"/>
+            </a:fontRef>
+          </p:style>
+          <p:txBody>
+            <a:bodyPr rtlCol="0" anchor="ctr"/>
+            <a:lstStyle/>
+            <a:p>
+              <a:pPr algn="ctr"/>
+              <a:endParaRPr lang="en-US" dirty="0"/>
+            </a:p>
+          </p:txBody>
+        </p:sp>
+        <p:pic>
+          <p:nvPicPr>
+            <p:cNvPr id="17" name="Picture 16">
+              <a:extLst>
+                <a:ext uri="{FF2B5EF4-FFF2-40B4-BE49-F238E27FC236}">
+                  <a16:creationId xmlns:a16="http://schemas.microsoft.com/office/drawing/2014/main" id="{4D3607C0-A283-934F-89BA-F675D6DE8AB8}"/>
+                </a:ext>
+              </a:extLst>
+            </p:cNvPr>
+            <p:cNvPicPr>
+              <a:picLocks noChangeAspect="1"/>
+            </p:cNvPicPr>
+            <p:nvPr/>
+          </p:nvPicPr>
+          <p:blipFill>
+            <a:blip r:embed="rId4"/>
+            <a:stretch>
+              <a:fillRect/>
+            </a:stretch>
+          </p:blipFill>
+          <p:spPr>
+            <a:xfrm>
+              <a:off x="5601314" y="5722784"/>
+              <a:ext cx="419100" cy="279400"/>
+            </a:xfrm>
+            <a:prstGeom prst="rect">
+              <a:avLst/>
+            </a:prstGeom>
+          </p:spPr>
+        </p:pic>
+      </p:grpSp>
     </p:spTree>
     <p:extLst>
       <p:ext uri="{BB962C8B-B14F-4D97-AF65-F5344CB8AC3E}">
-        <p14:creationId xmlns:p14="http://schemas.microsoft.com/office/powerpoint/2010/main" val="3037374682"/>
+        <p14:creationId xmlns:p14="http://schemas.microsoft.com/office/powerpoint/2010/main" val="2361409727"/>
       </p:ext>
     </p:extLst>
   </p:cSld>
@@ -10318,60 +14082,57 @@
           <a:chExt cx="0" cy="0"/>
         </a:xfrm>
       </p:grpSpPr>
-      <p:sp>
-        <p:nvSpPr>
-          <p:cNvPr id="4" name="TextBox 3"/>
-          <p:cNvSpPr txBox="1"/>
-          <p:nvPr/>
-        </p:nvSpPr>
-        <p:spPr>
-          <a:xfrm>
-            <a:off x="753584" y="640718"/>
-            <a:ext cx="3267241" cy="646331"/>
+      <p:pic>
+        <p:nvPicPr>
+          <p:cNvPr id="25602" name="Picture 2">
+            <a:extLst>
+              <a:ext uri="{FF2B5EF4-FFF2-40B4-BE49-F238E27FC236}">
+                <a16:creationId xmlns:a16="http://schemas.microsoft.com/office/drawing/2014/main" id="{13EBE3AE-09C6-2C4C-8F41-7979F3EF66A9}"/>
+              </a:ext>
+            </a:extLst>
+          </p:cNvPr>
+          <p:cNvPicPr>
+            <a:picLocks noChangeAspect="1" noChangeArrowheads="1"/>
+          </p:cNvPicPr>
+          <p:nvPr/>
+        </p:nvPicPr>
+        <p:blipFill>
+          <a:blip r:embed="rId2">
+            <a:extLst>
+              <a:ext uri="{28A0092B-C50C-407E-A947-70E740481C1C}">
+                <a14:useLocalDpi xmlns:a14="http://schemas.microsoft.com/office/drawing/2010/main" val="0"/>
+              </a:ext>
+            </a:extLst>
+          </a:blip>
+          <a:srcRect/>
+          <a:stretch>
+            <a:fillRect/>
+          </a:stretch>
+        </p:blipFill>
+        <p:spPr bwMode="auto">
+          <a:xfrm>
+            <a:off x="182563" y="0"/>
+            <a:ext cx="8777287" cy="6858000"/>
           </a:xfrm>
           <a:prstGeom prst="rect">
             <a:avLst/>
           </a:prstGeom>
           <a:noFill/>
-        </p:spPr>
-        <p:txBody>
-          <a:bodyPr wrap="none" rtlCol="0">
-            <a:spAutoFit/>
-          </a:bodyPr>
-          <a:lstStyle/>
-          <a:p>
-            <a:r>
-              <a:rPr lang="es-ES_tradnl" sz="3600" dirty="0" err="1">
-                <a:latin typeface="Trebuchet MS"/>
-                <a:cs typeface="Trebuchet MS"/>
-              </a:rPr>
-              <a:t>Random</a:t>
-            </a:r>
-            <a:r>
-              <a:rPr lang="es-ES_tradnl" sz="3600" dirty="0">
-                <a:latin typeface="Trebuchet MS"/>
-                <a:cs typeface="Trebuchet MS"/>
-              </a:rPr>
-              <a:t> </a:t>
-            </a:r>
-            <a:r>
-              <a:rPr lang="es-ES_tradnl" sz="3600" dirty="0" err="1">
-                <a:latin typeface="Trebuchet MS"/>
-                <a:cs typeface="Trebuchet MS"/>
-              </a:rPr>
-              <a:t>Forest</a:t>
-            </a:r>
-            <a:endParaRPr lang="es-ES_tradnl" sz="3600" dirty="0">
-              <a:latin typeface="Trebuchet MS"/>
-              <a:cs typeface="Trebuchet MS"/>
-            </a:endParaRPr>
-          </a:p>
-        </p:txBody>
-      </p:sp>
+          <a:extLst>
+            <a:ext uri="{909E8E84-426E-40DD-AFC4-6F175D3DCCD1}">
+              <a14:hiddenFill xmlns:a14="http://schemas.microsoft.com/office/drawing/2010/main">
+                <a:solidFill>
+                  <a:srgbClr val="FFFFFF"/>
+                </a:solidFill>
+              </a14:hiddenFill>
+            </a:ext>
+          </a:extLst>
+        </p:spPr>
+      </p:pic>
     </p:spTree>
     <p:extLst>
       <p:ext uri="{BB962C8B-B14F-4D97-AF65-F5344CB8AC3E}">
-        <p14:creationId xmlns:p14="http://schemas.microsoft.com/office/powerpoint/2010/main" val="1266786083"/>
+        <p14:creationId xmlns:p14="http://schemas.microsoft.com/office/powerpoint/2010/main" val="3037374682"/>
       </p:ext>
     </p:extLst>
   </p:cSld>
@@ -10448,105 +14209,10 @@
           </a:p>
         </p:txBody>
       </p:sp>
-      <p:sp>
-        <p:nvSpPr>
-          <p:cNvPr id="3" name="TextBox 2">
-            <a:extLst>
-              <a:ext uri="{FF2B5EF4-FFF2-40B4-BE49-F238E27FC236}">
-                <a16:creationId xmlns:a16="http://schemas.microsoft.com/office/drawing/2014/main" id="{2A482D74-B106-AB42-8BD5-F606773D27C1}"/>
-              </a:ext>
-            </a:extLst>
-          </p:cNvPr>
-          <p:cNvSpPr txBox="1"/>
-          <p:nvPr/>
-        </p:nvSpPr>
-        <p:spPr>
-          <a:xfrm>
-            <a:off x="753584" y="1478732"/>
-            <a:ext cx="8178842" cy="2185214"/>
-          </a:xfrm>
-          <a:prstGeom prst="rect">
-            <a:avLst/>
-          </a:prstGeom>
-          <a:noFill/>
-        </p:spPr>
-        <p:txBody>
-          <a:bodyPr wrap="none" rtlCol="0">
-            <a:spAutoFit/>
-          </a:bodyPr>
-          <a:lstStyle/>
-          <a:p>
-            <a:r>
-              <a:rPr lang="es-ES_tradnl" sz="2400" dirty="0">
-                <a:solidFill>
-                  <a:srgbClr val="FF9300"/>
-                </a:solidFill>
-                <a:latin typeface="Trebuchet MS" panose="020B0703020202090204" pitchFamily="34" charset="0"/>
-              </a:rPr>
-              <a:t>TRAINING:</a:t>
-            </a:r>
-          </a:p>
-          <a:p>
-            <a:endParaRPr lang="es-ES_tradnl" sz="2400" dirty="0">
-              <a:latin typeface="Trebuchet MS" panose="020B0703020202090204" pitchFamily="34" charset="0"/>
-            </a:endParaRPr>
-          </a:p>
-          <a:p>
-            <a:r>
-              <a:rPr lang="es-ES_tradnl" sz="2400" dirty="0" err="1">
-                <a:latin typeface="Trebuchet MS" panose="020B0703020202090204" pitchFamily="34" charset="0"/>
-              </a:rPr>
-              <a:t>for</a:t>
-            </a:r>
-            <a:r>
-              <a:rPr lang="es-ES_tradnl" sz="2400" dirty="0">
-                <a:latin typeface="Trebuchet MS" panose="020B0703020202090204" pitchFamily="34" charset="0"/>
-              </a:rPr>
-              <a:t> i = 1 to n</a:t>
-            </a:r>
-          </a:p>
-          <a:p>
-            <a:r>
-              <a:rPr lang="es-ES_tradnl" sz="2400" dirty="0">
-                <a:latin typeface="Trebuchet MS" panose="020B0703020202090204" pitchFamily="34" charset="0"/>
-              </a:rPr>
-              <a:t>	Escoger aleatoriamente un subconjunto de training</a:t>
-            </a:r>
-          </a:p>
-          <a:p>
-            <a:r>
-              <a:rPr lang="es-ES_tradnl" sz="2400" dirty="0">
-                <a:latin typeface="Trebuchet MS" panose="020B0703020202090204" pitchFamily="34" charset="0"/>
-              </a:rPr>
-              <a:t>	Entrenar un árbol de decisión </a:t>
-            </a:r>
-            <a:r>
-              <a:rPr lang="es-ES_tradnl" sz="2400" dirty="0" err="1">
-                <a:latin typeface="Trebuchet MS" panose="020B0703020202090204" pitchFamily="34" charset="0"/>
-              </a:rPr>
-              <a:t>A</a:t>
-            </a:r>
-            <a:r>
-              <a:rPr lang="es-ES_tradnl" sz="2400" baseline="-25000" dirty="0" err="1">
-                <a:latin typeface="Trebuchet MS" panose="020B0703020202090204" pitchFamily="34" charset="0"/>
-              </a:rPr>
-              <a:t>i</a:t>
-            </a:r>
-            <a:endParaRPr lang="es-ES_tradnl" sz="2400" dirty="0">
-              <a:latin typeface="Trebuchet MS" panose="020B0703020202090204" pitchFamily="34" charset="0"/>
-            </a:endParaRPr>
-          </a:p>
-          <a:p>
-            <a:endParaRPr lang="es-ES_tradnl" sz="2400" baseline="-25000" dirty="0">
-              <a:latin typeface="Trebuchet MS" panose="020B0703020202090204" pitchFamily="34" charset="0"/>
-            </a:endParaRPr>
-          </a:p>
-        </p:txBody>
-      </p:sp>
     </p:spTree>
     <p:extLst>
       <p:ext uri="{BB962C8B-B14F-4D97-AF65-F5344CB8AC3E}">
-        <p14:creationId xmlns:p14="http://schemas.microsoft.com/office/powerpoint/2010/main" val="3999315759"/>
+        <p14:creationId xmlns:p14="http://schemas.microsoft.com/office/powerpoint/2010/main" val="1266786083"/>
       </p:ext>
     </p:extLst>
   </p:cSld>
@@ -10638,7 +14304,7 @@
         <p:spPr>
           <a:xfrm>
             <a:off x="753584" y="1478732"/>
-            <a:ext cx="8178842" cy="4647426"/>
+            <a:ext cx="8178842" cy="2185214"/>
           </a:xfrm>
           <a:prstGeom prst="rect">
             <a:avLst/>
@@ -10716,95 +14382,12 @@
               <a:latin typeface="Trebuchet MS" panose="020B0703020202090204" pitchFamily="34" charset="0"/>
             </a:endParaRPr>
           </a:p>
-          <a:p>
-            <a:endParaRPr lang="es-ES_tradnl" sz="2400" baseline="-25000" dirty="0">
-              <a:latin typeface="Trebuchet MS" panose="020B0703020202090204" pitchFamily="34" charset="0"/>
-            </a:endParaRPr>
-          </a:p>
-          <a:p>
-            <a:r>
-              <a:rPr lang="es-ES_tradnl" sz="2400" dirty="0">
-                <a:solidFill>
-                  <a:srgbClr val="FF9300"/>
-                </a:solidFill>
-                <a:latin typeface="Trebuchet MS" panose="020B0703020202090204" pitchFamily="34" charset="0"/>
-              </a:rPr>
-              <a:t>TESTING:</a:t>
-            </a:r>
-          </a:p>
-          <a:p>
-            <a:endParaRPr lang="es-ES_tradnl" sz="2400" dirty="0">
-              <a:latin typeface="Trebuchet MS" panose="020B0703020202090204" pitchFamily="34" charset="0"/>
-            </a:endParaRPr>
-          </a:p>
-          <a:p>
-            <a:r>
-              <a:rPr lang="es-ES_tradnl" sz="2400" dirty="0" err="1">
-                <a:latin typeface="Trebuchet MS" panose="020B0703020202090204" pitchFamily="34" charset="0"/>
-              </a:rPr>
-              <a:t>for</a:t>
-            </a:r>
-            <a:r>
-              <a:rPr lang="es-ES_tradnl" sz="2400" dirty="0">
-                <a:latin typeface="Trebuchet MS" panose="020B0703020202090204" pitchFamily="34" charset="0"/>
-              </a:rPr>
-              <a:t> i = 1 to n</a:t>
-            </a:r>
-          </a:p>
-          <a:p>
-            <a:r>
-              <a:rPr lang="es-ES_tradnl" sz="2400" dirty="0">
-                <a:latin typeface="Trebuchet MS" panose="020B0703020202090204" pitchFamily="34" charset="0"/>
-              </a:rPr>
-              <a:t>	Clasificar la muestra de </a:t>
-            </a:r>
-            <a:r>
-              <a:rPr lang="es-ES_tradnl" sz="2400" dirty="0" err="1">
-                <a:latin typeface="Trebuchet MS" panose="020B0703020202090204" pitchFamily="34" charset="0"/>
-              </a:rPr>
-              <a:t>testing</a:t>
-            </a:r>
-            <a:r>
-              <a:rPr lang="es-ES_tradnl" sz="2400" dirty="0">
-                <a:latin typeface="Trebuchet MS" panose="020B0703020202090204" pitchFamily="34" charset="0"/>
-              </a:rPr>
-              <a:t> usando </a:t>
-            </a:r>
-            <a:r>
-              <a:rPr lang="es-ES_tradnl" sz="2400" dirty="0" err="1">
-                <a:latin typeface="Trebuchet MS" panose="020B0703020202090204" pitchFamily="34" charset="0"/>
-              </a:rPr>
-              <a:t>A</a:t>
-            </a:r>
-            <a:r>
-              <a:rPr lang="es-ES_tradnl" sz="2400" baseline="-25000" dirty="0" err="1">
-                <a:latin typeface="Trebuchet MS" panose="020B0703020202090204" pitchFamily="34" charset="0"/>
-              </a:rPr>
-              <a:t>i</a:t>
-            </a:r>
-            <a:endParaRPr lang="es-ES_tradnl" sz="2400" baseline="-25000" dirty="0">
-              <a:latin typeface="Trebuchet MS" panose="020B0703020202090204" pitchFamily="34" charset="0"/>
-            </a:endParaRPr>
-          </a:p>
-          <a:p>
-            <a:endParaRPr lang="es-ES_tradnl" sz="2400" dirty="0">
-              <a:latin typeface="Trebuchet MS" panose="020B0703020202090204" pitchFamily="34" charset="0"/>
-            </a:endParaRPr>
-          </a:p>
-          <a:p>
-            <a:r>
-              <a:rPr lang="es-ES_tradnl" sz="2400" dirty="0">
-                <a:latin typeface="Trebuchet MS" panose="020B0703020202090204" pitchFamily="34" charset="0"/>
-              </a:rPr>
-              <a:t>Clasificar la muestra según la mayoría de los n votos</a:t>
-            </a:r>
-          </a:p>
         </p:txBody>
       </p:sp>
     </p:spTree>
     <p:extLst>
       <p:ext uri="{BB962C8B-B14F-4D97-AF65-F5344CB8AC3E}">
-        <p14:creationId xmlns:p14="http://schemas.microsoft.com/office/powerpoint/2010/main" val="3815668414"/>
+        <p14:creationId xmlns:p14="http://schemas.microsoft.com/office/powerpoint/2010/main" val="3999315759"/>
       </p:ext>
     </p:extLst>
   </p:cSld>
@@ -10831,52 +14414,16 @@
           <a:chExt cx="0" cy="0"/>
         </a:xfrm>
       </p:grpSpPr>
-      <p:pic>
-        <p:nvPicPr>
-          <p:cNvPr id="6" name="Picture 5">
-            <a:extLst>
-              <a:ext uri="{FF2B5EF4-FFF2-40B4-BE49-F238E27FC236}">
-                <a16:creationId xmlns:a16="http://schemas.microsoft.com/office/drawing/2014/main" id="{5616E03C-DE2E-DE45-A4F7-571D4EF4D49C}"/>
-              </a:ext>
-            </a:extLst>
-          </p:cNvPr>
-          <p:cNvPicPr>
-            <a:picLocks noChangeAspect="1"/>
-          </p:cNvPicPr>
-          <p:nvPr/>
-        </p:nvPicPr>
-        <p:blipFill>
-          <a:blip r:embed="rId2"/>
-          <a:stretch>
-            <a:fillRect/>
-          </a:stretch>
-        </p:blipFill>
-        <p:spPr>
-          <a:xfrm>
-            <a:off x="1187245" y="1490221"/>
-            <a:ext cx="6769510" cy="4945169"/>
-          </a:xfrm>
-          <a:prstGeom prst="rect">
-            <a:avLst/>
-          </a:prstGeom>
-        </p:spPr>
-      </p:pic>
       <p:sp>
         <p:nvSpPr>
-          <p:cNvPr id="7" name="TextBox 6">
-            <a:extLst>
-              <a:ext uri="{FF2B5EF4-FFF2-40B4-BE49-F238E27FC236}">
-                <a16:creationId xmlns:a16="http://schemas.microsoft.com/office/drawing/2014/main" id="{3D3AEABF-992B-DC41-8DF2-869DE54AADA1}"/>
-              </a:ext>
-            </a:extLst>
-          </p:cNvPr>
+          <p:cNvPr id="4" name="TextBox 3"/>
           <p:cNvSpPr txBox="1"/>
           <p:nvPr/>
         </p:nvSpPr>
         <p:spPr>
           <a:xfrm>
-            <a:off x="0" y="6550223"/>
-            <a:ext cx="4557658" cy="307777"/>
+            <a:off x="753584" y="640718"/>
+            <a:ext cx="3267241" cy="646331"/>
           </a:xfrm>
           <a:prstGeom prst="rect">
             <a:avLst/>
@@ -10890,41 +14437,39 @@
           <a:lstStyle/>
           <a:p>
             <a:r>
-              <a:rPr lang="en-US" sz="1400" dirty="0">
-                <a:solidFill>
-                  <a:schemeClr val="bg2"/>
-                </a:solidFill>
-                <a:latin typeface="Consolas" panose="020B0609020204030204" pitchFamily="49" charset="0"/>
-                <a:cs typeface="Consolas" panose="020B0609020204030204" pitchFamily="49" charset="0"/>
-                <a:hlinkClick r:id="rId3">
-                  <a:extLst>
-                    <a:ext uri="{A12FA001-AC4F-418D-AE19-62706E023703}">
-                      <ahyp:hlinkClr xmlns:ahyp="http://schemas.microsoft.com/office/drawing/2018/hyperlinkcolor" val="tx"/>
-                    </a:ext>
-                  </a:extLst>
-                </a:hlinkClick>
+              <a:rPr lang="es-ES_tradnl" sz="3600" dirty="0" err="1">
+                <a:latin typeface="Trebuchet MS"/>
+                <a:cs typeface="Trebuchet MS"/>
               </a:rPr>
-              <a:t>https://en.wikipedia.org/wiki/Random_forest</a:t>
-            </a:r>
-            <a:r>
-              <a:rPr lang="en-US" sz="1400" dirty="0">
-                <a:solidFill>
-                  <a:schemeClr val="bg2"/>
-                </a:solidFill>
-                <a:latin typeface="Consolas" panose="020B0609020204030204" pitchFamily="49" charset="0"/>
-                <a:cs typeface="Consolas" panose="020B0609020204030204" pitchFamily="49" charset="0"/>
+              <a:t>Random</a:t>
+            </a:r>
+            <a:r>
+              <a:rPr lang="es-ES_tradnl" sz="3600" dirty="0">
+                <a:latin typeface="Trebuchet MS"/>
+                <a:cs typeface="Trebuchet MS"/>
               </a:rPr>
               <a:t> </a:t>
             </a:r>
+            <a:r>
+              <a:rPr lang="es-ES_tradnl" sz="3600" dirty="0" err="1">
+                <a:latin typeface="Trebuchet MS"/>
+                <a:cs typeface="Trebuchet MS"/>
+              </a:rPr>
+              <a:t>Forest</a:t>
+            </a:r>
+            <a:endParaRPr lang="es-ES_tradnl" sz="3600" dirty="0">
+              <a:latin typeface="Trebuchet MS"/>
+              <a:cs typeface="Trebuchet MS"/>
+            </a:endParaRPr>
           </a:p>
         </p:txBody>
       </p:sp>
       <p:sp>
         <p:nvSpPr>
-          <p:cNvPr id="8" name="TextBox 7">
+          <p:cNvPr id="3" name="TextBox 2">
             <a:extLst>
               <a:ext uri="{FF2B5EF4-FFF2-40B4-BE49-F238E27FC236}">
-                <a16:creationId xmlns:a16="http://schemas.microsoft.com/office/drawing/2014/main" id="{24F25063-9425-9848-A2AB-20492D219967}"/>
+                <a16:creationId xmlns:a16="http://schemas.microsoft.com/office/drawing/2014/main" id="{2A482D74-B106-AB42-8BD5-F606773D27C1}"/>
               </a:ext>
             </a:extLst>
           </p:cNvPr>
@@ -10933,8 +14478,8 @@
         </p:nvSpPr>
         <p:spPr>
           <a:xfrm>
-            <a:off x="753584" y="640718"/>
-            <a:ext cx="3267241" cy="646331"/>
+            <a:off x="753584" y="1478732"/>
+            <a:ext cx="8178842" cy="4647426"/>
           </a:xfrm>
           <a:prstGeom prst="rect">
             <a:avLst/>
@@ -10948,37 +14493,159 @@
           <a:lstStyle/>
           <a:p>
             <a:r>
-              <a:rPr lang="es-ES_tradnl" sz="3600" dirty="0" err="1">
-                <a:latin typeface="Trebuchet MS"/>
-                <a:cs typeface="Trebuchet MS"/>
+              <a:rPr lang="es-ES_tradnl" sz="2400" dirty="0">
+                <a:solidFill>
+                  <a:srgbClr val="FF9300"/>
+                </a:solidFill>
+                <a:latin typeface="Trebuchet MS" panose="020B0703020202090204" pitchFamily="34" charset="0"/>
               </a:rPr>
-              <a:t>Random</a:t>
-            </a:r>
-            <a:r>
-              <a:rPr lang="es-ES_tradnl" sz="3600" dirty="0">
-                <a:latin typeface="Trebuchet MS"/>
-                <a:cs typeface="Trebuchet MS"/>
+              <a:t>TRAINING:</a:t>
+            </a:r>
+          </a:p>
+          <a:p>
+            <a:endParaRPr lang="es-ES_tradnl" sz="2400" dirty="0">
+              <a:latin typeface="Trebuchet MS" panose="020B0703020202090204" pitchFamily="34" charset="0"/>
+            </a:endParaRPr>
+          </a:p>
+          <a:p>
+            <a:r>
+              <a:rPr lang="es-ES_tradnl" sz="2400" dirty="0" err="1">
+                <a:latin typeface="Trebuchet MS" panose="020B0703020202090204" pitchFamily="34" charset="0"/>
               </a:rPr>
-              <a:t> </a:t>
-            </a:r>
-            <a:r>
-              <a:rPr lang="es-ES_tradnl" sz="3600" dirty="0" err="1">
-                <a:latin typeface="Trebuchet MS"/>
-                <a:cs typeface="Trebuchet MS"/>
+              <a:t>for</a:t>
+            </a:r>
+            <a:r>
+              <a:rPr lang="es-ES_tradnl" sz="2400" dirty="0">
+                <a:latin typeface="Trebuchet MS" panose="020B0703020202090204" pitchFamily="34" charset="0"/>
               </a:rPr>
-              <a:t>Forest</a:t>
-            </a:r>
-            <a:endParaRPr lang="es-ES_tradnl" sz="3600" dirty="0">
-              <a:latin typeface="Trebuchet MS"/>
-              <a:cs typeface="Trebuchet MS"/>
+              <a:t> i = 1 to n</a:t>
+            </a:r>
+          </a:p>
+          <a:p>
+            <a:r>
+              <a:rPr lang="es-ES_tradnl" sz="2400" dirty="0">
+                <a:latin typeface="Trebuchet MS" panose="020B0703020202090204" pitchFamily="34" charset="0"/>
+              </a:rPr>
+              <a:t>	Escoger aleatoriamente un subconjunto de training</a:t>
+            </a:r>
+          </a:p>
+          <a:p>
+            <a:r>
+              <a:rPr lang="es-ES_tradnl" sz="2400" dirty="0">
+                <a:latin typeface="Trebuchet MS" panose="020B0703020202090204" pitchFamily="34" charset="0"/>
+              </a:rPr>
+              <a:t>	Entrenar un árbol de decisión </a:t>
+            </a:r>
+            <a:r>
+              <a:rPr lang="es-ES_tradnl" sz="2400" dirty="0" err="1">
+                <a:latin typeface="Trebuchet MS" panose="020B0703020202090204" pitchFamily="34" charset="0"/>
+              </a:rPr>
+              <a:t>A</a:t>
+            </a:r>
+            <a:r>
+              <a:rPr lang="es-ES_tradnl" sz="2400" baseline="-25000" dirty="0" err="1">
+                <a:latin typeface="Trebuchet MS" panose="020B0703020202090204" pitchFamily="34" charset="0"/>
+              </a:rPr>
+              <a:t>i</a:t>
+            </a:r>
+            <a:endParaRPr lang="es-ES_tradnl" sz="2400" dirty="0">
+              <a:latin typeface="Trebuchet MS" panose="020B0703020202090204" pitchFamily="34" charset="0"/>
             </a:endParaRPr>
+          </a:p>
+          <a:p>
+            <a:endParaRPr lang="es-ES_tradnl" sz="2400" baseline="-25000" dirty="0">
+              <a:latin typeface="Trebuchet MS" panose="020B0703020202090204" pitchFamily="34" charset="0"/>
+            </a:endParaRPr>
+          </a:p>
+          <a:p>
+            <a:endParaRPr lang="es-ES_tradnl" sz="2400" baseline="-25000" dirty="0">
+              <a:latin typeface="Trebuchet MS" panose="020B0703020202090204" pitchFamily="34" charset="0"/>
+            </a:endParaRPr>
+          </a:p>
+          <a:p>
+            <a:r>
+              <a:rPr lang="es-ES_tradnl" sz="2400" dirty="0">
+                <a:solidFill>
+                  <a:srgbClr val="FF9300"/>
+                </a:solidFill>
+                <a:latin typeface="Trebuchet MS" panose="020B0703020202090204" pitchFamily="34" charset="0"/>
+              </a:rPr>
+              <a:t>TESTING:</a:t>
+            </a:r>
+          </a:p>
+          <a:p>
+            <a:endParaRPr lang="es-ES_tradnl" sz="2400" dirty="0">
+              <a:latin typeface="Trebuchet MS" panose="020B0703020202090204" pitchFamily="34" charset="0"/>
+            </a:endParaRPr>
+          </a:p>
+          <a:p>
+            <a:r>
+              <a:rPr lang="es-ES_tradnl" sz="2400" dirty="0" err="1">
+                <a:latin typeface="Trebuchet MS" panose="020B0703020202090204" pitchFamily="34" charset="0"/>
+              </a:rPr>
+              <a:t>for</a:t>
+            </a:r>
+            <a:r>
+              <a:rPr lang="es-ES_tradnl" sz="2400" dirty="0">
+                <a:latin typeface="Trebuchet MS" panose="020B0703020202090204" pitchFamily="34" charset="0"/>
+              </a:rPr>
+              <a:t> i = 1 to n</a:t>
+            </a:r>
+          </a:p>
+          <a:p>
+            <a:r>
+              <a:rPr lang="es-ES_tradnl" sz="2400" dirty="0">
+                <a:latin typeface="Trebuchet MS" panose="020B0703020202090204" pitchFamily="34" charset="0"/>
+              </a:rPr>
+              <a:t>	Clasificar la muestra de </a:t>
+            </a:r>
+            <a:r>
+              <a:rPr lang="es-ES_tradnl" sz="2400" dirty="0" err="1">
+                <a:latin typeface="Trebuchet MS" panose="020B0703020202090204" pitchFamily="34" charset="0"/>
+              </a:rPr>
+              <a:t>testing</a:t>
+            </a:r>
+            <a:r>
+              <a:rPr lang="es-ES_tradnl" sz="2400" dirty="0">
+                <a:latin typeface="Trebuchet MS" panose="020B0703020202090204" pitchFamily="34" charset="0"/>
+              </a:rPr>
+              <a:t> usando </a:t>
+            </a:r>
+            <a:r>
+              <a:rPr lang="es-ES_tradnl" sz="2400" dirty="0" err="1">
+                <a:latin typeface="Trebuchet MS" panose="020B0703020202090204" pitchFamily="34" charset="0"/>
+              </a:rPr>
+              <a:t>A</a:t>
+            </a:r>
+            <a:r>
+              <a:rPr lang="es-ES_tradnl" sz="2400" baseline="-25000" dirty="0" err="1">
+                <a:latin typeface="Trebuchet MS" panose="020B0703020202090204" pitchFamily="34" charset="0"/>
+              </a:rPr>
+              <a:t>i</a:t>
+            </a:r>
+            <a:endParaRPr lang="es-ES_tradnl" sz="2400" baseline="-25000" dirty="0">
+              <a:latin typeface="Trebuchet MS" panose="020B0703020202090204" pitchFamily="34" charset="0"/>
+            </a:endParaRPr>
+          </a:p>
+          <a:p>
+            <a:endParaRPr lang="es-ES_tradnl" sz="2400" dirty="0">
+              <a:latin typeface="Trebuchet MS" panose="020B0703020202090204" pitchFamily="34" charset="0"/>
+            </a:endParaRPr>
+          </a:p>
+          <a:p>
+            <a:r>
+              <a:rPr lang="es-ES_tradnl" sz="2400" dirty="0">
+                <a:latin typeface="Trebuchet MS" panose="020B0703020202090204" pitchFamily="34" charset="0"/>
+              </a:rPr>
+              <a:t>Clasificar la muestra según la mayoría de los n votos</a:t>
+            </a:r>
           </a:p>
         </p:txBody>
       </p:sp>
     </p:spTree>
     <p:extLst>
       <p:ext uri="{BB962C8B-B14F-4D97-AF65-F5344CB8AC3E}">
-        <p14:creationId xmlns:p14="http://schemas.microsoft.com/office/powerpoint/2010/main" val="3113160063"/>
+        <p14:creationId xmlns:p14="http://schemas.microsoft.com/office/powerpoint/2010/main" val="3815668414"/>
       </p:ext>
     </p:extLst>
   </p:cSld>
@@ -11007,6 +14674,180 @@
       </p:grpSpPr>
       <p:pic>
         <p:nvPicPr>
+          <p:cNvPr id="6" name="Picture 5">
+            <a:extLst>
+              <a:ext uri="{FF2B5EF4-FFF2-40B4-BE49-F238E27FC236}">
+                <a16:creationId xmlns:a16="http://schemas.microsoft.com/office/drawing/2014/main" id="{5616E03C-DE2E-DE45-A4F7-571D4EF4D49C}"/>
+              </a:ext>
+            </a:extLst>
+          </p:cNvPr>
+          <p:cNvPicPr>
+            <a:picLocks noChangeAspect="1"/>
+          </p:cNvPicPr>
+          <p:nvPr/>
+        </p:nvPicPr>
+        <p:blipFill>
+          <a:blip r:embed="rId2"/>
+          <a:stretch>
+            <a:fillRect/>
+          </a:stretch>
+        </p:blipFill>
+        <p:spPr>
+          <a:xfrm>
+            <a:off x="1187245" y="1490221"/>
+            <a:ext cx="6769510" cy="4945169"/>
+          </a:xfrm>
+          <a:prstGeom prst="rect">
+            <a:avLst/>
+          </a:prstGeom>
+        </p:spPr>
+      </p:pic>
+      <p:sp>
+        <p:nvSpPr>
+          <p:cNvPr id="7" name="TextBox 6">
+            <a:extLst>
+              <a:ext uri="{FF2B5EF4-FFF2-40B4-BE49-F238E27FC236}">
+                <a16:creationId xmlns:a16="http://schemas.microsoft.com/office/drawing/2014/main" id="{3D3AEABF-992B-DC41-8DF2-869DE54AADA1}"/>
+              </a:ext>
+            </a:extLst>
+          </p:cNvPr>
+          <p:cNvSpPr txBox="1"/>
+          <p:nvPr/>
+        </p:nvSpPr>
+        <p:spPr>
+          <a:xfrm>
+            <a:off x="0" y="6550223"/>
+            <a:ext cx="4557658" cy="307777"/>
+          </a:xfrm>
+          <a:prstGeom prst="rect">
+            <a:avLst/>
+          </a:prstGeom>
+          <a:noFill/>
+        </p:spPr>
+        <p:txBody>
+          <a:bodyPr wrap="none" rtlCol="0">
+            <a:spAutoFit/>
+          </a:bodyPr>
+          <a:lstStyle/>
+          <a:p>
+            <a:r>
+              <a:rPr lang="en-US" sz="1400" dirty="0">
+                <a:solidFill>
+                  <a:schemeClr val="bg2"/>
+                </a:solidFill>
+                <a:latin typeface="Consolas" panose="020B0609020204030204" pitchFamily="49" charset="0"/>
+                <a:cs typeface="Consolas" panose="020B0609020204030204" pitchFamily="49" charset="0"/>
+                <a:hlinkClick r:id="rId3">
+                  <a:extLst>
+                    <a:ext uri="{A12FA001-AC4F-418D-AE19-62706E023703}">
+                      <ahyp:hlinkClr xmlns:ahyp="http://schemas.microsoft.com/office/drawing/2018/hyperlinkcolor" val="tx"/>
+                    </a:ext>
+                  </a:extLst>
+                </a:hlinkClick>
+              </a:rPr>
+              <a:t>https://en.wikipedia.org/wiki/Random_forest</a:t>
+            </a:r>
+            <a:r>
+              <a:rPr lang="en-US" sz="1400" dirty="0">
+                <a:solidFill>
+                  <a:schemeClr val="bg2"/>
+                </a:solidFill>
+                <a:latin typeface="Consolas" panose="020B0609020204030204" pitchFamily="49" charset="0"/>
+                <a:cs typeface="Consolas" panose="020B0609020204030204" pitchFamily="49" charset="0"/>
+              </a:rPr>
+              <a:t> </a:t>
+            </a:r>
+          </a:p>
+        </p:txBody>
+      </p:sp>
+      <p:sp>
+        <p:nvSpPr>
+          <p:cNvPr id="8" name="TextBox 7">
+            <a:extLst>
+              <a:ext uri="{FF2B5EF4-FFF2-40B4-BE49-F238E27FC236}">
+                <a16:creationId xmlns:a16="http://schemas.microsoft.com/office/drawing/2014/main" id="{24F25063-9425-9848-A2AB-20492D219967}"/>
+              </a:ext>
+            </a:extLst>
+          </p:cNvPr>
+          <p:cNvSpPr txBox="1"/>
+          <p:nvPr/>
+        </p:nvSpPr>
+        <p:spPr>
+          <a:xfrm>
+            <a:off x="753584" y="640718"/>
+            <a:ext cx="3267241" cy="646331"/>
+          </a:xfrm>
+          <a:prstGeom prst="rect">
+            <a:avLst/>
+          </a:prstGeom>
+          <a:noFill/>
+        </p:spPr>
+        <p:txBody>
+          <a:bodyPr wrap="none" rtlCol="0">
+            <a:spAutoFit/>
+          </a:bodyPr>
+          <a:lstStyle/>
+          <a:p>
+            <a:r>
+              <a:rPr lang="es-ES_tradnl" sz="3600" dirty="0" err="1">
+                <a:latin typeface="Trebuchet MS"/>
+                <a:cs typeface="Trebuchet MS"/>
+              </a:rPr>
+              <a:t>Random</a:t>
+            </a:r>
+            <a:r>
+              <a:rPr lang="es-ES_tradnl" sz="3600" dirty="0">
+                <a:latin typeface="Trebuchet MS"/>
+                <a:cs typeface="Trebuchet MS"/>
+              </a:rPr>
+              <a:t> </a:t>
+            </a:r>
+            <a:r>
+              <a:rPr lang="es-ES_tradnl" sz="3600" dirty="0" err="1">
+                <a:latin typeface="Trebuchet MS"/>
+                <a:cs typeface="Trebuchet MS"/>
+              </a:rPr>
+              <a:t>Forest</a:t>
+            </a:r>
+            <a:endParaRPr lang="es-ES_tradnl" sz="3600" dirty="0">
+              <a:latin typeface="Trebuchet MS"/>
+              <a:cs typeface="Trebuchet MS"/>
+            </a:endParaRPr>
+          </a:p>
+        </p:txBody>
+      </p:sp>
+    </p:spTree>
+    <p:extLst>
+      <p:ext uri="{BB962C8B-B14F-4D97-AF65-F5344CB8AC3E}">
+        <p14:creationId xmlns:p14="http://schemas.microsoft.com/office/powerpoint/2010/main" val="3113160063"/>
+      </p:ext>
+    </p:extLst>
+  </p:cSld>
+  <p:clrMapOvr>
+    <a:masterClrMapping/>
+  </p:clrMapOvr>
+</p:sld>
+</file>
+
+<file path=ppt/slides/slide35.xml><?xml version="1.0" encoding="utf-8"?>
+<p:sld xmlns:a="http://schemas.openxmlformats.org/drawingml/2006/main" xmlns:r="http://schemas.openxmlformats.org/officeDocument/2006/relationships" xmlns:p="http://schemas.openxmlformats.org/presentationml/2006/main">
+  <p:cSld>
+    <p:spTree>
+      <p:nvGrpSpPr>
+        <p:cNvPr id="1" name=""/>
+        <p:cNvGrpSpPr/>
+        <p:nvPr/>
+      </p:nvGrpSpPr>
+      <p:grpSpPr>
+        <a:xfrm>
+          <a:off x="0" y="0"/>
+          <a:ext cx="0" cy="0"/>
+          <a:chOff x="0" y="0"/>
+          <a:chExt cx="0" cy="0"/>
+        </a:xfrm>
+      </p:grpSpPr>
+      <p:pic>
+        <p:nvPicPr>
           <p:cNvPr id="10242" name="Picture 2">
             <a:extLst>
               <a:ext uri="{FF2B5EF4-FFF2-40B4-BE49-F238E27FC236}">
@@ -11052,6 +14893,414 @@
           </a:extLst>
         </p:spPr>
       </p:pic>
+      <p:grpSp>
+        <p:nvGrpSpPr>
+          <p:cNvPr id="7" name="Group 6">
+            <a:extLst>
+              <a:ext uri="{FF2B5EF4-FFF2-40B4-BE49-F238E27FC236}">
+                <a16:creationId xmlns:a16="http://schemas.microsoft.com/office/drawing/2014/main" id="{482B6952-F7C6-4145-84C8-EFE0CE510D71}"/>
+              </a:ext>
+            </a:extLst>
+          </p:cNvPr>
+          <p:cNvGrpSpPr/>
+          <p:nvPr/>
+        </p:nvGrpSpPr>
+        <p:grpSpPr>
+          <a:xfrm>
+            <a:off x="2196996" y="4934366"/>
+            <a:ext cx="368196" cy="299057"/>
+            <a:chOff x="3730830" y="5722784"/>
+            <a:chExt cx="431800" cy="323850"/>
+          </a:xfrm>
+        </p:grpSpPr>
+        <p:sp>
+          <p:nvSpPr>
+            <p:cNvPr id="8" name="Rectangle 7">
+              <a:extLst>
+                <a:ext uri="{FF2B5EF4-FFF2-40B4-BE49-F238E27FC236}">
+                  <a16:creationId xmlns:a16="http://schemas.microsoft.com/office/drawing/2014/main" id="{711C944B-F3DD-504A-A832-26B623F3B47E}"/>
+                </a:ext>
+              </a:extLst>
+            </p:cNvPr>
+            <p:cNvSpPr/>
+            <p:nvPr/>
+          </p:nvSpPr>
+          <p:spPr>
+            <a:xfrm>
+              <a:off x="3730830" y="5722784"/>
+              <a:ext cx="431800" cy="323850"/>
+            </a:xfrm>
+            <a:prstGeom prst="rect">
+              <a:avLst/>
+            </a:prstGeom>
+            <a:solidFill>
+              <a:schemeClr val="bg1"/>
+            </a:solidFill>
+            <a:ln>
+              <a:noFill/>
+            </a:ln>
+            <a:effectLst/>
+          </p:spPr>
+          <p:style>
+            <a:lnRef idx="1">
+              <a:schemeClr val="accent1"/>
+            </a:lnRef>
+            <a:fillRef idx="3">
+              <a:schemeClr val="accent1"/>
+            </a:fillRef>
+            <a:effectRef idx="2">
+              <a:schemeClr val="accent1"/>
+            </a:effectRef>
+            <a:fontRef idx="minor">
+              <a:schemeClr val="lt1"/>
+            </a:fontRef>
+          </p:style>
+          <p:txBody>
+            <a:bodyPr rtlCol="0" anchor="ctr"/>
+            <a:lstStyle/>
+            <a:p>
+              <a:pPr algn="ctr"/>
+              <a:endParaRPr lang="en-US" dirty="0"/>
+            </a:p>
+          </p:txBody>
+        </p:sp>
+        <p:pic>
+          <p:nvPicPr>
+            <p:cNvPr id="9" name="Picture 8">
+              <a:extLst>
+                <a:ext uri="{FF2B5EF4-FFF2-40B4-BE49-F238E27FC236}">
+                  <a16:creationId xmlns:a16="http://schemas.microsoft.com/office/drawing/2014/main" id="{0CAFA763-9D25-1C4D-86EA-79B9FC17467C}"/>
+                </a:ext>
+              </a:extLst>
+            </p:cNvPr>
+            <p:cNvPicPr>
+              <a:picLocks noChangeAspect="1"/>
+            </p:cNvPicPr>
+            <p:nvPr/>
+          </p:nvPicPr>
+          <p:blipFill>
+            <a:blip r:embed="rId3"/>
+            <a:stretch>
+              <a:fillRect/>
+            </a:stretch>
+          </p:blipFill>
+          <p:spPr>
+            <a:xfrm>
+              <a:off x="3730830" y="5754534"/>
+              <a:ext cx="431800" cy="292100"/>
+            </a:xfrm>
+            <a:prstGeom prst="rect">
+              <a:avLst/>
+            </a:prstGeom>
+          </p:spPr>
+        </p:pic>
+      </p:grpSp>
+      <p:grpSp>
+        <p:nvGrpSpPr>
+          <p:cNvPr id="10" name="Group 9">
+            <a:extLst>
+              <a:ext uri="{FF2B5EF4-FFF2-40B4-BE49-F238E27FC236}">
+                <a16:creationId xmlns:a16="http://schemas.microsoft.com/office/drawing/2014/main" id="{CC14797E-8DD1-8C41-8375-7C5E6A6F50C3}"/>
+              </a:ext>
+            </a:extLst>
+          </p:cNvPr>
+          <p:cNvGrpSpPr/>
+          <p:nvPr/>
+        </p:nvGrpSpPr>
+        <p:grpSpPr>
+          <a:xfrm>
+            <a:off x="4704733" y="3255707"/>
+            <a:ext cx="357368" cy="320051"/>
+            <a:chOff x="5601314" y="5700049"/>
+            <a:chExt cx="419101" cy="346585"/>
+          </a:xfrm>
+        </p:grpSpPr>
+        <p:sp>
+          <p:nvSpPr>
+            <p:cNvPr id="11" name="Rectangle 10">
+              <a:extLst>
+                <a:ext uri="{FF2B5EF4-FFF2-40B4-BE49-F238E27FC236}">
+                  <a16:creationId xmlns:a16="http://schemas.microsoft.com/office/drawing/2014/main" id="{2B2846C8-3106-924F-AEEF-C291C2C4708B}"/>
+                </a:ext>
+              </a:extLst>
+            </p:cNvPr>
+            <p:cNvSpPr/>
+            <p:nvPr/>
+          </p:nvSpPr>
+          <p:spPr>
+            <a:xfrm>
+              <a:off x="5601315" y="5700049"/>
+              <a:ext cx="419100" cy="346585"/>
+            </a:xfrm>
+            <a:prstGeom prst="rect">
+              <a:avLst/>
+            </a:prstGeom>
+            <a:solidFill>
+              <a:schemeClr val="bg1"/>
+            </a:solidFill>
+            <a:ln>
+              <a:noFill/>
+            </a:ln>
+            <a:effectLst/>
+          </p:spPr>
+          <p:style>
+            <a:lnRef idx="1">
+              <a:schemeClr val="accent1"/>
+            </a:lnRef>
+            <a:fillRef idx="3">
+              <a:schemeClr val="accent1"/>
+            </a:fillRef>
+            <a:effectRef idx="2">
+              <a:schemeClr val="accent1"/>
+            </a:effectRef>
+            <a:fontRef idx="minor">
+              <a:schemeClr val="lt1"/>
+            </a:fontRef>
+          </p:style>
+          <p:txBody>
+            <a:bodyPr rtlCol="0" anchor="ctr"/>
+            <a:lstStyle/>
+            <a:p>
+              <a:pPr algn="ctr"/>
+              <a:endParaRPr lang="en-US" dirty="0"/>
+            </a:p>
+          </p:txBody>
+        </p:sp>
+        <p:pic>
+          <p:nvPicPr>
+            <p:cNvPr id="12" name="Picture 11">
+              <a:extLst>
+                <a:ext uri="{FF2B5EF4-FFF2-40B4-BE49-F238E27FC236}">
+                  <a16:creationId xmlns:a16="http://schemas.microsoft.com/office/drawing/2014/main" id="{6872B102-A9F1-A342-9B54-DF6E4B708D4A}"/>
+                </a:ext>
+              </a:extLst>
+            </p:cNvPr>
+            <p:cNvPicPr>
+              <a:picLocks noChangeAspect="1"/>
+            </p:cNvPicPr>
+            <p:nvPr/>
+          </p:nvPicPr>
+          <p:blipFill>
+            <a:blip r:embed="rId4"/>
+            <a:stretch>
+              <a:fillRect/>
+            </a:stretch>
+          </p:blipFill>
+          <p:spPr>
+            <a:xfrm>
+              <a:off x="5601314" y="5722784"/>
+              <a:ext cx="419100" cy="279400"/>
+            </a:xfrm>
+            <a:prstGeom prst="rect">
+              <a:avLst/>
+            </a:prstGeom>
+          </p:spPr>
+        </p:pic>
+      </p:grpSp>
+      <p:grpSp>
+        <p:nvGrpSpPr>
+          <p:cNvPr id="13" name="Group 12">
+            <a:extLst>
+              <a:ext uri="{FF2B5EF4-FFF2-40B4-BE49-F238E27FC236}">
+                <a16:creationId xmlns:a16="http://schemas.microsoft.com/office/drawing/2014/main" id="{74ED508C-2409-A945-B6A2-10C945BD1DE8}"/>
+              </a:ext>
+            </a:extLst>
+          </p:cNvPr>
+          <p:cNvGrpSpPr/>
+          <p:nvPr/>
+        </p:nvGrpSpPr>
+        <p:grpSpPr>
+          <a:xfrm>
+            <a:off x="6947004" y="4936620"/>
+            <a:ext cx="368196" cy="299057"/>
+            <a:chOff x="3730830" y="5722784"/>
+            <a:chExt cx="431800" cy="323850"/>
+          </a:xfrm>
+        </p:grpSpPr>
+        <p:sp>
+          <p:nvSpPr>
+            <p:cNvPr id="14" name="Rectangle 13">
+              <a:extLst>
+                <a:ext uri="{FF2B5EF4-FFF2-40B4-BE49-F238E27FC236}">
+                  <a16:creationId xmlns:a16="http://schemas.microsoft.com/office/drawing/2014/main" id="{8D217048-F2A1-9A45-850F-BA504DE688F6}"/>
+                </a:ext>
+              </a:extLst>
+            </p:cNvPr>
+            <p:cNvSpPr/>
+            <p:nvPr/>
+          </p:nvSpPr>
+          <p:spPr>
+            <a:xfrm>
+              <a:off x="3730830" y="5722784"/>
+              <a:ext cx="431800" cy="323850"/>
+            </a:xfrm>
+            <a:prstGeom prst="rect">
+              <a:avLst/>
+            </a:prstGeom>
+            <a:solidFill>
+              <a:schemeClr val="bg1"/>
+            </a:solidFill>
+            <a:ln>
+              <a:noFill/>
+            </a:ln>
+            <a:effectLst/>
+          </p:spPr>
+          <p:style>
+            <a:lnRef idx="1">
+              <a:schemeClr val="accent1"/>
+            </a:lnRef>
+            <a:fillRef idx="3">
+              <a:schemeClr val="accent1"/>
+            </a:fillRef>
+            <a:effectRef idx="2">
+              <a:schemeClr val="accent1"/>
+            </a:effectRef>
+            <a:fontRef idx="minor">
+              <a:schemeClr val="lt1"/>
+            </a:fontRef>
+          </p:style>
+          <p:txBody>
+            <a:bodyPr rtlCol="0" anchor="ctr"/>
+            <a:lstStyle/>
+            <a:p>
+              <a:pPr algn="ctr"/>
+              <a:endParaRPr lang="en-US" dirty="0"/>
+            </a:p>
+          </p:txBody>
+        </p:sp>
+        <p:pic>
+          <p:nvPicPr>
+            <p:cNvPr id="15" name="Picture 14">
+              <a:extLst>
+                <a:ext uri="{FF2B5EF4-FFF2-40B4-BE49-F238E27FC236}">
+                  <a16:creationId xmlns:a16="http://schemas.microsoft.com/office/drawing/2014/main" id="{80B4F781-B0A9-6F4B-9DC7-3D6272D55C6D}"/>
+                </a:ext>
+              </a:extLst>
+            </p:cNvPr>
+            <p:cNvPicPr>
+              <a:picLocks noChangeAspect="1"/>
+            </p:cNvPicPr>
+            <p:nvPr/>
+          </p:nvPicPr>
+          <p:blipFill>
+            <a:blip r:embed="rId3"/>
+            <a:stretch>
+              <a:fillRect/>
+            </a:stretch>
+          </p:blipFill>
+          <p:spPr>
+            <a:xfrm>
+              <a:off x="3730830" y="5754534"/>
+              <a:ext cx="431800" cy="292100"/>
+            </a:xfrm>
+            <a:prstGeom prst="rect">
+              <a:avLst/>
+            </a:prstGeom>
+          </p:spPr>
+        </p:pic>
+      </p:grpSp>
+      <p:grpSp>
+        <p:nvGrpSpPr>
+          <p:cNvPr id="16" name="Group 15">
+            <a:extLst>
+              <a:ext uri="{FF2B5EF4-FFF2-40B4-BE49-F238E27FC236}">
+                <a16:creationId xmlns:a16="http://schemas.microsoft.com/office/drawing/2014/main" id="{0E7EBD15-1B54-8547-9DB7-0C45D45B4D28}"/>
+              </a:ext>
+            </a:extLst>
+          </p:cNvPr>
+          <p:cNvGrpSpPr/>
+          <p:nvPr/>
+        </p:nvGrpSpPr>
+        <p:grpSpPr>
+          <a:xfrm>
+            <a:off x="29497" y="3248946"/>
+            <a:ext cx="357368" cy="320051"/>
+            <a:chOff x="5601314" y="5700049"/>
+            <a:chExt cx="419101" cy="346585"/>
+          </a:xfrm>
+        </p:grpSpPr>
+        <p:sp>
+          <p:nvSpPr>
+            <p:cNvPr id="17" name="Rectangle 16">
+              <a:extLst>
+                <a:ext uri="{FF2B5EF4-FFF2-40B4-BE49-F238E27FC236}">
+                  <a16:creationId xmlns:a16="http://schemas.microsoft.com/office/drawing/2014/main" id="{77D83A92-8B18-CF40-98AA-400DA3FAE580}"/>
+                </a:ext>
+              </a:extLst>
+            </p:cNvPr>
+            <p:cNvSpPr/>
+            <p:nvPr/>
+          </p:nvSpPr>
+          <p:spPr>
+            <a:xfrm>
+              <a:off x="5601315" y="5700049"/>
+              <a:ext cx="419100" cy="346585"/>
+            </a:xfrm>
+            <a:prstGeom prst="rect">
+              <a:avLst/>
+            </a:prstGeom>
+            <a:solidFill>
+              <a:schemeClr val="bg1"/>
+            </a:solidFill>
+            <a:ln>
+              <a:noFill/>
+            </a:ln>
+            <a:effectLst/>
+          </p:spPr>
+          <p:style>
+            <a:lnRef idx="1">
+              <a:schemeClr val="accent1"/>
+            </a:lnRef>
+            <a:fillRef idx="3">
+              <a:schemeClr val="accent1"/>
+            </a:fillRef>
+            <a:effectRef idx="2">
+              <a:schemeClr val="accent1"/>
+            </a:effectRef>
+            <a:fontRef idx="minor">
+              <a:schemeClr val="lt1"/>
+            </a:fontRef>
+          </p:style>
+          <p:txBody>
+            <a:bodyPr rtlCol="0" anchor="ctr"/>
+            <a:lstStyle/>
+            <a:p>
+              <a:pPr algn="ctr"/>
+              <a:endParaRPr lang="en-US" dirty="0"/>
+            </a:p>
+          </p:txBody>
+        </p:sp>
+        <p:pic>
+          <p:nvPicPr>
+            <p:cNvPr id="18" name="Picture 17">
+              <a:extLst>
+                <a:ext uri="{FF2B5EF4-FFF2-40B4-BE49-F238E27FC236}">
+                  <a16:creationId xmlns:a16="http://schemas.microsoft.com/office/drawing/2014/main" id="{983A5716-3453-D54D-A761-0DB2DFA51426}"/>
+                </a:ext>
+              </a:extLst>
+            </p:cNvPr>
+            <p:cNvPicPr>
+              <a:picLocks noChangeAspect="1"/>
+            </p:cNvPicPr>
+            <p:nvPr/>
+          </p:nvPicPr>
+          <p:blipFill>
+            <a:blip r:embed="rId4"/>
+            <a:stretch>
+              <a:fillRect/>
+            </a:stretch>
+          </p:blipFill>
+          <p:spPr>
+            <a:xfrm>
+              <a:off x="5601314" y="5722784"/>
+              <a:ext cx="419100" cy="279400"/>
+            </a:xfrm>
+            <a:prstGeom prst="rect">
+              <a:avLst/>
+            </a:prstGeom>
+          </p:spPr>
+        </p:pic>
+      </p:grpSp>
     </p:spTree>
     <p:extLst>
       <p:ext uri="{BB962C8B-B14F-4D97-AF65-F5344CB8AC3E}">
@@ -11707,7 +15956,7 @@
         </p:nvCxnSpPr>
         <p:spPr>
           <a:xfrm>
-            <a:off x="4910866" y="1776248"/>
+            <a:off x="4837126" y="1776248"/>
             <a:ext cx="0" cy="4340773"/>
           </a:xfrm>
           <a:prstGeom prst="line">
@@ -11949,7 +16198,7 @@
         </p:blipFill>
         <p:spPr>
           <a:xfrm rot="16200000">
-            <a:off x="4702507" y="3225201"/>
+            <a:off x="4569775" y="3225201"/>
             <a:ext cx="4326483" cy="1409700"/>
           </a:xfrm>
           <a:prstGeom prst="rect">
@@ -12397,7 +16646,7 @@
         </p:blipFill>
         <p:spPr>
           <a:xfrm rot="16200000">
-            <a:off x="4702507" y="3225201"/>
+            <a:off x="4569775" y="3225201"/>
             <a:ext cx="4326483" cy="1409700"/>
           </a:xfrm>
           <a:prstGeom prst="rect">
